--- a/Presentation.pptx
+++ b/Presentation.pptx
@@ -4,12 +4,18 @@
   <p:sldMasterIdLst>
     <p:sldMasterId id="2147483648" r:id="rId1"/>
   </p:sldMasterIdLst>
+  <p:notesMasterIdLst>
+    <p:notesMasterId r:id="rId10"/>
+  </p:notesMasterIdLst>
   <p:sldIdLst>
     <p:sldId id="261" r:id="rId2"/>
     <p:sldId id="257" r:id="rId3"/>
-    <p:sldId id="258" r:id="rId4"/>
+    <p:sldId id="265" r:id="rId4"/>
     <p:sldId id="259" r:id="rId5"/>
-    <p:sldId id="260" r:id="rId6"/>
+    <p:sldId id="266" r:id="rId6"/>
+    <p:sldId id="262" r:id="rId7"/>
+    <p:sldId id="260" r:id="rId8"/>
+    <p:sldId id="264" r:id="rId9"/>
   </p:sldIdLst>
   <p:sldSz cx="12192000" cy="6858000"/>
   <p:notesSz cx="6858000" cy="9144000"/>
@@ -984,6 +990,788 @@
   <dgm:styleLbl name="trBgShp">
     <dgm:fillClrLst meth="repeat">
       <a:schemeClr val="accent1">
+        <a:tint val="50000"/>
+        <a:alpha val="40000"/>
+      </a:schemeClr>
+    </dgm:fillClrLst>
+    <dgm:linClrLst meth="repeat">
+      <a:schemeClr val="accent2"/>
+    </dgm:linClrLst>
+    <dgm:effectClrLst/>
+    <dgm:txLinClrLst/>
+    <dgm:txFillClrLst meth="repeat">
+      <a:schemeClr val="lt1"/>
+    </dgm:txFillClrLst>
+    <dgm:txEffectClrLst/>
+  </dgm:styleLbl>
+  <dgm:styleLbl name="fgShp">
+    <dgm:fillClrLst meth="repeat">
+      <a:schemeClr val="accent2">
+        <a:tint val="40000"/>
+      </a:schemeClr>
+    </dgm:fillClrLst>
+    <dgm:linClrLst meth="repeat">
+      <a:schemeClr val="lt1"/>
+    </dgm:linClrLst>
+    <dgm:effectClrLst/>
+    <dgm:txLinClrLst/>
+    <dgm:txFillClrLst meth="repeat">
+      <a:schemeClr val="dk1"/>
+    </dgm:txFillClrLst>
+    <dgm:txEffectClrLst/>
+  </dgm:styleLbl>
+  <dgm:styleLbl name="revTx">
+    <dgm:fillClrLst meth="repeat">
+      <a:schemeClr val="lt1">
+        <a:alpha val="0"/>
+      </a:schemeClr>
+    </dgm:fillClrLst>
+    <dgm:linClrLst meth="repeat">
+      <a:schemeClr val="dk1">
+        <a:alpha val="0"/>
+      </a:schemeClr>
+    </dgm:linClrLst>
+    <dgm:effectClrLst/>
+    <dgm:txLinClrLst/>
+    <dgm:txFillClrLst meth="repeat">
+      <a:schemeClr val="tx1"/>
+    </dgm:txFillClrLst>
+    <dgm:txEffectClrLst/>
+  </dgm:styleLbl>
+</dgm:colorsDef>
+</file>
+
+<file path=ppt/diagrams/colors2.xml><?xml version="1.0" encoding="utf-8"?>
+<dgm:colorsDef xmlns:dgm="http://schemas.openxmlformats.org/drawingml/2006/diagram" xmlns:a="http://schemas.openxmlformats.org/drawingml/2006/main" uniqueId="urn:microsoft.com/office/officeart/2005/8/colors/colorful2">
+  <dgm:title val=""/>
+  <dgm:desc val=""/>
+  <dgm:catLst>
+    <dgm:cat type="colorful" pri="10200"/>
+  </dgm:catLst>
+  <dgm:styleLbl name="node0">
+    <dgm:fillClrLst meth="repeat">
+      <a:schemeClr val="accent1"/>
+    </dgm:fillClrLst>
+    <dgm:linClrLst meth="repeat">
+      <a:schemeClr val="lt1"/>
+    </dgm:linClrLst>
+    <dgm:effectClrLst/>
+    <dgm:txLinClrLst/>
+    <dgm:txFillClrLst/>
+    <dgm:txEffectClrLst/>
+  </dgm:styleLbl>
+  <dgm:styleLbl name="node1">
+    <dgm:fillClrLst>
+      <a:schemeClr val="accent2"/>
+      <a:schemeClr val="accent3"/>
+    </dgm:fillClrLst>
+    <dgm:linClrLst meth="repeat">
+      <a:schemeClr val="lt1"/>
+    </dgm:linClrLst>
+    <dgm:effectClrLst/>
+    <dgm:txLinClrLst/>
+    <dgm:txFillClrLst/>
+    <dgm:txEffectClrLst/>
+  </dgm:styleLbl>
+  <dgm:styleLbl name="alignNode1">
+    <dgm:fillClrLst>
+      <a:schemeClr val="accent2"/>
+      <a:schemeClr val="accent3"/>
+    </dgm:fillClrLst>
+    <dgm:linClrLst>
+      <a:schemeClr val="accent2"/>
+      <a:schemeClr val="accent3"/>
+    </dgm:linClrLst>
+    <dgm:effectClrLst/>
+    <dgm:txLinClrLst/>
+    <dgm:txFillClrLst/>
+    <dgm:txEffectClrLst/>
+  </dgm:styleLbl>
+  <dgm:styleLbl name="lnNode1">
+    <dgm:fillClrLst>
+      <a:schemeClr val="accent2"/>
+      <a:schemeClr val="accent3"/>
+    </dgm:fillClrLst>
+    <dgm:linClrLst meth="repeat">
+      <a:schemeClr val="lt1"/>
+    </dgm:linClrLst>
+    <dgm:effectClrLst/>
+    <dgm:txLinClrLst/>
+    <dgm:txFillClrLst/>
+    <dgm:txEffectClrLst/>
+  </dgm:styleLbl>
+  <dgm:styleLbl name="vennNode1">
+    <dgm:fillClrLst>
+      <a:schemeClr val="accent2">
+        <a:alpha val="50000"/>
+      </a:schemeClr>
+      <a:schemeClr val="accent3">
+        <a:alpha val="50000"/>
+      </a:schemeClr>
+    </dgm:fillClrLst>
+    <dgm:linClrLst meth="repeat">
+      <a:schemeClr val="lt1"/>
+    </dgm:linClrLst>
+    <dgm:effectClrLst/>
+    <dgm:txLinClrLst/>
+    <dgm:txFillClrLst/>
+    <dgm:txEffectClrLst/>
+  </dgm:styleLbl>
+  <dgm:styleLbl name="node2">
+    <dgm:fillClrLst>
+      <a:schemeClr val="accent3"/>
+    </dgm:fillClrLst>
+    <dgm:linClrLst meth="repeat">
+      <a:schemeClr val="lt1"/>
+    </dgm:linClrLst>
+    <dgm:effectClrLst/>
+    <dgm:txLinClrLst/>
+    <dgm:txFillClrLst/>
+    <dgm:txEffectClrLst/>
+  </dgm:styleLbl>
+  <dgm:styleLbl name="node3">
+    <dgm:fillClrLst>
+      <a:schemeClr val="accent4"/>
+    </dgm:fillClrLst>
+    <dgm:linClrLst meth="repeat">
+      <a:schemeClr val="lt1"/>
+    </dgm:linClrLst>
+    <dgm:effectClrLst/>
+    <dgm:txLinClrLst/>
+    <dgm:txFillClrLst/>
+    <dgm:txEffectClrLst/>
+  </dgm:styleLbl>
+  <dgm:styleLbl name="node4">
+    <dgm:fillClrLst>
+      <a:schemeClr val="accent5"/>
+    </dgm:fillClrLst>
+    <dgm:linClrLst meth="repeat">
+      <a:schemeClr val="lt1"/>
+    </dgm:linClrLst>
+    <dgm:effectClrLst/>
+    <dgm:txLinClrLst/>
+    <dgm:txFillClrLst/>
+    <dgm:txEffectClrLst/>
+  </dgm:styleLbl>
+  <dgm:styleLbl name="fgImgPlace1">
+    <dgm:fillClrLst>
+      <a:schemeClr val="accent2">
+        <a:tint val="50000"/>
+      </a:schemeClr>
+      <a:schemeClr val="accent3">
+        <a:tint val="50000"/>
+      </a:schemeClr>
+    </dgm:fillClrLst>
+    <dgm:linClrLst meth="repeat">
+      <a:schemeClr val="lt1"/>
+    </dgm:linClrLst>
+    <dgm:effectClrLst/>
+    <dgm:txLinClrLst/>
+    <dgm:txFillClrLst meth="repeat">
+      <a:schemeClr val="lt1"/>
+    </dgm:txFillClrLst>
+    <dgm:txEffectClrLst/>
+  </dgm:styleLbl>
+  <dgm:styleLbl name="alignImgPlace1">
+    <dgm:fillClrLst>
+      <a:schemeClr val="accent2">
+        <a:tint val="50000"/>
+      </a:schemeClr>
+      <a:schemeClr val="accent3">
+        <a:tint val="20000"/>
+      </a:schemeClr>
+    </dgm:fillClrLst>
+    <dgm:linClrLst meth="repeat">
+      <a:schemeClr val="lt1"/>
+    </dgm:linClrLst>
+    <dgm:effectClrLst/>
+    <dgm:txLinClrLst/>
+    <dgm:txFillClrLst meth="repeat">
+      <a:schemeClr val="lt1"/>
+    </dgm:txFillClrLst>
+    <dgm:txEffectClrLst/>
+  </dgm:styleLbl>
+  <dgm:styleLbl name="bgImgPlace1">
+    <dgm:fillClrLst>
+      <a:schemeClr val="accent2">
+        <a:tint val="50000"/>
+      </a:schemeClr>
+      <a:schemeClr val="accent3">
+        <a:tint val="20000"/>
+      </a:schemeClr>
+    </dgm:fillClrLst>
+    <dgm:linClrLst meth="repeat">
+      <a:schemeClr val="lt1"/>
+    </dgm:linClrLst>
+    <dgm:effectClrLst/>
+    <dgm:txLinClrLst/>
+    <dgm:txFillClrLst meth="repeat">
+      <a:schemeClr val="lt1"/>
+    </dgm:txFillClrLst>
+    <dgm:txEffectClrLst/>
+  </dgm:styleLbl>
+  <dgm:styleLbl name="sibTrans2D1">
+    <dgm:fillClrLst>
+      <a:schemeClr val="accent2"/>
+      <a:schemeClr val="accent3"/>
+    </dgm:fillClrLst>
+    <dgm:linClrLst meth="repeat">
+      <a:schemeClr val="lt1"/>
+    </dgm:linClrLst>
+    <dgm:effectClrLst/>
+    <dgm:txLinClrLst/>
+    <dgm:txFillClrLst/>
+    <dgm:txEffectClrLst/>
+  </dgm:styleLbl>
+  <dgm:styleLbl name="fgSibTrans2D1">
+    <dgm:fillClrLst>
+      <a:schemeClr val="accent2"/>
+      <a:schemeClr val="accent3"/>
+    </dgm:fillClrLst>
+    <dgm:linClrLst meth="repeat">
+      <a:schemeClr val="lt1"/>
+    </dgm:linClrLst>
+    <dgm:effectClrLst/>
+    <dgm:txLinClrLst/>
+    <dgm:txFillClrLst meth="repeat">
+      <a:schemeClr val="lt1"/>
+    </dgm:txFillClrLst>
+    <dgm:txEffectClrLst/>
+  </dgm:styleLbl>
+  <dgm:styleLbl name="bgSibTrans2D1">
+    <dgm:fillClrLst>
+      <a:schemeClr val="accent2"/>
+      <a:schemeClr val="accent3"/>
+    </dgm:fillClrLst>
+    <dgm:linClrLst meth="repeat">
+      <a:schemeClr val="lt1"/>
+    </dgm:linClrLst>
+    <dgm:effectClrLst/>
+    <dgm:txLinClrLst/>
+    <dgm:txFillClrLst meth="repeat">
+      <a:schemeClr val="lt1"/>
+    </dgm:txFillClrLst>
+    <dgm:txEffectClrLst/>
+  </dgm:styleLbl>
+  <dgm:styleLbl name="sibTrans1D1">
+    <dgm:fillClrLst/>
+    <dgm:linClrLst>
+      <a:schemeClr val="accent2"/>
+      <a:schemeClr val="accent3"/>
+    </dgm:linClrLst>
+    <dgm:effectClrLst/>
+    <dgm:txLinClrLst/>
+    <dgm:txFillClrLst meth="repeat">
+      <a:schemeClr val="tx1"/>
+    </dgm:txFillClrLst>
+    <dgm:txEffectClrLst/>
+  </dgm:styleLbl>
+  <dgm:styleLbl name="callout">
+    <dgm:fillClrLst meth="repeat">
+      <a:schemeClr val="accent2"/>
+    </dgm:fillClrLst>
+    <dgm:linClrLst meth="repeat">
+      <a:schemeClr val="accent2">
+        <a:tint val="50000"/>
+      </a:schemeClr>
+    </dgm:linClrLst>
+    <dgm:effectClrLst/>
+    <dgm:txLinClrLst/>
+    <dgm:txFillClrLst meth="repeat">
+      <a:schemeClr val="tx1"/>
+    </dgm:txFillClrLst>
+    <dgm:txEffectClrLst/>
+  </dgm:styleLbl>
+  <dgm:styleLbl name="asst0">
+    <dgm:fillClrLst meth="repeat">
+      <a:schemeClr val="accent2"/>
+    </dgm:fillClrLst>
+    <dgm:linClrLst meth="repeat">
+      <a:schemeClr val="lt1">
+        <a:shade val="80000"/>
+      </a:schemeClr>
+    </dgm:linClrLst>
+    <dgm:effectClrLst/>
+    <dgm:txLinClrLst/>
+    <dgm:txFillClrLst/>
+    <dgm:txEffectClrLst/>
+  </dgm:styleLbl>
+  <dgm:styleLbl name="asst1">
+    <dgm:fillClrLst meth="repeat">
+      <a:schemeClr val="accent3"/>
+    </dgm:fillClrLst>
+    <dgm:linClrLst meth="repeat">
+      <a:schemeClr val="lt1">
+        <a:shade val="80000"/>
+      </a:schemeClr>
+    </dgm:linClrLst>
+    <dgm:effectClrLst/>
+    <dgm:txLinClrLst/>
+    <dgm:txFillClrLst/>
+    <dgm:txEffectClrLst/>
+  </dgm:styleLbl>
+  <dgm:styleLbl name="asst2">
+    <dgm:fillClrLst>
+      <a:schemeClr val="accent4"/>
+    </dgm:fillClrLst>
+    <dgm:linClrLst meth="repeat">
+      <a:schemeClr val="lt1"/>
+    </dgm:linClrLst>
+    <dgm:effectClrLst/>
+    <dgm:txLinClrLst/>
+    <dgm:txFillClrLst/>
+    <dgm:txEffectClrLst/>
+  </dgm:styleLbl>
+  <dgm:styleLbl name="asst3">
+    <dgm:fillClrLst>
+      <a:schemeClr val="accent5"/>
+    </dgm:fillClrLst>
+    <dgm:linClrLst meth="repeat">
+      <a:schemeClr val="lt1"/>
+    </dgm:linClrLst>
+    <dgm:effectClrLst/>
+    <dgm:txLinClrLst/>
+    <dgm:txFillClrLst/>
+    <dgm:txEffectClrLst/>
+  </dgm:styleLbl>
+  <dgm:styleLbl name="asst4">
+    <dgm:fillClrLst>
+      <a:schemeClr val="accent6"/>
+    </dgm:fillClrLst>
+    <dgm:linClrLst meth="repeat">
+      <a:schemeClr val="lt1"/>
+    </dgm:linClrLst>
+    <dgm:effectClrLst/>
+    <dgm:txLinClrLst/>
+    <dgm:txFillClrLst/>
+    <dgm:txEffectClrLst/>
+  </dgm:styleLbl>
+  <dgm:styleLbl name="parChTrans2D1">
+    <dgm:fillClrLst meth="repeat">
+      <a:schemeClr val="accent2"/>
+    </dgm:fillClrLst>
+    <dgm:linClrLst meth="repeat">
+      <a:schemeClr val="lt1"/>
+    </dgm:linClrLst>
+    <dgm:effectClrLst/>
+    <dgm:txLinClrLst/>
+    <dgm:txFillClrLst meth="repeat">
+      <a:schemeClr val="lt1"/>
+    </dgm:txFillClrLst>
+    <dgm:txEffectClrLst/>
+  </dgm:styleLbl>
+  <dgm:styleLbl name="parChTrans2D2">
+    <dgm:fillClrLst meth="repeat">
+      <a:schemeClr val="accent3"/>
+    </dgm:fillClrLst>
+    <dgm:linClrLst meth="repeat">
+      <a:schemeClr val="lt1"/>
+    </dgm:linClrLst>
+    <dgm:effectClrLst/>
+    <dgm:txLinClrLst/>
+    <dgm:txFillClrLst/>
+    <dgm:txEffectClrLst/>
+  </dgm:styleLbl>
+  <dgm:styleLbl name="parChTrans2D3">
+    <dgm:fillClrLst meth="repeat">
+      <a:schemeClr val="accent4"/>
+    </dgm:fillClrLst>
+    <dgm:linClrLst meth="repeat">
+      <a:schemeClr val="lt1"/>
+    </dgm:linClrLst>
+    <dgm:effectClrLst/>
+    <dgm:txLinClrLst/>
+    <dgm:txFillClrLst/>
+    <dgm:txEffectClrLst/>
+  </dgm:styleLbl>
+  <dgm:styleLbl name="parChTrans2D4">
+    <dgm:fillClrLst meth="repeat">
+      <a:schemeClr val="accent5"/>
+    </dgm:fillClrLst>
+    <dgm:linClrLst meth="repeat">
+      <a:schemeClr val="lt1"/>
+    </dgm:linClrLst>
+    <dgm:effectClrLst/>
+    <dgm:txLinClrLst/>
+    <dgm:txFillClrLst meth="repeat">
+      <a:schemeClr val="lt1"/>
+    </dgm:txFillClrLst>
+    <dgm:txEffectClrLst/>
+  </dgm:styleLbl>
+  <dgm:styleLbl name="parChTrans1D1">
+    <dgm:fillClrLst meth="repeat">
+      <a:schemeClr val="accent2"/>
+    </dgm:fillClrLst>
+    <dgm:linClrLst meth="repeat">
+      <a:schemeClr val="accent2"/>
+    </dgm:linClrLst>
+    <dgm:effectClrLst/>
+    <dgm:txLinClrLst/>
+    <dgm:txFillClrLst meth="repeat">
+      <a:schemeClr val="tx1"/>
+    </dgm:txFillClrLst>
+    <dgm:txEffectClrLst/>
+  </dgm:styleLbl>
+  <dgm:styleLbl name="parChTrans1D2">
+    <dgm:fillClrLst meth="repeat">
+      <a:schemeClr val="accent2">
+        <a:tint val="90000"/>
+      </a:schemeClr>
+    </dgm:fillClrLst>
+    <dgm:linClrLst meth="repeat">
+      <a:schemeClr val="accent3"/>
+    </dgm:linClrLst>
+    <dgm:effectClrLst/>
+    <dgm:txLinClrLst/>
+    <dgm:txFillClrLst meth="repeat">
+      <a:schemeClr val="tx1"/>
+    </dgm:txFillClrLst>
+    <dgm:txEffectClrLst/>
+  </dgm:styleLbl>
+  <dgm:styleLbl name="parChTrans1D3">
+    <dgm:fillClrLst meth="repeat">
+      <a:schemeClr val="accent2">
+        <a:tint val="70000"/>
+      </a:schemeClr>
+    </dgm:fillClrLst>
+    <dgm:linClrLst meth="repeat">
+      <a:schemeClr val="accent4"/>
+    </dgm:linClrLst>
+    <dgm:effectClrLst/>
+    <dgm:txLinClrLst/>
+    <dgm:txFillClrLst meth="repeat">
+      <a:schemeClr val="tx1"/>
+    </dgm:txFillClrLst>
+    <dgm:txEffectClrLst/>
+  </dgm:styleLbl>
+  <dgm:styleLbl name="parChTrans1D4">
+    <dgm:fillClrLst meth="repeat">
+      <a:schemeClr val="accent2">
+        <a:tint val="50000"/>
+      </a:schemeClr>
+    </dgm:fillClrLst>
+    <dgm:linClrLst meth="repeat">
+      <a:schemeClr val="accent5"/>
+    </dgm:linClrLst>
+    <dgm:effectClrLst/>
+    <dgm:txLinClrLst/>
+    <dgm:txFillClrLst meth="repeat">
+      <a:schemeClr val="tx1"/>
+    </dgm:txFillClrLst>
+    <dgm:txEffectClrLst/>
+  </dgm:styleLbl>
+  <dgm:styleLbl name="fgAcc1">
+    <dgm:fillClrLst meth="repeat">
+      <a:schemeClr val="lt1">
+        <a:alpha val="90000"/>
+      </a:schemeClr>
+    </dgm:fillClrLst>
+    <dgm:linClrLst>
+      <a:schemeClr val="accent2"/>
+      <a:schemeClr val="accent3"/>
+    </dgm:linClrLst>
+    <dgm:effectClrLst/>
+    <dgm:txLinClrLst/>
+    <dgm:txFillClrLst meth="repeat">
+      <a:schemeClr val="dk1"/>
+    </dgm:txFillClrLst>
+    <dgm:txEffectClrLst/>
+  </dgm:styleLbl>
+  <dgm:styleLbl name="conFgAcc1">
+    <dgm:fillClrLst meth="repeat">
+      <a:schemeClr val="lt1">
+        <a:alpha val="90000"/>
+      </a:schemeClr>
+    </dgm:fillClrLst>
+    <dgm:linClrLst>
+      <a:schemeClr val="accent2"/>
+      <a:schemeClr val="accent3"/>
+    </dgm:linClrLst>
+    <dgm:effectClrLst/>
+    <dgm:txLinClrLst/>
+    <dgm:txFillClrLst meth="repeat">
+      <a:schemeClr val="dk1"/>
+    </dgm:txFillClrLst>
+    <dgm:txEffectClrLst/>
+  </dgm:styleLbl>
+  <dgm:styleLbl name="alignAcc1">
+    <dgm:fillClrLst meth="repeat">
+      <a:schemeClr val="lt1">
+        <a:alpha val="90000"/>
+      </a:schemeClr>
+    </dgm:fillClrLst>
+    <dgm:linClrLst>
+      <a:schemeClr val="accent2"/>
+      <a:schemeClr val="accent3"/>
+    </dgm:linClrLst>
+    <dgm:effectClrLst/>
+    <dgm:txLinClrLst/>
+    <dgm:txFillClrLst meth="repeat">
+      <a:schemeClr val="dk1"/>
+    </dgm:txFillClrLst>
+    <dgm:txEffectClrLst/>
+  </dgm:styleLbl>
+  <dgm:styleLbl name="trAlignAcc1">
+    <dgm:fillClrLst meth="repeat">
+      <a:schemeClr val="lt1">
+        <a:alpha val="40000"/>
+      </a:schemeClr>
+    </dgm:fillClrLst>
+    <dgm:linClrLst meth="repeat">
+      <a:schemeClr val="accent2"/>
+    </dgm:linClrLst>
+    <dgm:effectClrLst/>
+    <dgm:txLinClrLst/>
+    <dgm:txFillClrLst meth="repeat">
+      <a:schemeClr val="dk1"/>
+    </dgm:txFillClrLst>
+    <dgm:txEffectClrLst/>
+  </dgm:styleLbl>
+  <dgm:styleLbl name="bgAcc1">
+    <dgm:fillClrLst meth="repeat">
+      <a:schemeClr val="lt1">
+        <a:alpha val="90000"/>
+      </a:schemeClr>
+    </dgm:fillClrLst>
+    <dgm:linClrLst>
+      <a:schemeClr val="accent2"/>
+      <a:schemeClr val="accent3"/>
+    </dgm:linClrLst>
+    <dgm:effectClrLst/>
+    <dgm:txLinClrLst/>
+    <dgm:txFillClrLst meth="repeat">
+      <a:schemeClr val="dk1"/>
+    </dgm:txFillClrLst>
+    <dgm:txEffectClrLst/>
+  </dgm:styleLbl>
+  <dgm:styleLbl name="solidFgAcc1">
+    <dgm:fillClrLst meth="repeat">
+      <a:schemeClr val="lt1"/>
+    </dgm:fillClrLst>
+    <dgm:linClrLst>
+      <a:schemeClr val="accent2"/>
+      <a:schemeClr val="accent3"/>
+    </dgm:linClrLst>
+    <dgm:effectClrLst/>
+    <dgm:txLinClrLst/>
+    <dgm:txFillClrLst meth="repeat">
+      <a:schemeClr val="dk1"/>
+    </dgm:txFillClrLst>
+    <dgm:txEffectClrLst/>
+  </dgm:styleLbl>
+  <dgm:styleLbl name="solidAlignAcc1">
+    <dgm:fillClrLst meth="repeat">
+      <a:schemeClr val="lt1"/>
+    </dgm:fillClrLst>
+    <dgm:linClrLst>
+      <a:schemeClr val="accent2"/>
+      <a:schemeClr val="accent3"/>
+    </dgm:linClrLst>
+    <dgm:effectClrLst/>
+    <dgm:txLinClrLst/>
+    <dgm:txFillClrLst meth="repeat">
+      <a:schemeClr val="dk1"/>
+    </dgm:txFillClrLst>
+    <dgm:txEffectClrLst/>
+  </dgm:styleLbl>
+  <dgm:styleLbl name="solidBgAcc1">
+    <dgm:fillClrLst meth="repeat">
+      <a:schemeClr val="lt1"/>
+    </dgm:fillClrLst>
+    <dgm:linClrLst>
+      <a:schemeClr val="accent2"/>
+      <a:schemeClr val="accent3"/>
+    </dgm:linClrLst>
+    <dgm:effectClrLst/>
+    <dgm:txLinClrLst/>
+    <dgm:txFillClrLst meth="repeat">
+      <a:schemeClr val="dk1"/>
+    </dgm:txFillClrLst>
+    <dgm:txEffectClrLst/>
+  </dgm:styleLbl>
+  <dgm:styleLbl name="fgAccFollowNode1">
+    <dgm:fillClrLst>
+      <a:schemeClr val="accent2">
+        <a:tint val="40000"/>
+        <a:alpha val="90000"/>
+      </a:schemeClr>
+      <a:schemeClr val="accent3">
+        <a:tint val="40000"/>
+        <a:alpha val="90000"/>
+      </a:schemeClr>
+    </dgm:fillClrLst>
+    <dgm:linClrLst>
+      <a:schemeClr val="accent2">
+        <a:tint val="40000"/>
+        <a:alpha val="90000"/>
+      </a:schemeClr>
+      <a:schemeClr val="accent3">
+        <a:tint val="40000"/>
+        <a:alpha val="90000"/>
+      </a:schemeClr>
+    </dgm:linClrLst>
+    <dgm:effectClrLst/>
+    <dgm:txLinClrLst/>
+    <dgm:txFillClrLst meth="repeat">
+      <a:schemeClr val="dk1"/>
+    </dgm:txFillClrLst>
+    <dgm:txEffectClrLst/>
+  </dgm:styleLbl>
+  <dgm:styleLbl name="alignAccFollowNode1">
+    <dgm:fillClrLst>
+      <a:schemeClr val="accent2">
+        <a:tint val="40000"/>
+        <a:alpha val="90000"/>
+      </a:schemeClr>
+      <a:schemeClr val="accent3">
+        <a:tint val="40000"/>
+        <a:alpha val="90000"/>
+      </a:schemeClr>
+    </dgm:fillClrLst>
+    <dgm:linClrLst>
+      <a:schemeClr val="accent2">
+        <a:tint val="40000"/>
+        <a:alpha val="90000"/>
+      </a:schemeClr>
+      <a:schemeClr val="accent3">
+        <a:tint val="40000"/>
+        <a:alpha val="90000"/>
+      </a:schemeClr>
+    </dgm:linClrLst>
+    <dgm:effectClrLst/>
+    <dgm:txLinClrLst/>
+    <dgm:txFillClrLst meth="repeat">
+      <a:schemeClr val="dk1"/>
+    </dgm:txFillClrLst>
+    <dgm:txEffectClrLst/>
+  </dgm:styleLbl>
+  <dgm:styleLbl name="bgAccFollowNode1">
+    <dgm:fillClrLst>
+      <a:schemeClr val="accent2">
+        <a:tint val="40000"/>
+        <a:alpha val="90000"/>
+      </a:schemeClr>
+      <a:schemeClr val="accent3">
+        <a:tint val="40000"/>
+        <a:alpha val="90000"/>
+      </a:schemeClr>
+    </dgm:fillClrLst>
+    <dgm:linClrLst>
+      <a:schemeClr val="accent2">
+        <a:tint val="40000"/>
+        <a:alpha val="90000"/>
+      </a:schemeClr>
+      <a:schemeClr val="accent3">
+        <a:tint val="40000"/>
+        <a:alpha val="90000"/>
+      </a:schemeClr>
+    </dgm:linClrLst>
+    <dgm:effectClrLst/>
+    <dgm:txLinClrLst/>
+    <dgm:txFillClrLst meth="repeat">
+      <a:schemeClr val="dk1"/>
+    </dgm:txFillClrLst>
+    <dgm:txEffectClrLst/>
+  </dgm:styleLbl>
+  <dgm:styleLbl name="fgAcc0">
+    <dgm:fillClrLst meth="repeat">
+      <a:schemeClr val="lt1">
+        <a:alpha val="90000"/>
+      </a:schemeClr>
+    </dgm:fillClrLst>
+    <dgm:linClrLst>
+      <a:schemeClr val="accent1"/>
+    </dgm:linClrLst>
+    <dgm:effectClrLst/>
+    <dgm:txLinClrLst/>
+    <dgm:txFillClrLst meth="repeat">
+      <a:schemeClr val="dk1"/>
+    </dgm:txFillClrLst>
+    <dgm:txEffectClrLst/>
+  </dgm:styleLbl>
+  <dgm:styleLbl name="fgAcc2">
+    <dgm:fillClrLst meth="repeat">
+      <a:schemeClr val="lt1">
+        <a:alpha val="90000"/>
+      </a:schemeClr>
+    </dgm:fillClrLst>
+    <dgm:linClrLst>
+      <a:schemeClr val="accent3"/>
+    </dgm:linClrLst>
+    <dgm:effectClrLst/>
+    <dgm:txLinClrLst/>
+    <dgm:txFillClrLst meth="repeat">
+      <a:schemeClr val="dk1"/>
+    </dgm:txFillClrLst>
+    <dgm:txEffectClrLst/>
+  </dgm:styleLbl>
+  <dgm:styleLbl name="fgAcc3">
+    <dgm:fillClrLst meth="repeat">
+      <a:schemeClr val="lt1">
+        <a:alpha val="90000"/>
+      </a:schemeClr>
+    </dgm:fillClrLst>
+    <dgm:linClrLst>
+      <a:schemeClr val="accent4"/>
+    </dgm:linClrLst>
+    <dgm:effectClrLst/>
+    <dgm:txLinClrLst/>
+    <dgm:txFillClrLst meth="repeat">
+      <a:schemeClr val="dk1"/>
+    </dgm:txFillClrLst>
+    <dgm:txEffectClrLst/>
+  </dgm:styleLbl>
+  <dgm:styleLbl name="fgAcc4">
+    <dgm:fillClrLst meth="repeat">
+      <a:schemeClr val="lt1">
+        <a:alpha val="90000"/>
+      </a:schemeClr>
+    </dgm:fillClrLst>
+    <dgm:linClrLst>
+      <a:schemeClr val="accent5"/>
+    </dgm:linClrLst>
+    <dgm:effectClrLst/>
+    <dgm:txLinClrLst/>
+    <dgm:txFillClrLst meth="repeat">
+      <a:schemeClr val="dk1"/>
+    </dgm:txFillClrLst>
+    <dgm:txEffectClrLst/>
+  </dgm:styleLbl>
+  <dgm:styleLbl name="bgShp">
+    <dgm:fillClrLst meth="repeat">
+      <a:schemeClr val="accent2">
+        <a:tint val="40000"/>
+      </a:schemeClr>
+    </dgm:fillClrLst>
+    <dgm:linClrLst meth="repeat">
+      <a:schemeClr val="dk1"/>
+    </dgm:linClrLst>
+    <dgm:effectClrLst/>
+    <dgm:txLinClrLst/>
+    <dgm:txFillClrLst meth="repeat">
+      <a:schemeClr val="dk1"/>
+    </dgm:txFillClrLst>
+    <dgm:txEffectClrLst/>
+  </dgm:styleLbl>
+  <dgm:styleLbl name="dkBgShp">
+    <dgm:fillClrLst meth="repeat">
+      <a:schemeClr val="accent2">
+        <a:shade val="90000"/>
+      </a:schemeClr>
+    </dgm:fillClrLst>
+    <dgm:linClrLst meth="repeat">
+      <a:schemeClr val="dk1"/>
+    </dgm:linClrLst>
+    <dgm:effectClrLst/>
+    <dgm:txLinClrLst/>
+    <dgm:txFillClrLst meth="repeat">
+      <a:schemeClr val="lt1"/>
+    </dgm:txFillClrLst>
+    <dgm:txEffectClrLst/>
+  </dgm:styleLbl>
+  <dgm:styleLbl name="trBgShp">
+    <dgm:fillClrLst meth="repeat">
+      <a:schemeClr val="accent2">
         <a:tint val="50000"/>
         <a:alpha val="40000"/>
       </a:schemeClr>
@@ -1447,6 +2235,271 @@
     <dgm:cxn modelId="{A715D677-CB66-434E-8E4D-1333087212D7}" type="presParOf" srcId="{6BC5243D-5A12-4761-B770-CBB74A80DE35}" destId="{22BE2CD9-51A4-4042-9337-34965CE593E2}" srcOrd="1" destOrd="0" presId="urn:microsoft.com/office/officeart/2005/8/layout/list1"/>
     <dgm:cxn modelId="{56CC8E20-7807-4110-BD0E-6843C15C0757}" type="presParOf" srcId="{19D85963-33FC-4DB4-BE30-BBF06E13BDE3}" destId="{84C4BD6D-4DA6-4FF1-AB89-FD3088A78F7F}" srcOrd="17" destOrd="0" presId="urn:microsoft.com/office/officeart/2005/8/layout/list1"/>
     <dgm:cxn modelId="{35B7A9E4-7FE3-42EC-8B0F-6A5B1CA18021}" type="presParOf" srcId="{19D85963-33FC-4DB4-BE30-BBF06E13BDE3}" destId="{0CC5B2BB-76BC-444B-8AA4-BC96E53A0E1A}" srcOrd="18" destOrd="0" presId="urn:microsoft.com/office/officeart/2005/8/layout/list1"/>
+  </dgm:cxnLst>
+  <dgm:bg/>
+  <dgm:whole/>
+  <dgm:extLst>
+    <a:ext uri="http://schemas.microsoft.com/office/drawing/2008/diagram">
+      <dsp:dataModelExt xmlns:dsp="http://schemas.microsoft.com/office/drawing/2008/diagram" relId="rId6" minVer="http://schemas.openxmlformats.org/drawingml/2006/diagram"/>
+    </a:ext>
+  </dgm:extLst>
+</dgm:dataModel>
+</file>
+
+<file path=ppt/diagrams/data2.xml><?xml version="1.0" encoding="utf-8"?>
+<dgm:dataModel xmlns:dgm="http://schemas.openxmlformats.org/drawingml/2006/diagram" xmlns:a="http://schemas.openxmlformats.org/drawingml/2006/main">
+  <dgm:ptLst>
+    <dgm:pt modelId="{2165C54B-987E-4D96-97D7-B066889384D6}" type="doc">
+      <dgm:prSet loTypeId="urn:microsoft.com/office/officeart/2005/8/layout/list1" loCatId="list" qsTypeId="urn:microsoft.com/office/officeart/2005/8/quickstyle/simple4" qsCatId="simple" csTypeId="urn:microsoft.com/office/officeart/2005/8/colors/colorful2" csCatId="colorful" phldr="1"/>
+      <dgm:spPr/>
+      <dgm:t>
+        <a:bodyPr/>
+        <a:lstStyle/>
+        <a:p>
+          <a:endParaRPr lang="en-US"/>
+        </a:p>
+      </dgm:t>
+    </dgm:pt>
+    <dgm:pt modelId="{7614BE10-68E9-4478-9768-1B823677AC1D}">
+      <dgm:prSet/>
+      <dgm:spPr/>
+      <dgm:t>
+        <a:bodyPr/>
+        <a:lstStyle/>
+        <a:p>
+          <a:r>
+            <a:rPr lang="en-US"/>
+            <a:t>Having a larger embedding size for the models.</a:t>
+          </a:r>
+        </a:p>
+      </dgm:t>
+    </dgm:pt>
+    <dgm:pt modelId="{90EE92C2-C6F1-40A3-B9C6-78018710E576}" type="parTrans" cxnId="{A7942EC9-7E83-4CDB-8EEF-88683EFFD347}">
+      <dgm:prSet/>
+      <dgm:spPr/>
+      <dgm:t>
+        <a:bodyPr/>
+        <a:lstStyle/>
+        <a:p>
+          <a:endParaRPr lang="en-US"/>
+        </a:p>
+      </dgm:t>
+    </dgm:pt>
+    <dgm:pt modelId="{A85A88D5-FB38-485F-AE1C-F5DAB9DEFD3B}" type="sibTrans" cxnId="{A7942EC9-7E83-4CDB-8EEF-88683EFFD347}">
+      <dgm:prSet/>
+      <dgm:spPr/>
+      <dgm:t>
+        <a:bodyPr/>
+        <a:lstStyle/>
+        <a:p>
+          <a:endParaRPr lang="en-US"/>
+        </a:p>
+      </dgm:t>
+    </dgm:pt>
+    <dgm:pt modelId="{C11DDF34-204B-4983-9FE7-C9A99DF85DD9}">
+      <dgm:prSet/>
+      <dgm:spPr/>
+      <dgm:t>
+        <a:bodyPr/>
+        <a:lstStyle/>
+        <a:p>
+          <a:r>
+            <a:rPr lang="en-US" dirty="0"/>
+            <a:t>We saw that the word2vec-google-news-300 had the highest accuracy since it also had the highest embedding size. The model with the second highest accuracy was the glove-wiki-gigaword-50, and if we were to use a larger embedding size for this corpus, we would have had higher accuracy.</a:t>
+          </a:r>
+        </a:p>
+      </dgm:t>
+    </dgm:pt>
+    <dgm:pt modelId="{CACBCC7F-BD9B-4135-9B4A-8A3007301E48}" type="parTrans" cxnId="{B763B4E9-6DE5-409A-B333-F96A9AE4DA13}">
+      <dgm:prSet/>
+      <dgm:spPr/>
+      <dgm:t>
+        <a:bodyPr/>
+        <a:lstStyle/>
+        <a:p>
+          <a:endParaRPr lang="en-US"/>
+        </a:p>
+      </dgm:t>
+    </dgm:pt>
+    <dgm:pt modelId="{F6533098-2FC6-44E6-A651-99A5B34BE394}" type="sibTrans" cxnId="{B763B4E9-6DE5-409A-B333-F96A9AE4DA13}">
+      <dgm:prSet/>
+      <dgm:spPr/>
+      <dgm:t>
+        <a:bodyPr/>
+        <a:lstStyle/>
+        <a:p>
+          <a:endParaRPr lang="en-US"/>
+        </a:p>
+      </dgm:t>
+    </dgm:pt>
+    <dgm:pt modelId="{AF245B65-9A0C-408F-B571-14211823019B}">
+      <dgm:prSet/>
+      <dgm:spPr/>
+      <dgm:t>
+        <a:bodyPr/>
+        <a:lstStyle/>
+        <a:p>
+          <a:r>
+            <a:rPr lang="en-US" dirty="0"/>
+            <a:t>Selection of a corpus</a:t>
+          </a:r>
+        </a:p>
+      </dgm:t>
+    </dgm:pt>
+    <dgm:pt modelId="{DA69B950-CDEA-4286-87CC-7061745B4BFE}" type="parTrans" cxnId="{FBEC958D-A637-4BCE-8180-6CA2CE54626D}">
+      <dgm:prSet/>
+      <dgm:spPr/>
+      <dgm:t>
+        <a:bodyPr/>
+        <a:lstStyle/>
+        <a:p>
+          <a:endParaRPr lang="en-US"/>
+        </a:p>
+      </dgm:t>
+    </dgm:pt>
+    <dgm:pt modelId="{1FF6C158-4BD0-4D82-BAAC-EE3E66DB16BC}" type="sibTrans" cxnId="{FBEC958D-A637-4BCE-8180-6CA2CE54626D}">
+      <dgm:prSet/>
+      <dgm:spPr/>
+      <dgm:t>
+        <a:bodyPr/>
+        <a:lstStyle/>
+        <a:p>
+          <a:endParaRPr lang="en-US"/>
+        </a:p>
+      </dgm:t>
+    </dgm:pt>
+    <dgm:pt modelId="{AA77EBD2-4120-44DA-A2CF-A4F6CCD9E844}">
+      <dgm:prSet/>
+      <dgm:spPr/>
+      <dgm:t>
+        <a:bodyPr/>
+        <a:lstStyle/>
+        <a:p>
+          <a:r>
+            <a:rPr lang="en-US"/>
+            <a:t>As the analysis shows, models with certain corpora perform better than others. Gigaword-50 and “twitter-50” for example have the same embedding size but have accuracies of 71.79% and 50.72% respectively, this shows that the gigaword-50 model is the better corpora to use. </a:t>
+          </a:r>
+        </a:p>
+      </dgm:t>
+    </dgm:pt>
+    <dgm:pt modelId="{20249B0A-E8E1-4012-8C5D-C6069167CCF6}" type="parTrans" cxnId="{A3676459-060E-4D9C-B3FD-C1E8FD91DCE6}">
+      <dgm:prSet/>
+      <dgm:spPr/>
+      <dgm:t>
+        <a:bodyPr/>
+        <a:lstStyle/>
+        <a:p>
+          <a:endParaRPr lang="en-US"/>
+        </a:p>
+      </dgm:t>
+    </dgm:pt>
+    <dgm:pt modelId="{A71BA939-9F1A-456D-A511-DA5ED4B3ADB0}" type="sibTrans" cxnId="{A3676459-060E-4D9C-B3FD-C1E8FD91DCE6}">
+      <dgm:prSet/>
+      <dgm:spPr/>
+      <dgm:t>
+        <a:bodyPr/>
+        <a:lstStyle/>
+        <a:p>
+          <a:endParaRPr lang="en-US"/>
+        </a:p>
+      </dgm:t>
+    </dgm:pt>
+    <dgm:pt modelId="{3E37997E-703A-4CD0-8EB3-49590758C27E}" type="pres">
+      <dgm:prSet presAssocID="{2165C54B-987E-4D96-97D7-B066889384D6}" presName="linear" presStyleCnt="0">
+        <dgm:presLayoutVars>
+          <dgm:dir/>
+          <dgm:animLvl val="lvl"/>
+          <dgm:resizeHandles val="exact"/>
+        </dgm:presLayoutVars>
+      </dgm:prSet>
+      <dgm:spPr/>
+    </dgm:pt>
+    <dgm:pt modelId="{4CAB5F67-5175-443F-940E-D66AB314D517}" type="pres">
+      <dgm:prSet presAssocID="{7614BE10-68E9-4478-9768-1B823677AC1D}" presName="parentLin" presStyleCnt="0"/>
+      <dgm:spPr/>
+    </dgm:pt>
+    <dgm:pt modelId="{C79C969D-DE90-4B60-92CB-6221673E6F27}" type="pres">
+      <dgm:prSet presAssocID="{7614BE10-68E9-4478-9768-1B823677AC1D}" presName="parentLeftMargin" presStyleLbl="node1" presStyleIdx="0" presStyleCnt="2"/>
+      <dgm:spPr/>
+    </dgm:pt>
+    <dgm:pt modelId="{99F20279-9BA5-45C6-B1A5-50A2017F96ED}" type="pres">
+      <dgm:prSet presAssocID="{7614BE10-68E9-4478-9768-1B823677AC1D}" presName="parentText" presStyleLbl="node1" presStyleIdx="0" presStyleCnt="2">
+        <dgm:presLayoutVars>
+          <dgm:chMax val="0"/>
+          <dgm:bulletEnabled val="1"/>
+        </dgm:presLayoutVars>
+      </dgm:prSet>
+      <dgm:spPr/>
+    </dgm:pt>
+    <dgm:pt modelId="{D8C3A4BA-0A5F-43FB-A2E4-0CFD56FE958F}" type="pres">
+      <dgm:prSet presAssocID="{7614BE10-68E9-4478-9768-1B823677AC1D}" presName="negativeSpace" presStyleCnt="0"/>
+      <dgm:spPr/>
+    </dgm:pt>
+    <dgm:pt modelId="{97680D7E-25A6-403B-A63C-50D986149C56}" type="pres">
+      <dgm:prSet presAssocID="{7614BE10-68E9-4478-9768-1B823677AC1D}" presName="childText" presStyleLbl="conFgAcc1" presStyleIdx="0" presStyleCnt="2">
+        <dgm:presLayoutVars>
+          <dgm:bulletEnabled val="1"/>
+        </dgm:presLayoutVars>
+      </dgm:prSet>
+      <dgm:spPr/>
+    </dgm:pt>
+    <dgm:pt modelId="{5B362D6B-B686-4A9A-816B-08A6E69E77D8}" type="pres">
+      <dgm:prSet presAssocID="{A85A88D5-FB38-485F-AE1C-F5DAB9DEFD3B}" presName="spaceBetweenRectangles" presStyleCnt="0"/>
+      <dgm:spPr/>
+    </dgm:pt>
+    <dgm:pt modelId="{13432601-CF83-4A9D-BA8A-9A32EFFF5F99}" type="pres">
+      <dgm:prSet presAssocID="{AF245B65-9A0C-408F-B571-14211823019B}" presName="parentLin" presStyleCnt="0"/>
+      <dgm:spPr/>
+    </dgm:pt>
+    <dgm:pt modelId="{CFD0E8A8-7B39-427B-90EF-E0B24C44679B}" type="pres">
+      <dgm:prSet presAssocID="{AF245B65-9A0C-408F-B571-14211823019B}" presName="parentLeftMargin" presStyleLbl="node1" presStyleIdx="0" presStyleCnt="2"/>
+      <dgm:spPr/>
+    </dgm:pt>
+    <dgm:pt modelId="{F2FFAFCC-E884-45FF-9403-EED7B954A3C5}" type="pres">
+      <dgm:prSet presAssocID="{AF245B65-9A0C-408F-B571-14211823019B}" presName="parentText" presStyleLbl="node1" presStyleIdx="1" presStyleCnt="2">
+        <dgm:presLayoutVars>
+          <dgm:chMax val="0"/>
+          <dgm:bulletEnabled val="1"/>
+        </dgm:presLayoutVars>
+      </dgm:prSet>
+      <dgm:spPr/>
+    </dgm:pt>
+    <dgm:pt modelId="{F619BFB8-3DB1-45EA-BA2D-8A518D9D24DE}" type="pres">
+      <dgm:prSet presAssocID="{AF245B65-9A0C-408F-B571-14211823019B}" presName="negativeSpace" presStyleCnt="0"/>
+      <dgm:spPr/>
+    </dgm:pt>
+    <dgm:pt modelId="{CAF82A74-D207-411C-9216-2AB8F8478E0F}" type="pres">
+      <dgm:prSet presAssocID="{AF245B65-9A0C-408F-B571-14211823019B}" presName="childText" presStyleLbl="conFgAcc1" presStyleIdx="1" presStyleCnt="2">
+        <dgm:presLayoutVars>
+          <dgm:bulletEnabled val="1"/>
+        </dgm:presLayoutVars>
+      </dgm:prSet>
+      <dgm:spPr/>
+    </dgm:pt>
+  </dgm:ptLst>
+  <dgm:cxnLst>
+    <dgm:cxn modelId="{3C62FC6C-865E-4EFB-8F17-E8494E1AD466}" type="presOf" srcId="{7614BE10-68E9-4478-9768-1B823677AC1D}" destId="{99F20279-9BA5-45C6-B1A5-50A2017F96ED}" srcOrd="1" destOrd="0" presId="urn:microsoft.com/office/officeart/2005/8/layout/list1"/>
+    <dgm:cxn modelId="{A3676459-060E-4D9C-B3FD-C1E8FD91DCE6}" srcId="{AF245B65-9A0C-408F-B571-14211823019B}" destId="{AA77EBD2-4120-44DA-A2CF-A4F6CCD9E844}" srcOrd="0" destOrd="0" parTransId="{20249B0A-E8E1-4012-8C5D-C6069167CCF6}" sibTransId="{A71BA939-9F1A-456D-A511-DA5ED4B3ADB0}"/>
+    <dgm:cxn modelId="{FBEC958D-A637-4BCE-8180-6CA2CE54626D}" srcId="{2165C54B-987E-4D96-97D7-B066889384D6}" destId="{AF245B65-9A0C-408F-B571-14211823019B}" srcOrd="1" destOrd="0" parTransId="{DA69B950-CDEA-4286-87CC-7061745B4BFE}" sibTransId="{1FF6C158-4BD0-4D82-BAAC-EE3E66DB16BC}"/>
+    <dgm:cxn modelId="{733C6896-F624-4B54-A73C-D7C0FF42534A}" type="presOf" srcId="{AF245B65-9A0C-408F-B571-14211823019B}" destId="{F2FFAFCC-E884-45FF-9403-EED7B954A3C5}" srcOrd="1" destOrd="0" presId="urn:microsoft.com/office/officeart/2005/8/layout/list1"/>
+    <dgm:cxn modelId="{C10E23A0-7C43-46A3-A0AD-89064CF2AB66}" type="presOf" srcId="{7614BE10-68E9-4478-9768-1B823677AC1D}" destId="{C79C969D-DE90-4B60-92CB-6221673E6F27}" srcOrd="0" destOrd="0" presId="urn:microsoft.com/office/officeart/2005/8/layout/list1"/>
+    <dgm:cxn modelId="{4769C2A4-3266-4594-99A6-741263C0384D}" type="presOf" srcId="{AA77EBD2-4120-44DA-A2CF-A4F6CCD9E844}" destId="{CAF82A74-D207-411C-9216-2AB8F8478E0F}" srcOrd="0" destOrd="0" presId="urn:microsoft.com/office/officeart/2005/8/layout/list1"/>
+    <dgm:cxn modelId="{FEC2ACAE-F6E0-4009-B25B-6F14E1226C0C}" type="presOf" srcId="{C11DDF34-204B-4983-9FE7-C9A99DF85DD9}" destId="{97680D7E-25A6-403B-A63C-50D986149C56}" srcOrd="0" destOrd="0" presId="urn:microsoft.com/office/officeart/2005/8/layout/list1"/>
+    <dgm:cxn modelId="{A7942EC9-7E83-4CDB-8EEF-88683EFFD347}" srcId="{2165C54B-987E-4D96-97D7-B066889384D6}" destId="{7614BE10-68E9-4478-9768-1B823677AC1D}" srcOrd="0" destOrd="0" parTransId="{90EE92C2-C6F1-40A3-B9C6-78018710E576}" sibTransId="{A85A88D5-FB38-485F-AE1C-F5DAB9DEFD3B}"/>
+    <dgm:cxn modelId="{2BCE43DE-7976-4041-BAC6-1D3DA0A14F19}" type="presOf" srcId="{2165C54B-987E-4D96-97D7-B066889384D6}" destId="{3E37997E-703A-4CD0-8EB3-49590758C27E}" srcOrd="0" destOrd="0" presId="urn:microsoft.com/office/officeart/2005/8/layout/list1"/>
+    <dgm:cxn modelId="{53D10EE7-8B00-45B9-94EF-290F468E6B27}" type="presOf" srcId="{AF245B65-9A0C-408F-B571-14211823019B}" destId="{CFD0E8A8-7B39-427B-90EF-E0B24C44679B}" srcOrd="0" destOrd="0" presId="urn:microsoft.com/office/officeart/2005/8/layout/list1"/>
+    <dgm:cxn modelId="{B763B4E9-6DE5-409A-B333-F96A9AE4DA13}" srcId="{7614BE10-68E9-4478-9768-1B823677AC1D}" destId="{C11DDF34-204B-4983-9FE7-C9A99DF85DD9}" srcOrd="0" destOrd="0" parTransId="{CACBCC7F-BD9B-4135-9B4A-8A3007301E48}" sibTransId="{F6533098-2FC6-44E6-A651-99A5B34BE394}"/>
+    <dgm:cxn modelId="{05646E37-7F25-4E1F-8544-A3CEA62C76B8}" type="presParOf" srcId="{3E37997E-703A-4CD0-8EB3-49590758C27E}" destId="{4CAB5F67-5175-443F-940E-D66AB314D517}" srcOrd="0" destOrd="0" presId="urn:microsoft.com/office/officeart/2005/8/layout/list1"/>
+    <dgm:cxn modelId="{07FC37EF-AC97-4323-947F-6D5C798F5C17}" type="presParOf" srcId="{4CAB5F67-5175-443F-940E-D66AB314D517}" destId="{C79C969D-DE90-4B60-92CB-6221673E6F27}" srcOrd="0" destOrd="0" presId="urn:microsoft.com/office/officeart/2005/8/layout/list1"/>
+    <dgm:cxn modelId="{0A95B24E-4832-4663-A062-38A24488B905}" type="presParOf" srcId="{4CAB5F67-5175-443F-940E-D66AB314D517}" destId="{99F20279-9BA5-45C6-B1A5-50A2017F96ED}" srcOrd="1" destOrd="0" presId="urn:microsoft.com/office/officeart/2005/8/layout/list1"/>
+    <dgm:cxn modelId="{F5B87BC8-2460-4B7B-B345-A768E3E86518}" type="presParOf" srcId="{3E37997E-703A-4CD0-8EB3-49590758C27E}" destId="{D8C3A4BA-0A5F-43FB-A2E4-0CFD56FE958F}" srcOrd="1" destOrd="0" presId="urn:microsoft.com/office/officeart/2005/8/layout/list1"/>
+    <dgm:cxn modelId="{5DD05FDA-7B16-4C4D-9D3E-821263700283}" type="presParOf" srcId="{3E37997E-703A-4CD0-8EB3-49590758C27E}" destId="{97680D7E-25A6-403B-A63C-50D986149C56}" srcOrd="2" destOrd="0" presId="urn:microsoft.com/office/officeart/2005/8/layout/list1"/>
+    <dgm:cxn modelId="{3096E503-2023-442D-9351-CBEB5AC7E2CD}" type="presParOf" srcId="{3E37997E-703A-4CD0-8EB3-49590758C27E}" destId="{5B362D6B-B686-4A9A-816B-08A6E69E77D8}" srcOrd="3" destOrd="0" presId="urn:microsoft.com/office/officeart/2005/8/layout/list1"/>
+    <dgm:cxn modelId="{8BF90D7B-0253-4840-BB72-F57021E867D9}" type="presParOf" srcId="{3E37997E-703A-4CD0-8EB3-49590758C27E}" destId="{13432601-CF83-4A9D-BA8A-9A32EFFF5F99}" srcOrd="4" destOrd="0" presId="urn:microsoft.com/office/officeart/2005/8/layout/list1"/>
+    <dgm:cxn modelId="{7B5425C0-EDAB-45A6-9D64-F394442A6431}" type="presParOf" srcId="{13432601-CF83-4A9D-BA8A-9A32EFFF5F99}" destId="{CFD0E8A8-7B39-427B-90EF-E0B24C44679B}" srcOrd="0" destOrd="0" presId="urn:microsoft.com/office/officeart/2005/8/layout/list1"/>
+    <dgm:cxn modelId="{A978D309-9D13-49F4-B87E-C04E51213029}" type="presParOf" srcId="{13432601-CF83-4A9D-BA8A-9A32EFFF5F99}" destId="{F2FFAFCC-E884-45FF-9403-EED7B954A3C5}" srcOrd="1" destOrd="0" presId="urn:microsoft.com/office/officeart/2005/8/layout/list1"/>
+    <dgm:cxn modelId="{A497E556-F021-446A-8395-5E23880D2FE0}" type="presParOf" srcId="{3E37997E-703A-4CD0-8EB3-49590758C27E}" destId="{F619BFB8-3DB1-45EA-BA2D-8A518D9D24DE}" srcOrd="5" destOrd="0" presId="urn:microsoft.com/office/officeart/2005/8/layout/list1"/>
+    <dgm:cxn modelId="{DE772025-8C6D-4F9E-9724-C7CF91DDD1CC}" type="presParOf" srcId="{3E37997E-703A-4CD0-8EB3-49590758C27E}" destId="{CAF82A74-D207-411C-9216-2AB8F8478E0F}" srcOrd="6" destOrd="0" presId="urn:microsoft.com/office/officeart/2005/8/layout/list1"/>
   </dgm:cxnLst>
   <dgm:bg/>
   <dgm:whole/>
@@ -2210,7 +3263,596 @@
 </dsp:drawing>
 </file>
 
+<file path=ppt/diagrams/drawing2.xml><?xml version="1.0" encoding="utf-8"?>
+<dsp:drawing xmlns:dgm="http://schemas.openxmlformats.org/drawingml/2006/diagram" xmlns:dsp="http://schemas.microsoft.com/office/drawing/2008/diagram" xmlns:a="http://schemas.openxmlformats.org/drawingml/2006/main">
+  <dsp:spTree>
+    <dsp:nvGrpSpPr>
+      <dsp:cNvPr id="0" name=""/>
+      <dsp:cNvGrpSpPr/>
+    </dsp:nvGrpSpPr>
+    <dsp:grpSpPr/>
+    <dsp:sp modelId="{97680D7E-25A6-403B-A63C-50D986149C56}">
+      <dsp:nvSpPr>
+        <dsp:cNvPr id="0" name=""/>
+        <dsp:cNvSpPr/>
+      </dsp:nvSpPr>
+      <dsp:spPr>
+        <a:xfrm>
+          <a:off x="0" y="994234"/>
+          <a:ext cx="6666833" cy="1686825"/>
+        </a:xfrm>
+        <a:prstGeom prst="rect">
+          <a:avLst/>
+        </a:prstGeom>
+        <a:solidFill>
+          <a:schemeClr val="lt1">
+            <a:alpha val="90000"/>
+            <a:hueOff val="0"/>
+            <a:satOff val="0"/>
+            <a:lumOff val="0"/>
+            <a:alphaOff val="0"/>
+          </a:schemeClr>
+        </a:solidFill>
+        <a:ln w="6350" cap="flat" cmpd="sng" algn="ctr">
+          <a:solidFill>
+            <a:schemeClr val="accent2">
+              <a:hueOff val="0"/>
+              <a:satOff val="0"/>
+              <a:lumOff val="0"/>
+              <a:alphaOff val="0"/>
+            </a:schemeClr>
+          </a:solidFill>
+          <a:prstDash val="solid"/>
+          <a:miter lim="800000"/>
+        </a:ln>
+        <a:effectLst/>
+      </dsp:spPr>
+      <dsp:style>
+        <a:lnRef idx="1">
+          <a:scrgbClr r="0" g="0" b="0"/>
+        </a:lnRef>
+        <a:fillRef idx="1">
+          <a:scrgbClr r="0" g="0" b="0"/>
+        </a:fillRef>
+        <a:effectRef idx="0">
+          <a:scrgbClr r="0" g="0" b="0"/>
+        </a:effectRef>
+        <a:fontRef idx="minor"/>
+      </dsp:style>
+      <dsp:txBody>
+        <a:bodyPr spcFirstLastPara="0" vert="horz" wrap="square" lIns="517420" tIns="354076" rIns="517420" bIns="120904" numCol="1" spcCol="1270" anchor="t" anchorCtr="0">
+          <a:noAutofit/>
+        </a:bodyPr>
+        <a:lstStyle/>
+        <a:p>
+          <a:pPr marL="171450" lvl="1" indent="-171450" algn="l" defTabSz="755650">
+            <a:lnSpc>
+              <a:spcPct val="90000"/>
+            </a:lnSpc>
+            <a:spcBef>
+              <a:spcPct val="0"/>
+            </a:spcBef>
+            <a:spcAft>
+              <a:spcPct val="15000"/>
+            </a:spcAft>
+            <a:buChar char="•"/>
+          </a:pPr>
+          <a:r>
+            <a:rPr lang="en-US" sz="1700" kern="1200" dirty="0"/>
+            <a:t>We saw that the word2vec-google-news-300 had the highest accuracy since it also had the highest embedding size. The model with the second highest accuracy was the glove-wiki-gigaword-50, and if we were to use a larger embedding size for this corpus, we would have had higher accuracy.</a:t>
+          </a:r>
+        </a:p>
+      </dsp:txBody>
+      <dsp:txXfrm>
+        <a:off x="0" y="994234"/>
+        <a:ext cx="6666833" cy="1686825"/>
+      </dsp:txXfrm>
+    </dsp:sp>
+    <dsp:sp modelId="{99F20279-9BA5-45C6-B1A5-50A2017F96ED}">
+      <dsp:nvSpPr>
+        <dsp:cNvPr id="0" name=""/>
+        <dsp:cNvSpPr/>
+      </dsp:nvSpPr>
+      <dsp:spPr>
+        <a:xfrm>
+          <a:off x="333341" y="743314"/>
+          <a:ext cx="4666783" cy="501840"/>
+        </a:xfrm>
+        <a:prstGeom prst="roundRect">
+          <a:avLst/>
+        </a:prstGeom>
+        <a:gradFill rotWithShape="0">
+          <a:gsLst>
+            <a:gs pos="0">
+              <a:schemeClr val="accent2">
+                <a:hueOff val="0"/>
+                <a:satOff val="0"/>
+                <a:lumOff val="0"/>
+                <a:alphaOff val="0"/>
+                <a:satMod val="103000"/>
+                <a:lumMod val="102000"/>
+                <a:tint val="94000"/>
+              </a:schemeClr>
+            </a:gs>
+            <a:gs pos="50000">
+              <a:schemeClr val="accent2">
+                <a:hueOff val="0"/>
+                <a:satOff val="0"/>
+                <a:lumOff val="0"/>
+                <a:alphaOff val="0"/>
+                <a:satMod val="110000"/>
+                <a:lumMod val="100000"/>
+                <a:shade val="100000"/>
+              </a:schemeClr>
+            </a:gs>
+            <a:gs pos="100000">
+              <a:schemeClr val="accent2">
+                <a:hueOff val="0"/>
+                <a:satOff val="0"/>
+                <a:lumOff val="0"/>
+                <a:alphaOff val="0"/>
+                <a:lumMod val="99000"/>
+                <a:satMod val="120000"/>
+                <a:shade val="78000"/>
+              </a:schemeClr>
+            </a:gs>
+          </a:gsLst>
+          <a:lin ang="5400000" scaled="0"/>
+        </a:gradFill>
+        <a:ln>
+          <a:noFill/>
+        </a:ln>
+        <a:effectLst/>
+      </dsp:spPr>
+      <dsp:style>
+        <a:lnRef idx="0">
+          <a:scrgbClr r="0" g="0" b="0"/>
+        </a:lnRef>
+        <a:fillRef idx="3">
+          <a:scrgbClr r="0" g="0" b="0"/>
+        </a:fillRef>
+        <a:effectRef idx="2">
+          <a:scrgbClr r="0" g="0" b="0"/>
+        </a:effectRef>
+        <a:fontRef idx="minor">
+          <a:schemeClr val="lt1"/>
+        </a:fontRef>
+      </dsp:style>
+      <dsp:txBody>
+        <a:bodyPr spcFirstLastPara="0" vert="horz" wrap="square" lIns="176393" tIns="0" rIns="176393" bIns="0" numCol="1" spcCol="1270" anchor="ctr" anchorCtr="0">
+          <a:noAutofit/>
+        </a:bodyPr>
+        <a:lstStyle/>
+        <a:p>
+          <a:pPr marL="0" lvl="0" indent="0" algn="l" defTabSz="755650">
+            <a:lnSpc>
+              <a:spcPct val="90000"/>
+            </a:lnSpc>
+            <a:spcBef>
+              <a:spcPct val="0"/>
+            </a:spcBef>
+            <a:spcAft>
+              <a:spcPct val="35000"/>
+            </a:spcAft>
+            <a:buNone/>
+          </a:pPr>
+          <a:r>
+            <a:rPr lang="en-US" sz="1700" kern="1200"/>
+            <a:t>Having a larger embedding size for the models.</a:t>
+          </a:r>
+        </a:p>
+      </dsp:txBody>
+      <dsp:txXfrm>
+        <a:off x="357839" y="767812"/>
+        <a:ext cx="4617787" cy="452844"/>
+      </dsp:txXfrm>
+    </dsp:sp>
+    <dsp:sp modelId="{CAF82A74-D207-411C-9216-2AB8F8478E0F}">
+      <dsp:nvSpPr>
+        <dsp:cNvPr id="0" name=""/>
+        <dsp:cNvSpPr/>
+      </dsp:nvSpPr>
+      <dsp:spPr>
+        <a:xfrm>
+          <a:off x="0" y="3023779"/>
+          <a:ext cx="6666833" cy="1686825"/>
+        </a:xfrm>
+        <a:prstGeom prst="rect">
+          <a:avLst/>
+        </a:prstGeom>
+        <a:solidFill>
+          <a:schemeClr val="lt1">
+            <a:alpha val="90000"/>
+            <a:hueOff val="0"/>
+            <a:satOff val="0"/>
+            <a:lumOff val="0"/>
+            <a:alphaOff val="0"/>
+          </a:schemeClr>
+        </a:solidFill>
+        <a:ln w="6350" cap="flat" cmpd="sng" algn="ctr">
+          <a:solidFill>
+            <a:schemeClr val="accent2">
+              <a:hueOff val="-1455363"/>
+              <a:satOff val="-83928"/>
+              <a:lumOff val="8628"/>
+              <a:alphaOff val="0"/>
+            </a:schemeClr>
+          </a:solidFill>
+          <a:prstDash val="solid"/>
+          <a:miter lim="800000"/>
+        </a:ln>
+        <a:effectLst/>
+      </dsp:spPr>
+      <dsp:style>
+        <a:lnRef idx="1">
+          <a:scrgbClr r="0" g="0" b="0"/>
+        </a:lnRef>
+        <a:fillRef idx="1">
+          <a:scrgbClr r="0" g="0" b="0"/>
+        </a:fillRef>
+        <a:effectRef idx="0">
+          <a:scrgbClr r="0" g="0" b="0"/>
+        </a:effectRef>
+        <a:fontRef idx="minor"/>
+      </dsp:style>
+      <dsp:txBody>
+        <a:bodyPr spcFirstLastPara="0" vert="horz" wrap="square" lIns="517420" tIns="354076" rIns="517420" bIns="120904" numCol="1" spcCol="1270" anchor="t" anchorCtr="0">
+          <a:noAutofit/>
+        </a:bodyPr>
+        <a:lstStyle/>
+        <a:p>
+          <a:pPr marL="171450" lvl="1" indent="-171450" algn="l" defTabSz="755650">
+            <a:lnSpc>
+              <a:spcPct val="90000"/>
+            </a:lnSpc>
+            <a:spcBef>
+              <a:spcPct val="0"/>
+            </a:spcBef>
+            <a:spcAft>
+              <a:spcPct val="15000"/>
+            </a:spcAft>
+            <a:buChar char="•"/>
+          </a:pPr>
+          <a:r>
+            <a:rPr lang="en-US" sz="1700" kern="1200"/>
+            <a:t>As the analysis shows, models with certain corpora perform better than others. Gigaword-50 and “twitter-50” for example have the same embedding size but have accuracies of 71.79% and 50.72% respectively, this shows that the gigaword-50 model is the better corpora to use. </a:t>
+          </a:r>
+        </a:p>
+      </dsp:txBody>
+      <dsp:txXfrm>
+        <a:off x="0" y="3023779"/>
+        <a:ext cx="6666833" cy="1686825"/>
+      </dsp:txXfrm>
+    </dsp:sp>
+    <dsp:sp modelId="{F2FFAFCC-E884-45FF-9403-EED7B954A3C5}">
+      <dsp:nvSpPr>
+        <dsp:cNvPr id="0" name=""/>
+        <dsp:cNvSpPr/>
+      </dsp:nvSpPr>
+      <dsp:spPr>
+        <a:xfrm>
+          <a:off x="333341" y="2772859"/>
+          <a:ext cx="4666783" cy="501840"/>
+        </a:xfrm>
+        <a:prstGeom prst="roundRect">
+          <a:avLst/>
+        </a:prstGeom>
+        <a:gradFill rotWithShape="0">
+          <a:gsLst>
+            <a:gs pos="0">
+              <a:schemeClr val="accent2">
+                <a:hueOff val="-1455363"/>
+                <a:satOff val="-83928"/>
+                <a:lumOff val="8628"/>
+                <a:alphaOff val="0"/>
+                <a:satMod val="103000"/>
+                <a:lumMod val="102000"/>
+                <a:tint val="94000"/>
+              </a:schemeClr>
+            </a:gs>
+            <a:gs pos="50000">
+              <a:schemeClr val="accent2">
+                <a:hueOff val="-1455363"/>
+                <a:satOff val="-83928"/>
+                <a:lumOff val="8628"/>
+                <a:alphaOff val="0"/>
+                <a:satMod val="110000"/>
+                <a:lumMod val="100000"/>
+                <a:shade val="100000"/>
+              </a:schemeClr>
+            </a:gs>
+            <a:gs pos="100000">
+              <a:schemeClr val="accent2">
+                <a:hueOff val="-1455363"/>
+                <a:satOff val="-83928"/>
+                <a:lumOff val="8628"/>
+                <a:alphaOff val="0"/>
+                <a:lumMod val="99000"/>
+                <a:satMod val="120000"/>
+                <a:shade val="78000"/>
+              </a:schemeClr>
+            </a:gs>
+          </a:gsLst>
+          <a:lin ang="5400000" scaled="0"/>
+        </a:gradFill>
+        <a:ln>
+          <a:noFill/>
+        </a:ln>
+        <a:effectLst/>
+      </dsp:spPr>
+      <dsp:style>
+        <a:lnRef idx="0">
+          <a:scrgbClr r="0" g="0" b="0"/>
+        </a:lnRef>
+        <a:fillRef idx="3">
+          <a:scrgbClr r="0" g="0" b="0"/>
+        </a:fillRef>
+        <a:effectRef idx="2">
+          <a:scrgbClr r="0" g="0" b="0"/>
+        </a:effectRef>
+        <a:fontRef idx="minor">
+          <a:schemeClr val="lt1"/>
+        </a:fontRef>
+      </dsp:style>
+      <dsp:txBody>
+        <a:bodyPr spcFirstLastPara="0" vert="horz" wrap="square" lIns="176393" tIns="0" rIns="176393" bIns="0" numCol="1" spcCol="1270" anchor="ctr" anchorCtr="0">
+          <a:noAutofit/>
+        </a:bodyPr>
+        <a:lstStyle/>
+        <a:p>
+          <a:pPr marL="0" lvl="0" indent="0" algn="l" defTabSz="755650">
+            <a:lnSpc>
+              <a:spcPct val="90000"/>
+            </a:lnSpc>
+            <a:spcBef>
+              <a:spcPct val="0"/>
+            </a:spcBef>
+            <a:spcAft>
+              <a:spcPct val="35000"/>
+            </a:spcAft>
+            <a:buNone/>
+          </a:pPr>
+          <a:r>
+            <a:rPr lang="en-US" sz="1700" kern="1200" dirty="0"/>
+            <a:t>Selection of a corpus</a:t>
+          </a:r>
+        </a:p>
+      </dsp:txBody>
+      <dsp:txXfrm>
+        <a:off x="357839" y="2797357"/>
+        <a:ext cx="4617787" cy="452844"/>
+      </dsp:txXfrm>
+    </dsp:sp>
+  </dsp:spTree>
+</dsp:drawing>
+</file>
+
 <file path=ppt/diagrams/layout1.xml><?xml version="1.0" encoding="utf-8"?>
+<dgm:layoutDef xmlns:dgm="http://schemas.openxmlformats.org/drawingml/2006/diagram" xmlns:a="http://schemas.openxmlformats.org/drawingml/2006/main" uniqueId="urn:microsoft.com/office/officeart/2005/8/layout/list1">
+  <dgm:title val=""/>
+  <dgm:desc val=""/>
+  <dgm:catLst>
+    <dgm:cat type="list" pri="4000"/>
+  </dgm:catLst>
+  <dgm:sampData>
+    <dgm:dataModel>
+      <dgm:ptLst>
+        <dgm:pt modelId="0" type="doc"/>
+        <dgm:pt modelId="1">
+          <dgm:prSet phldr="1"/>
+        </dgm:pt>
+        <dgm:pt modelId="2">
+          <dgm:prSet phldr="1"/>
+        </dgm:pt>
+        <dgm:pt modelId="3">
+          <dgm:prSet phldr="1"/>
+        </dgm:pt>
+      </dgm:ptLst>
+      <dgm:cxnLst>
+        <dgm:cxn modelId="4" srcId="0" destId="1" srcOrd="0" destOrd="0"/>
+        <dgm:cxn modelId="5" srcId="0" destId="2" srcOrd="1" destOrd="0"/>
+        <dgm:cxn modelId="6" srcId="0" destId="3" srcOrd="2" destOrd="0"/>
+      </dgm:cxnLst>
+      <dgm:bg/>
+      <dgm:whole/>
+    </dgm:dataModel>
+  </dgm:sampData>
+  <dgm:styleData>
+    <dgm:dataModel>
+      <dgm:ptLst>
+        <dgm:pt modelId="0" type="doc"/>
+        <dgm:pt modelId="1"/>
+        <dgm:pt modelId="2"/>
+      </dgm:ptLst>
+      <dgm:cxnLst>
+        <dgm:cxn modelId="4" srcId="0" destId="1" srcOrd="0" destOrd="0"/>
+        <dgm:cxn modelId="5" srcId="0" destId="2" srcOrd="1" destOrd="0"/>
+      </dgm:cxnLst>
+      <dgm:bg/>
+      <dgm:whole/>
+    </dgm:dataModel>
+  </dgm:styleData>
+  <dgm:clrData>
+    <dgm:dataModel>
+      <dgm:ptLst>
+        <dgm:pt modelId="0" type="doc"/>
+        <dgm:pt modelId="1"/>
+        <dgm:pt modelId="2"/>
+        <dgm:pt modelId="3"/>
+        <dgm:pt modelId="4"/>
+      </dgm:ptLst>
+      <dgm:cxnLst>
+        <dgm:cxn modelId="5" srcId="0" destId="1" srcOrd="0" destOrd="0"/>
+        <dgm:cxn modelId="6" srcId="0" destId="2" srcOrd="1" destOrd="0"/>
+        <dgm:cxn modelId="7" srcId="0" destId="3" srcOrd="2" destOrd="0"/>
+        <dgm:cxn modelId="8" srcId="0" destId="4" srcOrd="3" destOrd="0"/>
+      </dgm:cxnLst>
+      <dgm:bg/>
+      <dgm:whole/>
+    </dgm:dataModel>
+  </dgm:clrData>
+  <dgm:layoutNode name="linear">
+    <dgm:varLst>
+      <dgm:dir/>
+      <dgm:animLvl val="lvl"/>
+      <dgm:resizeHandles val="exact"/>
+    </dgm:varLst>
+    <dgm:choose name="Name0">
+      <dgm:if name="Name1" func="var" arg="dir" op="equ" val="norm">
+        <dgm:alg type="lin">
+          <dgm:param type="linDir" val="fromT"/>
+          <dgm:param type="vertAlign" val="mid"/>
+          <dgm:param type="horzAlign" val="l"/>
+          <dgm:param type="nodeHorzAlign" val="l"/>
+        </dgm:alg>
+      </dgm:if>
+      <dgm:else name="Name2">
+        <dgm:alg type="lin">
+          <dgm:param type="linDir" val="fromT"/>
+          <dgm:param type="vertAlign" val="mid"/>
+          <dgm:param type="horzAlign" val="r"/>
+          <dgm:param type="nodeHorzAlign" val="r"/>
+        </dgm:alg>
+      </dgm:else>
+    </dgm:choose>
+    <dgm:shape xmlns:r="http://schemas.openxmlformats.org/officeDocument/2006/relationships" r:blip="">
+      <dgm:adjLst/>
+    </dgm:shape>
+    <dgm:presOf/>
+    <dgm:constrLst>
+      <dgm:constr type="w" for="ch" forName="parentLin" refType="w"/>
+      <dgm:constr type="h" for="ch" forName="parentLin" val="INF"/>
+      <dgm:constr type="w" for="des" forName="parentLeftMargin" refType="w" fact="0.05"/>
+      <dgm:constr type="w" for="des" forName="parentText" refType="w" fact="0.7"/>
+      <dgm:constr type="h" for="des" forName="parentText" refType="primFontSz" refFor="des" refForName="parentText" fact="0.82"/>
+      <dgm:constr type="h" for="ch" forName="negativeSpace" refType="primFontSz" refFor="des" refForName="parentText" fact="-0.41"/>
+      <dgm:constr type="h" for="ch" forName="negativeSpace" refType="h" refFor="des" refForName="parentText" op="lte" fact="-0.82"/>
+      <dgm:constr type="h" for="ch" forName="negativeSpace" refType="h" refFor="des" refForName="parentText" op="gte" fact="-0.82"/>
+      <dgm:constr type="w" for="ch" forName="childText" refType="w"/>
+      <dgm:constr type="h" for="ch" forName="childText" refType="primFontSz" refFor="des" refForName="parentText" fact="0.7"/>
+      <dgm:constr type="primFontSz" for="des" forName="parentText" val="65"/>
+      <dgm:constr type="primFontSz" for="ch" forName="childText" refType="primFontSz" refFor="des" refForName="parentText"/>
+      <dgm:constr type="tMarg" for="ch" forName="childText" refType="primFontSz" refFor="des" refForName="parentText" fact="1.64"/>
+      <dgm:constr type="tMarg" for="ch" forName="childText" refType="h" refFor="des" refForName="parentText" op="lte" fact="3.28"/>
+      <dgm:constr type="tMarg" for="ch" forName="childText" refType="h" refFor="des" refForName="parentText" op="gte" fact="3.28"/>
+      <dgm:constr type="lMarg" for="ch" forName="childText" refType="w" fact="0.22"/>
+      <dgm:constr type="rMarg" for="ch" forName="childText" refType="lMarg" refFor="ch" refForName="childText"/>
+      <dgm:constr type="lMarg" for="des" forName="parentText" refType="w" fact="0.075"/>
+      <dgm:constr type="rMarg" for="des" forName="parentText" refType="lMarg" refFor="des" refForName="parentText"/>
+      <dgm:constr type="h" for="ch" forName="spaceBetweenRectangles" refType="primFontSz" refFor="des" refForName="parentText" fact="0.15"/>
+    </dgm:constrLst>
+    <dgm:ruleLst>
+      <dgm:rule type="primFontSz" for="des" forName="parentText" val="5" fact="NaN" max="NaN"/>
+    </dgm:ruleLst>
+    <dgm:forEach name="Name3" axis="ch" ptType="node">
+      <dgm:layoutNode name="parentLin">
+        <dgm:choose name="Name4">
+          <dgm:if name="Name5" func="var" arg="dir" op="equ" val="norm">
+            <dgm:alg type="lin">
+              <dgm:param type="linDir" val="fromL"/>
+              <dgm:param type="horzAlign" val="l"/>
+              <dgm:param type="nodeHorzAlign" val="l"/>
+            </dgm:alg>
+          </dgm:if>
+          <dgm:else name="Name6">
+            <dgm:alg type="lin">
+              <dgm:param type="linDir" val="fromR"/>
+              <dgm:param type="horzAlign" val="r"/>
+              <dgm:param type="nodeHorzAlign" val="r"/>
+            </dgm:alg>
+          </dgm:else>
+        </dgm:choose>
+        <dgm:shape xmlns:r="http://schemas.openxmlformats.org/officeDocument/2006/relationships" r:blip="">
+          <dgm:adjLst/>
+        </dgm:shape>
+        <dgm:presOf/>
+        <dgm:constrLst/>
+        <dgm:ruleLst/>
+        <dgm:layoutNode name="parentLeftMargin">
+          <dgm:alg type="sp"/>
+          <dgm:shape xmlns:r="http://schemas.openxmlformats.org/officeDocument/2006/relationships" type="rect" r:blip="" hideGeom="1">
+            <dgm:adjLst/>
+          </dgm:shape>
+          <dgm:presOf axis="self"/>
+          <dgm:constrLst>
+            <dgm:constr type="h"/>
+          </dgm:constrLst>
+          <dgm:ruleLst/>
+        </dgm:layoutNode>
+        <dgm:layoutNode name="parentText" styleLbl="node1">
+          <dgm:varLst>
+            <dgm:chMax val="0"/>
+            <dgm:bulletEnabled val="1"/>
+          </dgm:varLst>
+          <dgm:choose name="Name7">
+            <dgm:if name="Name8" func="var" arg="dir" op="equ" val="norm">
+              <dgm:alg type="tx">
+                <dgm:param type="parTxLTRAlign" val="l"/>
+                <dgm:param type="parTxRTLAlign" val="l"/>
+              </dgm:alg>
+            </dgm:if>
+            <dgm:else name="Name9">
+              <dgm:alg type="tx">
+                <dgm:param type="parTxLTRAlign" val="r"/>
+                <dgm:param type="parTxRTLAlign" val="r"/>
+              </dgm:alg>
+            </dgm:else>
+          </dgm:choose>
+          <dgm:shape xmlns:r="http://schemas.openxmlformats.org/officeDocument/2006/relationships" type="roundRect" r:blip="">
+            <dgm:adjLst/>
+          </dgm:shape>
+          <dgm:presOf axis="self" ptType="node"/>
+          <dgm:constrLst>
+            <dgm:constr type="tMarg"/>
+            <dgm:constr type="bMarg"/>
+          </dgm:constrLst>
+          <dgm:ruleLst/>
+        </dgm:layoutNode>
+      </dgm:layoutNode>
+      <dgm:layoutNode name="negativeSpace">
+        <dgm:alg type="sp"/>
+        <dgm:shape xmlns:r="http://schemas.openxmlformats.org/officeDocument/2006/relationships" r:blip="">
+          <dgm:adjLst/>
+        </dgm:shape>
+        <dgm:presOf/>
+        <dgm:constrLst/>
+        <dgm:ruleLst/>
+      </dgm:layoutNode>
+      <dgm:layoutNode name="childText" styleLbl="conFgAcc1">
+        <dgm:varLst>
+          <dgm:bulletEnabled val="1"/>
+        </dgm:varLst>
+        <dgm:alg type="tx">
+          <dgm:param type="stBulletLvl" val="1"/>
+        </dgm:alg>
+        <dgm:shape xmlns:r="http://schemas.openxmlformats.org/officeDocument/2006/relationships" type="rect" r:blip="" zOrderOff="-2">
+          <dgm:adjLst/>
+        </dgm:shape>
+        <dgm:presOf axis="des" ptType="node"/>
+        <dgm:constrLst>
+          <dgm:constr type="secFontSz" refType="primFontSz"/>
+        </dgm:constrLst>
+        <dgm:ruleLst>
+          <dgm:rule type="h" val="INF" fact="NaN" max="NaN"/>
+        </dgm:ruleLst>
+      </dgm:layoutNode>
+      <dgm:forEach name="Name10" axis="followSib" ptType="sibTrans" cnt="1">
+        <dgm:layoutNode name="spaceBetweenRectangles">
+          <dgm:alg type="sp"/>
+          <dgm:shape xmlns:r="http://schemas.openxmlformats.org/officeDocument/2006/relationships" r:blip="">
+            <dgm:adjLst/>
+          </dgm:shape>
+          <dgm:presOf/>
+          <dgm:constrLst/>
+          <dgm:ruleLst/>
+        </dgm:layoutNode>
+      </dgm:forEach>
+    </dgm:forEach>
+  </dgm:layoutNode>
+</dgm:layoutDef>
+</file>
+
+<file path=ppt/diagrams/layout2.xml><?xml version="1.0" encoding="utf-8"?>
 <dgm:layoutDef xmlns:dgm="http://schemas.openxmlformats.org/drawingml/2006/diagram" xmlns:a="http://schemas.openxmlformats.org/drawingml/2006/main" uniqueId="urn:microsoft.com/office/officeart/2005/8/layout/list1">
   <dgm:title val=""/>
   <dgm:desc val=""/>
@@ -3469,6 +5111,1473 @@
 </dgm:styleDef>
 </file>
 
+<file path=ppt/diagrams/quickStyle2.xml><?xml version="1.0" encoding="utf-8"?>
+<dgm:styleDef xmlns:dgm="http://schemas.openxmlformats.org/drawingml/2006/diagram" xmlns:a="http://schemas.openxmlformats.org/drawingml/2006/main" uniqueId="urn:microsoft.com/office/officeart/2005/8/quickstyle/simple4">
+  <dgm:title val=""/>
+  <dgm:desc val=""/>
+  <dgm:catLst>
+    <dgm:cat type="simple" pri="10400"/>
+  </dgm:catLst>
+  <dgm:scene3d>
+    <a:camera prst="orthographicFront"/>
+    <a:lightRig rig="threePt" dir="t"/>
+  </dgm:scene3d>
+  <dgm:styleLbl name="node0">
+    <dgm:scene3d>
+      <a:camera prst="orthographicFront"/>
+      <a:lightRig rig="threePt" dir="t"/>
+    </dgm:scene3d>
+    <dgm:sp3d/>
+    <dgm:txPr/>
+    <dgm:style>
+      <a:lnRef idx="0">
+        <a:scrgbClr r="0" g="0" b="0"/>
+      </a:lnRef>
+      <a:fillRef idx="3">
+        <a:scrgbClr r="0" g="0" b="0"/>
+      </a:fillRef>
+      <a:effectRef idx="2">
+        <a:scrgbClr r="0" g="0" b="0"/>
+      </a:effectRef>
+      <a:fontRef idx="minor">
+        <a:schemeClr val="lt1"/>
+      </a:fontRef>
+    </dgm:style>
+  </dgm:styleLbl>
+  <dgm:styleLbl name="lnNode1">
+    <dgm:scene3d>
+      <a:camera prst="orthographicFront"/>
+      <a:lightRig rig="threePt" dir="t"/>
+    </dgm:scene3d>
+    <dgm:sp3d/>
+    <dgm:txPr/>
+    <dgm:style>
+      <a:lnRef idx="1">
+        <a:scrgbClr r="0" g="0" b="0"/>
+      </a:lnRef>
+      <a:fillRef idx="3">
+        <a:scrgbClr r="0" g="0" b="0"/>
+      </a:fillRef>
+      <a:effectRef idx="2">
+        <a:scrgbClr r="0" g="0" b="0"/>
+      </a:effectRef>
+      <a:fontRef idx="minor">
+        <a:schemeClr val="lt1"/>
+      </a:fontRef>
+    </dgm:style>
+  </dgm:styleLbl>
+  <dgm:styleLbl name="vennNode1">
+    <dgm:scene3d>
+      <a:camera prst="orthographicFront"/>
+      <a:lightRig rig="threePt" dir="t"/>
+    </dgm:scene3d>
+    <dgm:sp3d/>
+    <dgm:txPr/>
+    <dgm:style>
+      <a:lnRef idx="0">
+        <a:scrgbClr r="0" g="0" b="0"/>
+      </a:lnRef>
+      <a:fillRef idx="3">
+        <a:scrgbClr r="0" g="0" b="0"/>
+      </a:fillRef>
+      <a:effectRef idx="0">
+        <a:scrgbClr r="0" g="0" b="0"/>
+      </a:effectRef>
+      <a:fontRef idx="minor">
+        <a:schemeClr val="tx1"/>
+      </a:fontRef>
+    </dgm:style>
+  </dgm:styleLbl>
+  <dgm:styleLbl name="alignNode1">
+    <dgm:scene3d>
+      <a:camera prst="orthographicFront"/>
+      <a:lightRig rig="threePt" dir="t"/>
+    </dgm:scene3d>
+    <dgm:sp3d/>
+    <dgm:txPr/>
+    <dgm:style>
+      <a:lnRef idx="1">
+        <a:scrgbClr r="0" g="0" b="0"/>
+      </a:lnRef>
+      <a:fillRef idx="3">
+        <a:scrgbClr r="0" g="0" b="0"/>
+      </a:fillRef>
+      <a:effectRef idx="2">
+        <a:scrgbClr r="0" g="0" b="0"/>
+      </a:effectRef>
+      <a:fontRef idx="minor">
+        <a:schemeClr val="lt1"/>
+      </a:fontRef>
+    </dgm:style>
+  </dgm:styleLbl>
+  <dgm:styleLbl name="node1">
+    <dgm:scene3d>
+      <a:camera prst="orthographicFront"/>
+      <a:lightRig rig="threePt" dir="t"/>
+    </dgm:scene3d>
+    <dgm:sp3d/>
+    <dgm:txPr/>
+    <dgm:style>
+      <a:lnRef idx="0">
+        <a:scrgbClr r="0" g="0" b="0"/>
+      </a:lnRef>
+      <a:fillRef idx="3">
+        <a:scrgbClr r="0" g="0" b="0"/>
+      </a:fillRef>
+      <a:effectRef idx="2">
+        <a:scrgbClr r="0" g="0" b="0"/>
+      </a:effectRef>
+      <a:fontRef idx="minor">
+        <a:schemeClr val="lt1"/>
+      </a:fontRef>
+    </dgm:style>
+  </dgm:styleLbl>
+  <dgm:styleLbl name="node2">
+    <dgm:scene3d>
+      <a:camera prst="orthographicFront"/>
+      <a:lightRig rig="threePt" dir="t"/>
+    </dgm:scene3d>
+    <dgm:sp3d/>
+    <dgm:txPr/>
+    <dgm:style>
+      <a:lnRef idx="0">
+        <a:scrgbClr r="0" g="0" b="0"/>
+      </a:lnRef>
+      <a:fillRef idx="3">
+        <a:scrgbClr r="0" g="0" b="0"/>
+      </a:fillRef>
+      <a:effectRef idx="2">
+        <a:scrgbClr r="0" g="0" b="0"/>
+      </a:effectRef>
+      <a:fontRef idx="minor">
+        <a:schemeClr val="lt1"/>
+      </a:fontRef>
+    </dgm:style>
+  </dgm:styleLbl>
+  <dgm:styleLbl name="node3">
+    <dgm:scene3d>
+      <a:camera prst="orthographicFront"/>
+      <a:lightRig rig="threePt" dir="t"/>
+    </dgm:scene3d>
+    <dgm:sp3d/>
+    <dgm:txPr/>
+    <dgm:style>
+      <a:lnRef idx="0">
+        <a:scrgbClr r="0" g="0" b="0"/>
+      </a:lnRef>
+      <a:fillRef idx="3">
+        <a:scrgbClr r="0" g="0" b="0"/>
+      </a:fillRef>
+      <a:effectRef idx="2">
+        <a:scrgbClr r="0" g="0" b="0"/>
+      </a:effectRef>
+      <a:fontRef idx="minor">
+        <a:schemeClr val="lt1"/>
+      </a:fontRef>
+    </dgm:style>
+  </dgm:styleLbl>
+  <dgm:styleLbl name="node4">
+    <dgm:scene3d>
+      <a:camera prst="orthographicFront"/>
+      <a:lightRig rig="threePt" dir="t"/>
+    </dgm:scene3d>
+    <dgm:sp3d/>
+    <dgm:txPr/>
+    <dgm:style>
+      <a:lnRef idx="0">
+        <a:scrgbClr r="0" g="0" b="0"/>
+      </a:lnRef>
+      <a:fillRef idx="3">
+        <a:scrgbClr r="0" g="0" b="0"/>
+      </a:fillRef>
+      <a:effectRef idx="2">
+        <a:scrgbClr r="0" g="0" b="0"/>
+      </a:effectRef>
+      <a:fontRef idx="minor">
+        <a:schemeClr val="lt1"/>
+      </a:fontRef>
+    </dgm:style>
+  </dgm:styleLbl>
+  <dgm:styleLbl name="fgImgPlace1">
+    <dgm:scene3d>
+      <a:camera prst="orthographicFront"/>
+      <a:lightRig rig="threePt" dir="t"/>
+    </dgm:scene3d>
+    <dgm:sp3d/>
+    <dgm:txPr/>
+    <dgm:style>
+      <a:lnRef idx="0">
+        <a:scrgbClr r="0" g="0" b="0"/>
+      </a:lnRef>
+      <a:fillRef idx="1">
+        <a:scrgbClr r="0" g="0" b="0"/>
+      </a:fillRef>
+      <a:effectRef idx="2">
+        <a:scrgbClr r="0" g="0" b="0"/>
+      </a:effectRef>
+      <a:fontRef idx="minor"/>
+    </dgm:style>
+  </dgm:styleLbl>
+  <dgm:styleLbl name="alignImgPlace1">
+    <dgm:scene3d>
+      <a:camera prst="orthographicFront"/>
+      <a:lightRig rig="threePt" dir="t"/>
+    </dgm:scene3d>
+    <dgm:sp3d/>
+    <dgm:txPr/>
+    <dgm:style>
+      <a:lnRef idx="0">
+        <a:scrgbClr r="0" g="0" b="0"/>
+      </a:lnRef>
+      <a:fillRef idx="1">
+        <a:scrgbClr r="0" g="0" b="0"/>
+      </a:fillRef>
+      <a:effectRef idx="2">
+        <a:scrgbClr r="0" g="0" b="0"/>
+      </a:effectRef>
+      <a:fontRef idx="minor"/>
+    </dgm:style>
+  </dgm:styleLbl>
+  <dgm:styleLbl name="bgImgPlace1">
+    <dgm:scene3d>
+      <a:camera prst="orthographicFront"/>
+      <a:lightRig rig="threePt" dir="t"/>
+    </dgm:scene3d>
+    <dgm:sp3d/>
+    <dgm:txPr/>
+    <dgm:style>
+      <a:lnRef idx="0">
+        <a:scrgbClr r="0" g="0" b="0"/>
+      </a:lnRef>
+      <a:fillRef idx="1">
+        <a:scrgbClr r="0" g="0" b="0"/>
+      </a:fillRef>
+      <a:effectRef idx="2">
+        <a:scrgbClr r="0" g="0" b="0"/>
+      </a:effectRef>
+      <a:fontRef idx="minor"/>
+    </dgm:style>
+  </dgm:styleLbl>
+  <dgm:styleLbl name="sibTrans2D1">
+    <dgm:scene3d>
+      <a:camera prst="orthographicFront"/>
+      <a:lightRig rig="threePt" dir="t"/>
+    </dgm:scene3d>
+    <dgm:sp3d/>
+    <dgm:txPr/>
+    <dgm:style>
+      <a:lnRef idx="0">
+        <a:scrgbClr r="0" g="0" b="0"/>
+      </a:lnRef>
+      <a:fillRef idx="3">
+        <a:scrgbClr r="0" g="0" b="0"/>
+      </a:fillRef>
+      <a:effectRef idx="2">
+        <a:scrgbClr r="0" g="0" b="0"/>
+      </a:effectRef>
+      <a:fontRef idx="minor">
+        <a:schemeClr val="lt1"/>
+      </a:fontRef>
+    </dgm:style>
+  </dgm:styleLbl>
+  <dgm:styleLbl name="fgSibTrans2D1">
+    <dgm:scene3d>
+      <a:camera prst="orthographicFront"/>
+      <a:lightRig rig="threePt" dir="t"/>
+    </dgm:scene3d>
+    <dgm:sp3d/>
+    <dgm:txPr/>
+    <dgm:style>
+      <a:lnRef idx="0">
+        <a:scrgbClr r="0" g="0" b="0"/>
+      </a:lnRef>
+      <a:fillRef idx="3">
+        <a:scrgbClr r="0" g="0" b="0"/>
+      </a:fillRef>
+      <a:effectRef idx="2">
+        <a:scrgbClr r="0" g="0" b="0"/>
+      </a:effectRef>
+      <a:fontRef idx="minor">
+        <a:schemeClr val="lt1"/>
+      </a:fontRef>
+    </dgm:style>
+  </dgm:styleLbl>
+  <dgm:styleLbl name="bgSibTrans2D1">
+    <dgm:scene3d>
+      <a:camera prst="orthographicFront"/>
+      <a:lightRig rig="threePt" dir="t"/>
+    </dgm:scene3d>
+    <dgm:sp3d/>
+    <dgm:txPr/>
+    <dgm:style>
+      <a:lnRef idx="0">
+        <a:scrgbClr r="0" g="0" b="0"/>
+      </a:lnRef>
+      <a:fillRef idx="3">
+        <a:scrgbClr r="0" g="0" b="0"/>
+      </a:fillRef>
+      <a:effectRef idx="2">
+        <a:scrgbClr r="0" g="0" b="0"/>
+      </a:effectRef>
+      <a:fontRef idx="minor">
+        <a:schemeClr val="lt1"/>
+      </a:fontRef>
+    </dgm:style>
+  </dgm:styleLbl>
+  <dgm:styleLbl name="sibTrans1D1">
+    <dgm:scene3d>
+      <a:camera prst="orthographicFront"/>
+      <a:lightRig rig="threePt" dir="t"/>
+    </dgm:scene3d>
+    <dgm:sp3d/>
+    <dgm:txPr/>
+    <dgm:style>
+      <a:lnRef idx="1">
+        <a:scrgbClr r="0" g="0" b="0"/>
+      </a:lnRef>
+      <a:fillRef idx="0">
+        <a:scrgbClr r="0" g="0" b="0"/>
+      </a:fillRef>
+      <a:effectRef idx="0">
+        <a:scrgbClr r="0" g="0" b="0"/>
+      </a:effectRef>
+      <a:fontRef idx="minor"/>
+    </dgm:style>
+  </dgm:styleLbl>
+  <dgm:styleLbl name="callout">
+    <dgm:scene3d>
+      <a:camera prst="orthographicFront"/>
+      <a:lightRig rig="threePt" dir="t"/>
+    </dgm:scene3d>
+    <dgm:sp3d/>
+    <dgm:txPr/>
+    <dgm:style>
+      <a:lnRef idx="2">
+        <a:scrgbClr r="0" g="0" b="0"/>
+      </a:lnRef>
+      <a:fillRef idx="1">
+        <a:scrgbClr r="0" g="0" b="0"/>
+      </a:fillRef>
+      <a:effectRef idx="1">
+        <a:scrgbClr r="0" g="0" b="0"/>
+      </a:effectRef>
+      <a:fontRef idx="minor"/>
+    </dgm:style>
+  </dgm:styleLbl>
+  <dgm:styleLbl name="asst0">
+    <dgm:scene3d>
+      <a:camera prst="orthographicFront"/>
+      <a:lightRig rig="threePt" dir="t"/>
+    </dgm:scene3d>
+    <dgm:sp3d/>
+    <dgm:txPr/>
+    <dgm:style>
+      <a:lnRef idx="0">
+        <a:scrgbClr r="0" g="0" b="0"/>
+      </a:lnRef>
+      <a:fillRef idx="3">
+        <a:scrgbClr r="0" g="0" b="0"/>
+      </a:fillRef>
+      <a:effectRef idx="2">
+        <a:scrgbClr r="0" g="0" b="0"/>
+      </a:effectRef>
+      <a:fontRef idx="minor">
+        <a:schemeClr val="lt1"/>
+      </a:fontRef>
+    </dgm:style>
+  </dgm:styleLbl>
+  <dgm:styleLbl name="asst1">
+    <dgm:scene3d>
+      <a:camera prst="orthographicFront"/>
+      <a:lightRig rig="threePt" dir="t"/>
+    </dgm:scene3d>
+    <dgm:sp3d/>
+    <dgm:txPr/>
+    <dgm:style>
+      <a:lnRef idx="0">
+        <a:scrgbClr r="0" g="0" b="0"/>
+      </a:lnRef>
+      <a:fillRef idx="3">
+        <a:scrgbClr r="0" g="0" b="0"/>
+      </a:fillRef>
+      <a:effectRef idx="2">
+        <a:scrgbClr r="0" g="0" b="0"/>
+      </a:effectRef>
+      <a:fontRef idx="minor">
+        <a:schemeClr val="lt1"/>
+      </a:fontRef>
+    </dgm:style>
+  </dgm:styleLbl>
+  <dgm:styleLbl name="asst2">
+    <dgm:scene3d>
+      <a:camera prst="orthographicFront"/>
+      <a:lightRig rig="threePt" dir="t"/>
+    </dgm:scene3d>
+    <dgm:sp3d/>
+    <dgm:txPr/>
+    <dgm:style>
+      <a:lnRef idx="0">
+        <a:scrgbClr r="0" g="0" b="0"/>
+      </a:lnRef>
+      <a:fillRef idx="3">
+        <a:scrgbClr r="0" g="0" b="0"/>
+      </a:fillRef>
+      <a:effectRef idx="2">
+        <a:scrgbClr r="0" g="0" b="0"/>
+      </a:effectRef>
+      <a:fontRef idx="minor">
+        <a:schemeClr val="lt1"/>
+      </a:fontRef>
+    </dgm:style>
+  </dgm:styleLbl>
+  <dgm:styleLbl name="asst3">
+    <dgm:scene3d>
+      <a:camera prst="orthographicFront"/>
+      <a:lightRig rig="threePt" dir="t"/>
+    </dgm:scene3d>
+    <dgm:sp3d/>
+    <dgm:txPr/>
+    <dgm:style>
+      <a:lnRef idx="0">
+        <a:scrgbClr r="0" g="0" b="0"/>
+      </a:lnRef>
+      <a:fillRef idx="3">
+        <a:scrgbClr r="0" g="0" b="0"/>
+      </a:fillRef>
+      <a:effectRef idx="2">
+        <a:scrgbClr r="0" g="0" b="0"/>
+      </a:effectRef>
+      <a:fontRef idx="minor">
+        <a:schemeClr val="lt1"/>
+      </a:fontRef>
+    </dgm:style>
+  </dgm:styleLbl>
+  <dgm:styleLbl name="asst4">
+    <dgm:scene3d>
+      <a:camera prst="orthographicFront"/>
+      <a:lightRig rig="threePt" dir="t"/>
+    </dgm:scene3d>
+    <dgm:sp3d/>
+    <dgm:txPr/>
+    <dgm:style>
+      <a:lnRef idx="0">
+        <a:scrgbClr r="0" g="0" b="0"/>
+      </a:lnRef>
+      <a:fillRef idx="3">
+        <a:scrgbClr r="0" g="0" b="0"/>
+      </a:fillRef>
+      <a:effectRef idx="2">
+        <a:scrgbClr r="0" g="0" b="0"/>
+      </a:effectRef>
+      <a:fontRef idx="minor">
+        <a:schemeClr val="lt1"/>
+      </a:fontRef>
+    </dgm:style>
+  </dgm:styleLbl>
+  <dgm:styleLbl name="parChTrans2D1">
+    <dgm:scene3d>
+      <a:camera prst="orthographicFront"/>
+      <a:lightRig rig="threePt" dir="t"/>
+    </dgm:scene3d>
+    <dgm:sp3d/>
+    <dgm:txPr/>
+    <dgm:style>
+      <a:lnRef idx="0">
+        <a:scrgbClr r="0" g="0" b="0"/>
+      </a:lnRef>
+      <a:fillRef idx="3">
+        <a:scrgbClr r="0" g="0" b="0"/>
+      </a:fillRef>
+      <a:effectRef idx="2">
+        <a:scrgbClr r="0" g="0" b="0"/>
+      </a:effectRef>
+      <a:fontRef idx="minor">
+        <a:schemeClr val="lt1"/>
+      </a:fontRef>
+    </dgm:style>
+  </dgm:styleLbl>
+  <dgm:styleLbl name="parChTrans2D2">
+    <dgm:scene3d>
+      <a:camera prst="orthographicFront"/>
+      <a:lightRig rig="threePt" dir="t"/>
+    </dgm:scene3d>
+    <dgm:sp3d/>
+    <dgm:txPr/>
+    <dgm:style>
+      <a:lnRef idx="0">
+        <a:scrgbClr r="0" g="0" b="0"/>
+      </a:lnRef>
+      <a:fillRef idx="3">
+        <a:scrgbClr r="0" g="0" b="0"/>
+      </a:fillRef>
+      <a:effectRef idx="2">
+        <a:scrgbClr r="0" g="0" b="0"/>
+      </a:effectRef>
+      <a:fontRef idx="minor">
+        <a:schemeClr val="lt1"/>
+      </a:fontRef>
+    </dgm:style>
+  </dgm:styleLbl>
+  <dgm:styleLbl name="parChTrans2D3">
+    <dgm:scene3d>
+      <a:camera prst="orthographicFront"/>
+      <a:lightRig rig="threePt" dir="t"/>
+    </dgm:scene3d>
+    <dgm:sp3d/>
+    <dgm:txPr/>
+    <dgm:style>
+      <a:lnRef idx="1">
+        <a:scrgbClr r="0" g="0" b="0"/>
+      </a:lnRef>
+      <a:fillRef idx="3">
+        <a:scrgbClr r="0" g="0" b="0"/>
+      </a:fillRef>
+      <a:effectRef idx="2">
+        <a:scrgbClr r="0" g="0" b="0"/>
+      </a:effectRef>
+      <a:fontRef idx="minor">
+        <a:schemeClr val="lt1"/>
+      </a:fontRef>
+    </dgm:style>
+  </dgm:styleLbl>
+  <dgm:styleLbl name="parChTrans2D4">
+    <dgm:scene3d>
+      <a:camera prst="orthographicFront"/>
+      <a:lightRig rig="threePt" dir="t"/>
+    </dgm:scene3d>
+    <dgm:sp3d/>
+    <dgm:txPr/>
+    <dgm:style>
+      <a:lnRef idx="1">
+        <a:scrgbClr r="0" g="0" b="0"/>
+      </a:lnRef>
+      <a:fillRef idx="3">
+        <a:scrgbClr r="0" g="0" b="0"/>
+      </a:fillRef>
+      <a:effectRef idx="2">
+        <a:scrgbClr r="0" g="0" b="0"/>
+      </a:effectRef>
+      <a:fontRef idx="minor">
+        <a:schemeClr val="lt1"/>
+      </a:fontRef>
+    </dgm:style>
+  </dgm:styleLbl>
+  <dgm:styleLbl name="parChTrans1D1">
+    <dgm:scene3d>
+      <a:camera prst="orthographicFront"/>
+      <a:lightRig rig="threePt" dir="t"/>
+    </dgm:scene3d>
+    <dgm:sp3d/>
+    <dgm:txPr/>
+    <dgm:style>
+      <a:lnRef idx="1">
+        <a:scrgbClr r="0" g="0" b="0"/>
+      </a:lnRef>
+      <a:fillRef idx="0">
+        <a:scrgbClr r="0" g="0" b="0"/>
+      </a:fillRef>
+      <a:effectRef idx="0">
+        <a:scrgbClr r="0" g="0" b="0"/>
+      </a:effectRef>
+      <a:fontRef idx="minor"/>
+    </dgm:style>
+  </dgm:styleLbl>
+  <dgm:styleLbl name="parChTrans1D2">
+    <dgm:scene3d>
+      <a:camera prst="orthographicFront"/>
+      <a:lightRig rig="threePt" dir="t"/>
+    </dgm:scene3d>
+    <dgm:sp3d/>
+    <dgm:txPr/>
+    <dgm:style>
+      <a:lnRef idx="1">
+        <a:scrgbClr r="0" g="0" b="0"/>
+      </a:lnRef>
+      <a:fillRef idx="0">
+        <a:scrgbClr r="0" g="0" b="0"/>
+      </a:fillRef>
+      <a:effectRef idx="0">
+        <a:scrgbClr r="0" g="0" b="0"/>
+      </a:effectRef>
+      <a:fontRef idx="minor"/>
+    </dgm:style>
+  </dgm:styleLbl>
+  <dgm:styleLbl name="parChTrans1D3">
+    <dgm:scene3d>
+      <a:camera prst="orthographicFront"/>
+      <a:lightRig rig="threePt" dir="t"/>
+    </dgm:scene3d>
+    <dgm:sp3d/>
+    <dgm:txPr/>
+    <dgm:style>
+      <a:lnRef idx="1">
+        <a:scrgbClr r="0" g="0" b="0"/>
+      </a:lnRef>
+      <a:fillRef idx="0">
+        <a:scrgbClr r="0" g="0" b="0"/>
+      </a:fillRef>
+      <a:effectRef idx="0">
+        <a:scrgbClr r="0" g="0" b="0"/>
+      </a:effectRef>
+      <a:fontRef idx="minor"/>
+    </dgm:style>
+  </dgm:styleLbl>
+  <dgm:styleLbl name="parChTrans1D4">
+    <dgm:scene3d>
+      <a:camera prst="orthographicFront"/>
+      <a:lightRig rig="threePt" dir="t"/>
+    </dgm:scene3d>
+    <dgm:sp3d/>
+    <dgm:txPr/>
+    <dgm:style>
+      <a:lnRef idx="1">
+        <a:scrgbClr r="0" g="0" b="0"/>
+      </a:lnRef>
+      <a:fillRef idx="0">
+        <a:scrgbClr r="0" g="0" b="0"/>
+      </a:fillRef>
+      <a:effectRef idx="0">
+        <a:scrgbClr r="0" g="0" b="0"/>
+      </a:effectRef>
+      <a:fontRef idx="minor"/>
+    </dgm:style>
+  </dgm:styleLbl>
+  <dgm:styleLbl name="fgAcc1">
+    <dgm:scene3d>
+      <a:camera prst="orthographicFront"/>
+      <a:lightRig rig="threePt" dir="t"/>
+    </dgm:scene3d>
+    <dgm:sp3d/>
+    <dgm:txPr/>
+    <dgm:style>
+      <a:lnRef idx="1">
+        <a:scrgbClr r="0" g="0" b="0"/>
+      </a:lnRef>
+      <a:fillRef idx="1">
+        <a:scrgbClr r="0" g="0" b="0"/>
+      </a:fillRef>
+      <a:effectRef idx="0">
+        <a:scrgbClr r="0" g="0" b="0"/>
+      </a:effectRef>
+      <a:fontRef idx="minor"/>
+    </dgm:style>
+  </dgm:styleLbl>
+  <dgm:styleLbl name="conFgAcc1">
+    <dgm:scene3d>
+      <a:camera prst="orthographicFront"/>
+      <a:lightRig rig="threePt" dir="t"/>
+    </dgm:scene3d>
+    <dgm:sp3d/>
+    <dgm:txPr/>
+    <dgm:style>
+      <a:lnRef idx="1">
+        <a:scrgbClr r="0" g="0" b="0"/>
+      </a:lnRef>
+      <a:fillRef idx="1">
+        <a:scrgbClr r="0" g="0" b="0"/>
+      </a:fillRef>
+      <a:effectRef idx="0">
+        <a:scrgbClr r="0" g="0" b="0"/>
+      </a:effectRef>
+      <a:fontRef idx="minor"/>
+    </dgm:style>
+  </dgm:styleLbl>
+  <dgm:styleLbl name="alignAcc1">
+    <dgm:scene3d>
+      <a:camera prst="orthographicFront"/>
+      <a:lightRig rig="threePt" dir="t"/>
+    </dgm:scene3d>
+    <dgm:sp3d/>
+    <dgm:txPr/>
+    <dgm:style>
+      <a:lnRef idx="1">
+        <a:scrgbClr r="0" g="0" b="0"/>
+      </a:lnRef>
+      <a:fillRef idx="1">
+        <a:scrgbClr r="0" g="0" b="0"/>
+      </a:fillRef>
+      <a:effectRef idx="0">
+        <a:scrgbClr r="0" g="0" b="0"/>
+      </a:effectRef>
+      <a:fontRef idx="minor"/>
+    </dgm:style>
+  </dgm:styleLbl>
+  <dgm:styleLbl name="trAlignAcc1">
+    <dgm:scene3d>
+      <a:camera prst="orthographicFront"/>
+      <a:lightRig rig="threePt" dir="t"/>
+    </dgm:scene3d>
+    <dgm:sp3d/>
+    <dgm:txPr/>
+    <dgm:style>
+      <a:lnRef idx="1">
+        <a:scrgbClr r="0" g="0" b="0"/>
+      </a:lnRef>
+      <a:fillRef idx="1">
+        <a:scrgbClr r="0" g="0" b="0"/>
+      </a:fillRef>
+      <a:effectRef idx="0">
+        <a:scrgbClr r="0" g="0" b="0"/>
+      </a:effectRef>
+      <a:fontRef idx="minor"/>
+    </dgm:style>
+  </dgm:styleLbl>
+  <dgm:styleLbl name="bgAcc1">
+    <dgm:scene3d>
+      <a:camera prst="orthographicFront"/>
+      <a:lightRig rig="threePt" dir="t"/>
+    </dgm:scene3d>
+    <dgm:sp3d/>
+    <dgm:txPr/>
+    <dgm:style>
+      <a:lnRef idx="1">
+        <a:scrgbClr r="0" g="0" b="0"/>
+      </a:lnRef>
+      <a:fillRef idx="1">
+        <a:scrgbClr r="0" g="0" b="0"/>
+      </a:fillRef>
+      <a:effectRef idx="0">
+        <a:scrgbClr r="0" g="0" b="0"/>
+      </a:effectRef>
+      <a:fontRef idx="minor"/>
+    </dgm:style>
+  </dgm:styleLbl>
+  <dgm:styleLbl name="solidFgAcc1">
+    <dgm:scene3d>
+      <a:camera prst="orthographicFront"/>
+      <a:lightRig rig="threePt" dir="t"/>
+    </dgm:scene3d>
+    <dgm:sp3d/>
+    <dgm:txPr/>
+    <dgm:style>
+      <a:lnRef idx="1">
+        <a:scrgbClr r="0" g="0" b="0"/>
+      </a:lnRef>
+      <a:fillRef idx="1">
+        <a:scrgbClr r="0" g="0" b="0"/>
+      </a:fillRef>
+      <a:effectRef idx="0">
+        <a:scrgbClr r="0" g="0" b="0"/>
+      </a:effectRef>
+      <a:fontRef idx="minor"/>
+    </dgm:style>
+  </dgm:styleLbl>
+  <dgm:styleLbl name="solidAlignAcc1">
+    <dgm:scene3d>
+      <a:camera prst="orthographicFront"/>
+      <a:lightRig rig="threePt" dir="t"/>
+    </dgm:scene3d>
+    <dgm:sp3d/>
+    <dgm:txPr/>
+    <dgm:style>
+      <a:lnRef idx="1">
+        <a:scrgbClr r="0" g="0" b="0"/>
+      </a:lnRef>
+      <a:fillRef idx="1">
+        <a:scrgbClr r="0" g="0" b="0"/>
+      </a:fillRef>
+      <a:effectRef idx="0">
+        <a:scrgbClr r="0" g="0" b="0"/>
+      </a:effectRef>
+      <a:fontRef idx="minor"/>
+    </dgm:style>
+  </dgm:styleLbl>
+  <dgm:styleLbl name="solidBgAcc1">
+    <dgm:scene3d>
+      <a:camera prst="orthographicFront"/>
+      <a:lightRig rig="threePt" dir="t"/>
+    </dgm:scene3d>
+    <dgm:sp3d/>
+    <dgm:txPr/>
+    <dgm:style>
+      <a:lnRef idx="1">
+        <a:scrgbClr r="0" g="0" b="0"/>
+      </a:lnRef>
+      <a:fillRef idx="1">
+        <a:scrgbClr r="0" g="0" b="0"/>
+      </a:fillRef>
+      <a:effectRef idx="0">
+        <a:scrgbClr r="0" g="0" b="0"/>
+      </a:effectRef>
+      <a:fontRef idx="minor"/>
+    </dgm:style>
+  </dgm:styleLbl>
+  <dgm:styleLbl name="fgAccFollowNode1">
+    <dgm:scene3d>
+      <a:camera prst="orthographicFront"/>
+      <a:lightRig rig="threePt" dir="t"/>
+    </dgm:scene3d>
+    <dgm:sp3d/>
+    <dgm:txPr/>
+    <dgm:style>
+      <a:lnRef idx="1">
+        <a:scrgbClr r="0" g="0" b="0"/>
+      </a:lnRef>
+      <a:fillRef idx="1">
+        <a:scrgbClr r="0" g="0" b="0"/>
+      </a:fillRef>
+      <a:effectRef idx="0">
+        <a:scrgbClr r="0" g="0" b="0"/>
+      </a:effectRef>
+      <a:fontRef idx="minor"/>
+    </dgm:style>
+  </dgm:styleLbl>
+  <dgm:styleLbl name="alignAccFollowNode1">
+    <dgm:scene3d>
+      <a:camera prst="orthographicFront"/>
+      <a:lightRig rig="threePt" dir="t"/>
+    </dgm:scene3d>
+    <dgm:sp3d/>
+    <dgm:txPr/>
+    <dgm:style>
+      <a:lnRef idx="1">
+        <a:scrgbClr r="0" g="0" b="0"/>
+      </a:lnRef>
+      <a:fillRef idx="1">
+        <a:scrgbClr r="0" g="0" b="0"/>
+      </a:fillRef>
+      <a:effectRef idx="0">
+        <a:scrgbClr r="0" g="0" b="0"/>
+      </a:effectRef>
+      <a:fontRef idx="minor"/>
+    </dgm:style>
+  </dgm:styleLbl>
+  <dgm:styleLbl name="bgAccFollowNode1">
+    <dgm:scene3d>
+      <a:camera prst="orthographicFront"/>
+      <a:lightRig rig="threePt" dir="t"/>
+    </dgm:scene3d>
+    <dgm:sp3d/>
+    <dgm:txPr/>
+    <dgm:style>
+      <a:lnRef idx="1">
+        <a:scrgbClr r="0" g="0" b="0"/>
+      </a:lnRef>
+      <a:fillRef idx="1">
+        <a:scrgbClr r="0" g="0" b="0"/>
+      </a:fillRef>
+      <a:effectRef idx="0">
+        <a:scrgbClr r="0" g="0" b="0"/>
+      </a:effectRef>
+      <a:fontRef idx="minor"/>
+    </dgm:style>
+  </dgm:styleLbl>
+  <dgm:styleLbl name="fgAcc0">
+    <dgm:scene3d>
+      <a:camera prst="orthographicFront"/>
+      <a:lightRig rig="threePt" dir="t"/>
+    </dgm:scene3d>
+    <dgm:sp3d/>
+    <dgm:txPr/>
+    <dgm:style>
+      <a:lnRef idx="1">
+        <a:scrgbClr r="0" g="0" b="0"/>
+      </a:lnRef>
+      <a:fillRef idx="1">
+        <a:scrgbClr r="0" g="0" b="0"/>
+      </a:fillRef>
+      <a:effectRef idx="0">
+        <a:scrgbClr r="0" g="0" b="0"/>
+      </a:effectRef>
+      <a:fontRef idx="minor"/>
+    </dgm:style>
+  </dgm:styleLbl>
+  <dgm:styleLbl name="fgAcc2">
+    <dgm:scene3d>
+      <a:camera prst="orthographicFront"/>
+      <a:lightRig rig="threePt" dir="t"/>
+    </dgm:scene3d>
+    <dgm:sp3d/>
+    <dgm:txPr/>
+    <dgm:style>
+      <a:lnRef idx="1">
+        <a:scrgbClr r="0" g="0" b="0"/>
+      </a:lnRef>
+      <a:fillRef idx="1">
+        <a:scrgbClr r="0" g="0" b="0"/>
+      </a:fillRef>
+      <a:effectRef idx="0">
+        <a:scrgbClr r="0" g="0" b="0"/>
+      </a:effectRef>
+      <a:fontRef idx="minor"/>
+    </dgm:style>
+  </dgm:styleLbl>
+  <dgm:styleLbl name="fgAcc3">
+    <dgm:scene3d>
+      <a:camera prst="orthographicFront"/>
+      <a:lightRig rig="threePt" dir="t"/>
+    </dgm:scene3d>
+    <dgm:sp3d/>
+    <dgm:txPr/>
+    <dgm:style>
+      <a:lnRef idx="1">
+        <a:scrgbClr r="0" g="0" b="0"/>
+      </a:lnRef>
+      <a:fillRef idx="1">
+        <a:scrgbClr r="0" g="0" b="0"/>
+      </a:fillRef>
+      <a:effectRef idx="0">
+        <a:scrgbClr r="0" g="0" b="0"/>
+      </a:effectRef>
+      <a:fontRef idx="minor"/>
+    </dgm:style>
+  </dgm:styleLbl>
+  <dgm:styleLbl name="fgAcc4">
+    <dgm:scene3d>
+      <a:camera prst="orthographicFront"/>
+      <a:lightRig rig="threePt" dir="t"/>
+    </dgm:scene3d>
+    <dgm:sp3d/>
+    <dgm:txPr/>
+    <dgm:style>
+      <a:lnRef idx="1">
+        <a:scrgbClr r="0" g="0" b="0"/>
+      </a:lnRef>
+      <a:fillRef idx="1">
+        <a:scrgbClr r="0" g="0" b="0"/>
+      </a:fillRef>
+      <a:effectRef idx="0">
+        <a:scrgbClr r="0" g="0" b="0"/>
+      </a:effectRef>
+      <a:fontRef idx="minor"/>
+    </dgm:style>
+  </dgm:styleLbl>
+  <dgm:styleLbl name="bgShp">
+    <dgm:scene3d>
+      <a:camera prst="orthographicFront"/>
+      <a:lightRig rig="threePt" dir="t"/>
+    </dgm:scene3d>
+    <dgm:sp3d/>
+    <dgm:txPr/>
+    <dgm:style>
+      <a:lnRef idx="0">
+        <a:scrgbClr r="0" g="0" b="0"/>
+      </a:lnRef>
+      <a:fillRef idx="1">
+        <a:scrgbClr r="0" g="0" b="0"/>
+      </a:fillRef>
+      <a:effectRef idx="2">
+        <a:scrgbClr r="0" g="0" b="0"/>
+      </a:effectRef>
+      <a:fontRef idx="minor"/>
+    </dgm:style>
+  </dgm:styleLbl>
+  <dgm:styleLbl name="dkBgShp">
+    <dgm:scene3d>
+      <a:camera prst="orthographicFront"/>
+      <a:lightRig rig="threePt" dir="t"/>
+    </dgm:scene3d>
+    <dgm:sp3d/>
+    <dgm:txPr/>
+    <dgm:style>
+      <a:lnRef idx="0">
+        <a:scrgbClr r="0" g="0" b="0"/>
+      </a:lnRef>
+      <a:fillRef idx="1">
+        <a:scrgbClr r="0" g="0" b="0"/>
+      </a:fillRef>
+      <a:effectRef idx="2">
+        <a:scrgbClr r="0" g="0" b="0"/>
+      </a:effectRef>
+      <a:fontRef idx="minor"/>
+    </dgm:style>
+  </dgm:styleLbl>
+  <dgm:styleLbl name="trBgShp">
+    <dgm:scene3d>
+      <a:camera prst="orthographicFront"/>
+      <a:lightRig rig="threePt" dir="t"/>
+    </dgm:scene3d>
+    <dgm:sp3d/>
+    <dgm:txPr/>
+    <dgm:style>
+      <a:lnRef idx="0">
+        <a:scrgbClr r="0" g="0" b="0"/>
+      </a:lnRef>
+      <a:fillRef idx="1">
+        <a:scrgbClr r="0" g="0" b="0"/>
+      </a:fillRef>
+      <a:effectRef idx="0">
+        <a:scrgbClr r="0" g="0" b="0"/>
+      </a:effectRef>
+      <a:fontRef idx="minor"/>
+    </dgm:style>
+  </dgm:styleLbl>
+  <dgm:styleLbl name="fgShp">
+    <dgm:scene3d>
+      <a:camera prst="orthographicFront"/>
+      <a:lightRig rig="threePt" dir="t"/>
+    </dgm:scene3d>
+    <dgm:sp3d/>
+    <dgm:txPr/>
+    <dgm:style>
+      <a:lnRef idx="0">
+        <a:scrgbClr r="0" g="0" b="0"/>
+      </a:lnRef>
+      <a:fillRef idx="3">
+        <a:scrgbClr r="0" g="0" b="0"/>
+      </a:fillRef>
+      <a:effectRef idx="2">
+        <a:scrgbClr r="0" g="0" b="0"/>
+      </a:effectRef>
+      <a:fontRef idx="minor"/>
+    </dgm:style>
+  </dgm:styleLbl>
+  <dgm:styleLbl name="revTx">
+    <dgm:scene3d>
+      <a:camera prst="orthographicFront"/>
+      <a:lightRig rig="threePt" dir="t"/>
+    </dgm:scene3d>
+    <dgm:sp3d/>
+    <dgm:txPr/>
+    <dgm:style>
+      <a:lnRef idx="0">
+        <a:scrgbClr r="0" g="0" b="0"/>
+      </a:lnRef>
+      <a:fillRef idx="0">
+        <a:scrgbClr r="0" g="0" b="0"/>
+      </a:fillRef>
+      <a:effectRef idx="0">
+        <a:scrgbClr r="0" g="0" b="0"/>
+      </a:effectRef>
+      <a:fontRef idx="minor"/>
+    </dgm:style>
+  </dgm:styleLbl>
+</dgm:styleDef>
+</file>
+
+<file path=ppt/notesMasters/notesMaster1.xml><?xml version="1.0" encoding="utf-8"?>
+<p:notesMaster xmlns:a="http://schemas.openxmlformats.org/drawingml/2006/main" xmlns:r="http://schemas.openxmlformats.org/officeDocument/2006/relationships" xmlns:p="http://schemas.openxmlformats.org/presentationml/2006/main">
+  <p:cSld>
+    <p:bg>
+      <p:bgRef idx="1001">
+        <a:schemeClr val="bg1"/>
+      </p:bgRef>
+    </p:bg>
+    <p:spTree>
+      <p:nvGrpSpPr>
+        <p:cNvPr id="1" name=""/>
+        <p:cNvGrpSpPr/>
+        <p:nvPr/>
+      </p:nvGrpSpPr>
+      <p:grpSpPr>
+        <a:xfrm>
+          <a:off x="0" y="0"/>
+          <a:ext cx="0" cy="0"/>
+          <a:chOff x="0" y="0"/>
+          <a:chExt cx="0" cy="0"/>
+        </a:xfrm>
+      </p:grpSpPr>
+      <p:sp>
+        <p:nvSpPr>
+          <p:cNvPr id="2" name="Header Placeholder 1"/>
+          <p:cNvSpPr>
+            <a:spLocks noGrp="1"/>
+          </p:cNvSpPr>
+          <p:nvPr>
+            <p:ph type="hdr" sz="quarter"/>
+          </p:nvPr>
+        </p:nvSpPr>
+        <p:spPr>
+          <a:xfrm>
+            <a:off x="0" y="0"/>
+            <a:ext cx="2971800" cy="458788"/>
+          </a:xfrm>
+          <a:prstGeom prst="rect">
+            <a:avLst/>
+          </a:prstGeom>
+        </p:spPr>
+        <p:txBody>
+          <a:bodyPr vert="horz" lIns="91440" tIns="45720" rIns="91440" bIns="45720" rtlCol="0"/>
+          <a:lstStyle>
+            <a:lvl1pPr algn="l">
+              <a:defRPr sz="1200"/>
+            </a:lvl1pPr>
+          </a:lstStyle>
+          <a:p>
+            <a:endParaRPr lang="en-US"/>
+          </a:p>
+        </p:txBody>
+      </p:sp>
+      <p:sp>
+        <p:nvSpPr>
+          <p:cNvPr id="3" name="Date Placeholder 2"/>
+          <p:cNvSpPr>
+            <a:spLocks noGrp="1"/>
+          </p:cNvSpPr>
+          <p:nvPr>
+            <p:ph type="dt" idx="1"/>
+          </p:nvPr>
+        </p:nvSpPr>
+        <p:spPr>
+          <a:xfrm>
+            <a:off x="3884613" y="0"/>
+            <a:ext cx="2971800" cy="458788"/>
+          </a:xfrm>
+          <a:prstGeom prst="rect">
+            <a:avLst/>
+          </a:prstGeom>
+        </p:spPr>
+        <p:txBody>
+          <a:bodyPr vert="horz" lIns="91440" tIns="45720" rIns="91440" bIns="45720" rtlCol="0"/>
+          <a:lstStyle>
+            <a:lvl1pPr algn="r">
+              <a:defRPr sz="1200"/>
+            </a:lvl1pPr>
+          </a:lstStyle>
+          <a:p>
+            <a:fld id="{E7DCB229-0F74-4008-93A6-D726A7E101DE}" type="datetimeFigureOut">
+              <a:rPr lang="en-US" smtClean="0"/>
+              <a:t>12/6/2021</a:t>
+            </a:fld>
+            <a:endParaRPr lang="en-US"/>
+          </a:p>
+        </p:txBody>
+      </p:sp>
+      <p:sp>
+        <p:nvSpPr>
+          <p:cNvPr id="4" name="Slide Image Placeholder 3"/>
+          <p:cNvSpPr>
+            <a:spLocks noGrp="1" noRot="1" noChangeAspect="1"/>
+          </p:cNvSpPr>
+          <p:nvPr>
+            <p:ph type="sldImg" idx="2"/>
+          </p:nvPr>
+        </p:nvSpPr>
+        <p:spPr>
+          <a:xfrm>
+            <a:off x="685800" y="1143000"/>
+            <a:ext cx="5486400" cy="3086100"/>
+          </a:xfrm>
+          <a:prstGeom prst="rect">
+            <a:avLst/>
+          </a:prstGeom>
+          <a:noFill/>
+          <a:ln w="12700">
+            <a:solidFill>
+              <a:prstClr val="black"/>
+            </a:solidFill>
+          </a:ln>
+        </p:spPr>
+        <p:txBody>
+          <a:bodyPr vert="horz" lIns="91440" tIns="45720" rIns="91440" bIns="45720" rtlCol="0" anchor="ctr"/>
+          <a:lstStyle/>
+          <a:p>
+            <a:endParaRPr lang="en-US"/>
+          </a:p>
+        </p:txBody>
+      </p:sp>
+      <p:sp>
+        <p:nvSpPr>
+          <p:cNvPr id="5" name="Notes Placeholder 4"/>
+          <p:cNvSpPr>
+            <a:spLocks noGrp="1"/>
+          </p:cNvSpPr>
+          <p:nvPr>
+            <p:ph type="body" sz="quarter" idx="3"/>
+          </p:nvPr>
+        </p:nvSpPr>
+        <p:spPr>
+          <a:xfrm>
+            <a:off x="685800" y="4400550"/>
+            <a:ext cx="5486400" cy="3600450"/>
+          </a:xfrm>
+          <a:prstGeom prst="rect">
+            <a:avLst/>
+          </a:prstGeom>
+        </p:spPr>
+        <p:txBody>
+          <a:bodyPr vert="horz" lIns="91440" tIns="45720" rIns="91440" bIns="45720" rtlCol="0"/>
+          <a:lstStyle/>
+          <a:p>
+            <a:pPr lvl="0"/>
+            <a:r>
+              <a:rPr lang="en-US"/>
+              <a:t>Click to edit Master text styles</a:t>
+            </a:r>
+          </a:p>
+          <a:p>
+            <a:pPr lvl="1"/>
+            <a:r>
+              <a:rPr lang="en-US"/>
+              <a:t>Second level</a:t>
+            </a:r>
+          </a:p>
+          <a:p>
+            <a:pPr lvl="2"/>
+            <a:r>
+              <a:rPr lang="en-US"/>
+              <a:t>Third level</a:t>
+            </a:r>
+          </a:p>
+          <a:p>
+            <a:pPr lvl="3"/>
+            <a:r>
+              <a:rPr lang="en-US"/>
+              <a:t>Fourth level</a:t>
+            </a:r>
+          </a:p>
+          <a:p>
+            <a:pPr lvl="4"/>
+            <a:r>
+              <a:rPr lang="en-US"/>
+              <a:t>Fifth level</a:t>
+            </a:r>
+          </a:p>
+        </p:txBody>
+      </p:sp>
+      <p:sp>
+        <p:nvSpPr>
+          <p:cNvPr id="6" name="Footer Placeholder 5"/>
+          <p:cNvSpPr>
+            <a:spLocks noGrp="1"/>
+          </p:cNvSpPr>
+          <p:nvPr>
+            <p:ph type="ftr" sz="quarter" idx="4"/>
+          </p:nvPr>
+        </p:nvSpPr>
+        <p:spPr>
+          <a:xfrm>
+            <a:off x="0" y="8685213"/>
+            <a:ext cx="2971800" cy="458787"/>
+          </a:xfrm>
+          <a:prstGeom prst="rect">
+            <a:avLst/>
+          </a:prstGeom>
+        </p:spPr>
+        <p:txBody>
+          <a:bodyPr vert="horz" lIns="91440" tIns="45720" rIns="91440" bIns="45720" rtlCol="0" anchor="b"/>
+          <a:lstStyle>
+            <a:lvl1pPr algn="l">
+              <a:defRPr sz="1200"/>
+            </a:lvl1pPr>
+          </a:lstStyle>
+          <a:p>
+            <a:endParaRPr lang="en-US"/>
+          </a:p>
+        </p:txBody>
+      </p:sp>
+      <p:sp>
+        <p:nvSpPr>
+          <p:cNvPr id="7" name="Slide Number Placeholder 6"/>
+          <p:cNvSpPr>
+            <a:spLocks noGrp="1"/>
+          </p:cNvSpPr>
+          <p:nvPr>
+            <p:ph type="sldNum" sz="quarter" idx="5"/>
+          </p:nvPr>
+        </p:nvSpPr>
+        <p:spPr>
+          <a:xfrm>
+            <a:off x="3884613" y="8685213"/>
+            <a:ext cx="2971800" cy="458787"/>
+          </a:xfrm>
+          <a:prstGeom prst="rect">
+            <a:avLst/>
+          </a:prstGeom>
+        </p:spPr>
+        <p:txBody>
+          <a:bodyPr vert="horz" lIns="91440" tIns="45720" rIns="91440" bIns="45720" rtlCol="0" anchor="b"/>
+          <a:lstStyle>
+            <a:lvl1pPr algn="r">
+              <a:defRPr sz="1200"/>
+            </a:lvl1pPr>
+          </a:lstStyle>
+          <a:p>
+            <a:fld id="{0AF40BA4-E8B8-41D4-96DE-B9BACB5E9AD0}" type="slidenum">
+              <a:rPr lang="en-US" smtClean="0"/>
+              <a:t>‹#›</a:t>
+            </a:fld>
+            <a:endParaRPr lang="en-US"/>
+          </a:p>
+        </p:txBody>
+      </p:sp>
+    </p:spTree>
+    <p:extLst>
+      <p:ext uri="{BB962C8B-B14F-4D97-AF65-F5344CB8AC3E}">
+        <p14:creationId xmlns:p14="http://schemas.microsoft.com/office/powerpoint/2010/main" val="2101068119"/>
+      </p:ext>
+    </p:extLst>
+  </p:cSld>
+  <p:clrMap bg1="lt1" tx1="dk1" bg2="lt2" tx2="dk2" accent1="accent1" accent2="accent2" accent3="accent3" accent4="accent4" accent5="accent5" accent6="accent6" hlink="hlink" folHlink="folHlink"/>
+  <p:notesStyle>
+    <a:lvl1pPr marL="0" algn="l" defTabSz="914400" rtl="0" eaLnBrk="1" latinLnBrk="0" hangingPunct="1">
+      <a:defRPr sz="1200" kern="1200">
+        <a:solidFill>
+          <a:schemeClr val="tx1"/>
+        </a:solidFill>
+        <a:latin typeface="+mn-lt"/>
+        <a:ea typeface="+mn-ea"/>
+        <a:cs typeface="+mn-cs"/>
+      </a:defRPr>
+    </a:lvl1pPr>
+    <a:lvl2pPr marL="457200" algn="l" defTabSz="914400" rtl="0" eaLnBrk="1" latinLnBrk="0" hangingPunct="1">
+      <a:defRPr sz="1200" kern="1200">
+        <a:solidFill>
+          <a:schemeClr val="tx1"/>
+        </a:solidFill>
+        <a:latin typeface="+mn-lt"/>
+        <a:ea typeface="+mn-ea"/>
+        <a:cs typeface="+mn-cs"/>
+      </a:defRPr>
+    </a:lvl2pPr>
+    <a:lvl3pPr marL="914400" algn="l" defTabSz="914400" rtl="0" eaLnBrk="1" latinLnBrk="0" hangingPunct="1">
+      <a:defRPr sz="1200" kern="1200">
+        <a:solidFill>
+          <a:schemeClr val="tx1"/>
+        </a:solidFill>
+        <a:latin typeface="+mn-lt"/>
+        <a:ea typeface="+mn-ea"/>
+        <a:cs typeface="+mn-cs"/>
+      </a:defRPr>
+    </a:lvl3pPr>
+    <a:lvl4pPr marL="1371600" algn="l" defTabSz="914400" rtl="0" eaLnBrk="1" latinLnBrk="0" hangingPunct="1">
+      <a:defRPr sz="1200" kern="1200">
+        <a:solidFill>
+          <a:schemeClr val="tx1"/>
+        </a:solidFill>
+        <a:latin typeface="+mn-lt"/>
+        <a:ea typeface="+mn-ea"/>
+        <a:cs typeface="+mn-cs"/>
+      </a:defRPr>
+    </a:lvl4pPr>
+    <a:lvl5pPr marL="1828800" algn="l" defTabSz="914400" rtl="0" eaLnBrk="1" latinLnBrk="0" hangingPunct="1">
+      <a:defRPr sz="1200" kern="1200">
+        <a:solidFill>
+          <a:schemeClr val="tx1"/>
+        </a:solidFill>
+        <a:latin typeface="+mn-lt"/>
+        <a:ea typeface="+mn-ea"/>
+        <a:cs typeface="+mn-cs"/>
+      </a:defRPr>
+    </a:lvl5pPr>
+    <a:lvl6pPr marL="2286000" algn="l" defTabSz="914400" rtl="0" eaLnBrk="1" latinLnBrk="0" hangingPunct="1">
+      <a:defRPr sz="1200" kern="1200">
+        <a:solidFill>
+          <a:schemeClr val="tx1"/>
+        </a:solidFill>
+        <a:latin typeface="+mn-lt"/>
+        <a:ea typeface="+mn-ea"/>
+        <a:cs typeface="+mn-cs"/>
+      </a:defRPr>
+    </a:lvl6pPr>
+    <a:lvl7pPr marL="2743200" algn="l" defTabSz="914400" rtl="0" eaLnBrk="1" latinLnBrk="0" hangingPunct="1">
+      <a:defRPr sz="1200" kern="1200">
+        <a:solidFill>
+          <a:schemeClr val="tx1"/>
+        </a:solidFill>
+        <a:latin typeface="+mn-lt"/>
+        <a:ea typeface="+mn-ea"/>
+        <a:cs typeface="+mn-cs"/>
+      </a:defRPr>
+    </a:lvl7pPr>
+    <a:lvl8pPr marL="3200400" algn="l" defTabSz="914400" rtl="0" eaLnBrk="1" latinLnBrk="0" hangingPunct="1">
+      <a:defRPr sz="1200" kern="1200">
+        <a:solidFill>
+          <a:schemeClr val="tx1"/>
+        </a:solidFill>
+        <a:latin typeface="+mn-lt"/>
+        <a:ea typeface="+mn-ea"/>
+        <a:cs typeface="+mn-cs"/>
+      </a:defRPr>
+    </a:lvl8pPr>
+    <a:lvl9pPr marL="3657600" algn="l" defTabSz="914400" rtl="0" eaLnBrk="1" latinLnBrk="0" hangingPunct="1">
+      <a:defRPr sz="1200" kern="1200">
+        <a:solidFill>
+          <a:schemeClr val="tx1"/>
+        </a:solidFill>
+        <a:latin typeface="+mn-lt"/>
+        <a:ea typeface="+mn-ea"/>
+        <a:cs typeface="+mn-cs"/>
+      </a:defRPr>
+    </a:lvl9pPr>
+  </p:notesStyle>
+</p:notesMaster>
+</file>
+
+<file path=ppt/notesSlides/notesSlide1.xml><?xml version="1.0" encoding="utf-8"?>
+<p:notes xmlns:a="http://schemas.openxmlformats.org/drawingml/2006/main" xmlns:r="http://schemas.openxmlformats.org/officeDocument/2006/relationships" xmlns:p="http://schemas.openxmlformats.org/presentationml/2006/main">
+  <p:cSld>
+    <p:spTree>
+      <p:nvGrpSpPr>
+        <p:cNvPr id="1" name=""/>
+        <p:cNvGrpSpPr/>
+        <p:nvPr/>
+      </p:nvGrpSpPr>
+      <p:grpSpPr>
+        <a:xfrm>
+          <a:off x="0" y="0"/>
+          <a:ext cx="0" cy="0"/>
+          <a:chOff x="0" y="0"/>
+          <a:chExt cx="0" cy="0"/>
+        </a:xfrm>
+      </p:grpSpPr>
+      <p:sp>
+        <p:nvSpPr>
+          <p:cNvPr id="2" name="Slide Image Placeholder 1"/>
+          <p:cNvSpPr>
+            <a:spLocks noGrp="1" noRot="1" noChangeAspect="1"/>
+          </p:cNvSpPr>
+          <p:nvPr>
+            <p:ph type="sldImg"/>
+          </p:nvPr>
+        </p:nvSpPr>
+        <p:spPr/>
+      </p:sp>
+      <p:sp>
+        <p:nvSpPr>
+          <p:cNvPr id="3" name="Notes Placeholder 2"/>
+          <p:cNvSpPr>
+            <a:spLocks noGrp="1"/>
+          </p:cNvSpPr>
+          <p:nvPr>
+            <p:ph type="body" idx="1"/>
+          </p:nvPr>
+        </p:nvSpPr>
+        <p:spPr/>
+        <p:txBody>
+          <a:bodyPr/>
+          <a:lstStyle/>
+          <a:p>
+            <a:endParaRPr lang="en-US" dirty="0"/>
+          </a:p>
+        </p:txBody>
+      </p:sp>
+      <p:sp>
+        <p:nvSpPr>
+          <p:cNvPr id="4" name="Slide Number Placeholder 3"/>
+          <p:cNvSpPr>
+            <a:spLocks noGrp="1"/>
+          </p:cNvSpPr>
+          <p:nvPr>
+            <p:ph type="sldNum" sz="quarter" idx="5"/>
+          </p:nvPr>
+        </p:nvSpPr>
+        <p:spPr/>
+        <p:txBody>
+          <a:bodyPr/>
+          <a:lstStyle/>
+          <a:p>
+            <a:fld id="{0AF40BA4-E8B8-41D4-96DE-B9BACB5E9AD0}" type="slidenum">
+              <a:rPr lang="en-US" smtClean="0"/>
+              <a:t>4</a:t>
+            </a:fld>
+            <a:endParaRPr lang="en-US"/>
+          </a:p>
+        </p:txBody>
+      </p:sp>
+    </p:spTree>
+    <p:extLst>
+      <p:ext uri="{BB962C8B-B14F-4D97-AF65-F5344CB8AC3E}">
+        <p14:creationId xmlns:p14="http://schemas.microsoft.com/office/powerpoint/2010/main" val="1209149511"/>
+      </p:ext>
+    </p:extLst>
+  </p:cSld>
+  <p:clrMapOvr>
+    <a:masterClrMapping/>
+  </p:clrMapOvr>
+</p:notes>
+</file>
+
 <file path=ppt/slideLayouts/slideLayout1.xml><?xml version="1.0" encoding="utf-8"?>
 <p:sldLayout xmlns:a="http://schemas.openxmlformats.org/drawingml/2006/main" xmlns:r="http://schemas.openxmlformats.org/officeDocument/2006/relationships" xmlns:p="http://schemas.openxmlformats.org/presentationml/2006/main" type="title" preserve="1">
   <p:cSld name="Title Slide">
@@ -3616,7 +6725,7 @@
           <a:p>
             <a:fld id="{C753A9C3-F23C-4172-BA3F-9835B76D56B8}" type="datetimeFigureOut">
               <a:rPr lang="en-US" smtClean="0"/>
-              <a:t>12/5/2021</a:t>
+              <a:t>12/6/2021</a:t>
             </a:fld>
             <a:endParaRPr lang="en-US"/>
           </a:p>
@@ -3814,7 +6923,7 @@
           <a:p>
             <a:fld id="{C753A9C3-F23C-4172-BA3F-9835B76D56B8}" type="datetimeFigureOut">
               <a:rPr lang="en-US" smtClean="0"/>
-              <a:t>12/5/2021</a:t>
+              <a:t>12/6/2021</a:t>
             </a:fld>
             <a:endParaRPr lang="en-US"/>
           </a:p>
@@ -4022,7 +7131,7 @@
           <a:p>
             <a:fld id="{C753A9C3-F23C-4172-BA3F-9835B76D56B8}" type="datetimeFigureOut">
               <a:rPr lang="en-US" smtClean="0"/>
-              <a:t>12/5/2021</a:t>
+              <a:t>12/6/2021</a:t>
             </a:fld>
             <a:endParaRPr lang="en-US"/>
           </a:p>
@@ -4220,7 +7329,7 @@
           <a:p>
             <a:fld id="{C753A9C3-F23C-4172-BA3F-9835B76D56B8}" type="datetimeFigureOut">
               <a:rPr lang="en-US" smtClean="0"/>
-              <a:t>12/5/2021</a:t>
+              <a:t>12/6/2021</a:t>
             </a:fld>
             <a:endParaRPr lang="en-US"/>
           </a:p>
@@ -4495,7 +7604,7 @@
           <a:p>
             <a:fld id="{C753A9C3-F23C-4172-BA3F-9835B76D56B8}" type="datetimeFigureOut">
               <a:rPr lang="en-US" smtClean="0"/>
-              <a:t>12/5/2021</a:t>
+              <a:t>12/6/2021</a:t>
             </a:fld>
             <a:endParaRPr lang="en-US"/>
           </a:p>
@@ -4760,7 +7869,7 @@
           <a:p>
             <a:fld id="{C753A9C3-F23C-4172-BA3F-9835B76D56B8}" type="datetimeFigureOut">
               <a:rPr lang="en-US" smtClean="0"/>
-              <a:t>12/5/2021</a:t>
+              <a:t>12/6/2021</a:t>
             </a:fld>
             <a:endParaRPr lang="en-US"/>
           </a:p>
@@ -5172,7 +8281,7 @@
           <a:p>
             <a:fld id="{C753A9C3-F23C-4172-BA3F-9835B76D56B8}" type="datetimeFigureOut">
               <a:rPr lang="en-US" smtClean="0"/>
-              <a:t>12/5/2021</a:t>
+              <a:t>12/6/2021</a:t>
             </a:fld>
             <a:endParaRPr lang="en-US"/>
           </a:p>
@@ -5313,7 +8422,7 @@
           <a:p>
             <a:fld id="{C753A9C3-F23C-4172-BA3F-9835B76D56B8}" type="datetimeFigureOut">
               <a:rPr lang="en-US" smtClean="0"/>
-              <a:t>12/5/2021</a:t>
+              <a:t>12/6/2021</a:t>
             </a:fld>
             <a:endParaRPr lang="en-US"/>
           </a:p>
@@ -5426,7 +8535,7 @@
           <a:p>
             <a:fld id="{C753A9C3-F23C-4172-BA3F-9835B76D56B8}" type="datetimeFigureOut">
               <a:rPr lang="en-US" smtClean="0"/>
-              <a:t>12/5/2021</a:t>
+              <a:t>12/6/2021</a:t>
             </a:fld>
             <a:endParaRPr lang="en-US"/>
           </a:p>
@@ -5737,7 +8846,7 @@
           <a:p>
             <a:fld id="{C753A9C3-F23C-4172-BA3F-9835B76D56B8}" type="datetimeFigureOut">
               <a:rPr lang="en-US" smtClean="0"/>
-              <a:t>12/5/2021</a:t>
+              <a:t>12/6/2021</a:t>
             </a:fld>
             <a:endParaRPr lang="en-US"/>
           </a:p>
@@ -6025,7 +9134,7 @@
           <a:p>
             <a:fld id="{C753A9C3-F23C-4172-BA3F-9835B76D56B8}" type="datetimeFigureOut">
               <a:rPr lang="en-US" smtClean="0"/>
-              <a:t>12/5/2021</a:t>
+              <a:t>12/6/2021</a:t>
             </a:fld>
             <a:endParaRPr lang="en-US"/>
           </a:p>
@@ -6266,7 +9375,7 @@
           <a:p>
             <a:fld id="{C753A9C3-F23C-4172-BA3F-9835B76D56B8}" type="datetimeFigureOut">
               <a:rPr lang="en-US" smtClean="0"/>
-              <a:t>12/5/2021</a:t>
+              <a:t>12/6/2021</a:t>
             </a:fld>
             <a:endParaRPr lang="en-US"/>
           </a:p>
@@ -7138,7 +10247,28 @@
                 <a:ea typeface="+mj-ea"/>
                 <a:cs typeface="+mj-cs"/>
               </a:rPr>
-              <a:t>By: Gaith Asubbagh 40042207</a:t>
+              <a:t>By:</a:t>
+            </a:r>
+            <a:br>
+              <a:rPr lang="en-US" kern="1200" dirty="0">
+                <a:solidFill>
+                  <a:srgbClr val="FFFFFF"/>
+                </a:solidFill>
+                <a:latin typeface="+mj-lt"/>
+                <a:ea typeface="+mj-ea"/>
+                <a:cs typeface="+mj-cs"/>
+              </a:rPr>
+            </a:br>
+            <a:r>
+              <a:rPr lang="en-US" kern="1200" dirty="0">
+                <a:solidFill>
+                  <a:srgbClr val="FFFFFF"/>
+                </a:solidFill>
+                <a:latin typeface="+mj-lt"/>
+                <a:ea typeface="+mj-ea"/>
+                <a:cs typeface="+mj-cs"/>
+              </a:rPr>
+              <a:t>Gaith Asubbagh 40042207</a:t>
             </a:r>
             <a:br>
               <a:rPr lang="en-US" kern="1200" dirty="0">
@@ -8031,12 +11161,1863 @@
           <a:chExt cx="0" cy="0"/>
         </a:xfrm>
       </p:grpSpPr>
+      <p:sp useBgFill="1">
+        <p:nvSpPr>
+          <p:cNvPr id="21" name="Rectangle 8">
+            <a:extLst>
+              <a:ext uri="{FF2B5EF4-FFF2-40B4-BE49-F238E27FC236}">
+                <a16:creationId xmlns:a16="http://schemas.microsoft.com/office/drawing/2014/main" id="{BACC6370-2D7E-4714-9D71-7542949D7D5D}"/>
+              </a:ext>
+              <a:ext uri="{C183D7F6-B498-43B3-948B-1728B52AA6E4}">
+                <adec:decorative xmlns:adec="http://schemas.microsoft.com/office/drawing/2017/decorative" val="1"/>
+              </a:ext>
+            </a:extLst>
+          </p:cNvPr>
+          <p:cNvSpPr>
+            <a:spLocks noGrp="1" noRot="1" noChangeAspect="1" noMove="1" noResize="1" noEditPoints="1" noAdjustHandles="1" noChangeArrowheads="1" noChangeShapeType="1" noTextEdit="1"/>
+          </p:cNvSpPr>
+          <p:nvPr>
+            <p:extLst>
+              <p:ext uri="{386F3935-93C4-4BCD-93E2-E3B085C9AB24}">
+                <p16:designElem xmlns:p16="http://schemas.microsoft.com/office/powerpoint/2015/main" val="1"/>
+              </p:ext>
+            </p:extLst>
+          </p:nvPr>
+        </p:nvSpPr>
+        <p:spPr>
+          <a:xfrm>
+            <a:off x="0" y="0"/>
+            <a:ext cx="12192000" cy="6858000"/>
+          </a:xfrm>
+          <a:prstGeom prst="rect">
+            <a:avLst/>
+          </a:prstGeom>
+          <a:ln w="12700" cap="flat" cmpd="sng" algn="ctr">
+            <a:noFill/>
+            <a:prstDash val="solid"/>
+            <a:miter lim="800000"/>
+          </a:ln>
+          <a:effectLst/>
+          <a:extLst>
+            <a:ext uri="{91240B29-F687-4F45-9708-019B960494DF}">
+              <a14:hiddenLine xmlns:a14="http://schemas.microsoft.com/office/drawing/2010/main" w="12700" cap="flat" cmpd="sng" algn="ctr">
+                <a:solidFill>
+                  <a:schemeClr val="accent1">
+                    <a:shade val="50000"/>
+                  </a:schemeClr>
+                </a:solidFill>
+                <a:prstDash val="solid"/>
+                <a:miter lim="800000"/>
+              </a14:hiddenLine>
+            </a:ext>
+          </a:extLst>
+        </p:spPr>
+        <p:style>
+          <a:lnRef idx="2">
+            <a:schemeClr val="accent1">
+              <a:shade val="50000"/>
+            </a:schemeClr>
+          </a:lnRef>
+          <a:fillRef idx="1">
+            <a:schemeClr val="accent1"/>
+          </a:fillRef>
+          <a:effectRef idx="0">
+            <a:schemeClr val="accent1"/>
+          </a:effectRef>
+          <a:fontRef idx="minor">
+            <a:schemeClr val="lt1"/>
+          </a:fontRef>
+        </p:style>
+        <p:txBody>
+          <a:bodyPr rtlCol="0" anchor="ctr"/>
+          <a:lstStyle/>
+          <a:p>
+            <a:pPr algn="ctr"/>
+            <a:endParaRPr lang="en-US"/>
+          </a:p>
+        </p:txBody>
+      </p:sp>
       <p:sp>
         <p:nvSpPr>
-          <p:cNvPr id="36" name="Rectangle 27">
+          <p:cNvPr id="22" name="Rectangle 10">
             <a:extLst>
               <a:ext uri="{FF2B5EF4-FFF2-40B4-BE49-F238E27FC236}">
-                <a16:creationId xmlns:a16="http://schemas.microsoft.com/office/drawing/2014/main" id="{823AC064-BC96-4F32-8AE1-B2FD38754823}"/>
+                <a16:creationId xmlns:a16="http://schemas.microsoft.com/office/drawing/2014/main" id="{F68B3F68-107C-434F-AA38-110D5EA91B85}"/>
+              </a:ext>
+              <a:ext uri="{C183D7F6-B498-43B3-948B-1728B52AA6E4}">
+                <adec:decorative xmlns:adec="http://schemas.microsoft.com/office/drawing/2017/decorative" val="1"/>
+              </a:ext>
+            </a:extLst>
+          </p:cNvPr>
+          <p:cNvSpPr>
+            <a:spLocks noGrp="1" noRot="1" noChangeAspect="1" noMove="1" noResize="1" noEditPoints="1" noAdjustHandles="1" noChangeArrowheads="1" noChangeShapeType="1" noTextEdit="1"/>
+          </p:cNvSpPr>
+          <p:nvPr>
+            <p:extLst>
+              <p:ext uri="{386F3935-93C4-4BCD-93E2-E3B085C9AB24}">
+                <p16:designElem xmlns:p16="http://schemas.microsoft.com/office/powerpoint/2015/main" val="1"/>
+              </p:ext>
+            </p:extLst>
+          </p:nvPr>
+        </p:nvSpPr>
+        <p:spPr>
+          <a:xfrm flipH="1">
+            <a:off x="2" y="0"/>
+            <a:ext cx="12191998" cy="1575955"/>
+          </a:xfrm>
+          <a:prstGeom prst="rect">
+            <a:avLst/>
+          </a:prstGeom>
+          <a:gradFill>
+            <a:gsLst>
+              <a:gs pos="0">
+                <a:srgbClr val="000000">
+                  <a:alpha val="96000"/>
+                </a:srgbClr>
+              </a:gs>
+              <a:gs pos="100000">
+                <a:schemeClr val="accent1">
+                  <a:lumMod val="75000"/>
+                </a:schemeClr>
+              </a:gs>
+            </a:gsLst>
+            <a:lin ang="8400000" scaled="0"/>
+          </a:gradFill>
+          <a:ln>
+            <a:noFill/>
+          </a:ln>
+        </p:spPr>
+        <p:style>
+          <a:lnRef idx="2">
+            <a:schemeClr val="accent1">
+              <a:shade val="50000"/>
+            </a:schemeClr>
+          </a:lnRef>
+          <a:fillRef idx="1">
+            <a:schemeClr val="accent1"/>
+          </a:fillRef>
+          <a:effectRef idx="0">
+            <a:schemeClr val="accent1"/>
+          </a:effectRef>
+          <a:fontRef idx="minor">
+            <a:schemeClr val="lt1"/>
+          </a:fontRef>
+        </p:style>
+        <p:txBody>
+          <a:bodyPr rtlCol="0" anchor="ctr"/>
+          <a:lstStyle/>
+          <a:p>
+            <a:pPr algn="ctr"/>
+            <a:endParaRPr lang="en-US"/>
+          </a:p>
+        </p:txBody>
+      </p:sp>
+      <p:sp>
+        <p:nvSpPr>
+          <p:cNvPr id="23" name="Rectangle 12">
+            <a:extLst>
+              <a:ext uri="{FF2B5EF4-FFF2-40B4-BE49-F238E27FC236}">
+                <a16:creationId xmlns:a16="http://schemas.microsoft.com/office/drawing/2014/main" id="{AAD0DBB9-1A4B-4391-81D4-CB19F9AB918A}"/>
+              </a:ext>
+              <a:ext uri="{C183D7F6-B498-43B3-948B-1728B52AA6E4}">
+                <adec:decorative xmlns:adec="http://schemas.microsoft.com/office/drawing/2017/decorative" val="1"/>
+              </a:ext>
+            </a:extLst>
+          </p:cNvPr>
+          <p:cNvSpPr>
+            <a:spLocks noGrp="1" noRot="1" noChangeAspect="1" noMove="1" noResize="1" noEditPoints="1" noAdjustHandles="1" noChangeArrowheads="1" noChangeShapeType="1" noTextEdit="1"/>
+          </p:cNvSpPr>
+          <p:nvPr>
+            <p:extLst>
+              <p:ext uri="{386F3935-93C4-4BCD-93E2-E3B085C9AB24}">
+                <p16:designElem xmlns:p16="http://schemas.microsoft.com/office/powerpoint/2015/main" val="1"/>
+              </p:ext>
+            </p:extLst>
+          </p:nvPr>
+        </p:nvSpPr>
+        <p:spPr>
+          <a:xfrm rot="10800000" flipH="1">
+            <a:off x="8128857" y="0"/>
+            <a:ext cx="4063143" cy="1576412"/>
+          </a:xfrm>
+          <a:prstGeom prst="rect">
+            <a:avLst/>
+          </a:prstGeom>
+          <a:gradFill>
+            <a:gsLst>
+              <a:gs pos="19000">
+                <a:schemeClr val="accent1">
+                  <a:lumMod val="50000"/>
+                  <a:alpha val="68000"/>
+                </a:schemeClr>
+              </a:gs>
+              <a:gs pos="100000">
+                <a:schemeClr val="accent1">
+                  <a:alpha val="79000"/>
+                </a:schemeClr>
+              </a:gs>
+            </a:gsLst>
+            <a:lin ang="19200000" scaled="0"/>
+          </a:gradFill>
+          <a:ln>
+            <a:noFill/>
+          </a:ln>
+        </p:spPr>
+        <p:style>
+          <a:lnRef idx="2">
+            <a:schemeClr val="accent1">
+              <a:shade val="50000"/>
+            </a:schemeClr>
+          </a:lnRef>
+          <a:fillRef idx="1">
+            <a:schemeClr val="accent1"/>
+          </a:fillRef>
+          <a:effectRef idx="0">
+            <a:schemeClr val="accent1"/>
+          </a:effectRef>
+          <a:fontRef idx="minor">
+            <a:schemeClr val="lt1"/>
+          </a:fontRef>
+        </p:style>
+        <p:txBody>
+          <a:bodyPr rtlCol="0" anchor="ctr"/>
+          <a:lstStyle/>
+          <a:p>
+            <a:pPr algn="ctr"/>
+            <a:endParaRPr lang="en-US"/>
+          </a:p>
+        </p:txBody>
+      </p:sp>
+      <p:sp>
+        <p:nvSpPr>
+          <p:cNvPr id="24" name="Rectangle 14">
+            <a:extLst>
+              <a:ext uri="{FF2B5EF4-FFF2-40B4-BE49-F238E27FC236}">
+                <a16:creationId xmlns:a16="http://schemas.microsoft.com/office/drawing/2014/main" id="{063BBA22-50EA-4C4D-BE05-F1CE4E63AA56}"/>
+              </a:ext>
+              <a:ext uri="{C183D7F6-B498-43B3-948B-1728B52AA6E4}">
+                <adec:decorative xmlns:adec="http://schemas.microsoft.com/office/drawing/2017/decorative" val="1"/>
+              </a:ext>
+            </a:extLst>
+          </p:cNvPr>
+          <p:cNvSpPr>
+            <a:spLocks noGrp="1" noRot="1" noChangeAspect="1" noMove="1" noResize="1" noEditPoints="1" noAdjustHandles="1" noChangeArrowheads="1" noChangeShapeType="1" noTextEdit="1"/>
+          </p:cNvSpPr>
+          <p:nvPr>
+            <p:extLst>
+              <p:ext uri="{386F3935-93C4-4BCD-93E2-E3B085C9AB24}">
+                <p16:designElem xmlns:p16="http://schemas.microsoft.com/office/powerpoint/2015/main" val="1"/>
+              </p:ext>
+            </p:extLst>
+          </p:nvPr>
+        </p:nvSpPr>
+        <p:spPr>
+          <a:xfrm rot="5400000">
+            <a:off x="5307777" y="-5307778"/>
+            <a:ext cx="1576446" cy="12192002"/>
+          </a:xfrm>
+          <a:prstGeom prst="rect">
+            <a:avLst/>
+          </a:prstGeom>
+          <a:gradFill>
+            <a:gsLst>
+              <a:gs pos="23000">
+                <a:schemeClr val="accent1">
+                  <a:alpha val="0"/>
+                </a:schemeClr>
+              </a:gs>
+              <a:gs pos="99000">
+                <a:srgbClr val="000000">
+                  <a:alpha val="74000"/>
+                </a:srgbClr>
+              </a:gs>
+            </a:gsLst>
+            <a:lin ang="20400000" scaled="0"/>
+          </a:gradFill>
+          <a:ln>
+            <a:noFill/>
+          </a:ln>
+        </p:spPr>
+        <p:style>
+          <a:lnRef idx="2">
+            <a:schemeClr val="accent1">
+              <a:shade val="50000"/>
+            </a:schemeClr>
+          </a:lnRef>
+          <a:fillRef idx="1">
+            <a:schemeClr val="accent1"/>
+          </a:fillRef>
+          <a:effectRef idx="0">
+            <a:schemeClr val="accent1"/>
+          </a:effectRef>
+          <a:fontRef idx="minor">
+            <a:schemeClr val="lt1"/>
+          </a:fontRef>
+        </p:style>
+        <p:txBody>
+          <a:bodyPr rtlCol="0" anchor="ctr"/>
+          <a:lstStyle/>
+          <a:p>
+            <a:pPr algn="ctr"/>
+            <a:endParaRPr lang="en-US" dirty="0"/>
+          </a:p>
+        </p:txBody>
+      </p:sp>
+      <p:sp>
+        <p:nvSpPr>
+          <p:cNvPr id="2" name="Title 1">
+            <a:extLst>
+              <a:ext uri="{FF2B5EF4-FFF2-40B4-BE49-F238E27FC236}">
+                <a16:creationId xmlns:a16="http://schemas.microsoft.com/office/drawing/2014/main" id="{9A199BB2-08AC-4CDA-B140-2A17AE6C82FD}"/>
+              </a:ext>
+            </a:extLst>
+          </p:cNvPr>
+          <p:cNvSpPr>
+            <a:spLocks noGrp="1"/>
+          </p:cNvSpPr>
+          <p:nvPr>
+            <p:ph type="title"/>
+          </p:nvPr>
+        </p:nvSpPr>
+        <p:spPr>
+          <a:xfrm>
+            <a:off x="1371597" y="348865"/>
+            <a:ext cx="10044023" cy="877729"/>
+          </a:xfrm>
+        </p:spPr>
+        <p:txBody>
+          <a:bodyPr anchor="ctr">
+            <a:normAutofit/>
+          </a:bodyPr>
+          <a:lstStyle/>
+          <a:p>
+            <a:r>
+              <a:rPr lang="en-US" sz="4000">
+                <a:solidFill>
+                  <a:srgbClr val="FFFFFF"/>
+                </a:solidFill>
+              </a:rPr>
+              <a:t>Analysis</a:t>
+            </a:r>
+          </a:p>
+        </p:txBody>
+      </p:sp>
+      <p:graphicFrame>
+        <p:nvGraphicFramePr>
+          <p:cNvPr id="4" name="Table 4">
+            <a:extLst>
+              <a:ext uri="{FF2B5EF4-FFF2-40B4-BE49-F238E27FC236}">
+                <a16:creationId xmlns:a16="http://schemas.microsoft.com/office/drawing/2014/main" id="{0EBCBAE0-9271-4AC8-8C49-95C6928617BB}"/>
+              </a:ext>
+            </a:extLst>
+          </p:cNvPr>
+          <p:cNvGraphicFramePr>
+            <a:graphicFrameLocks noGrp="1"/>
+          </p:cNvGraphicFramePr>
+          <p:nvPr>
+            <p:ph idx="1"/>
+            <p:extLst>
+              <p:ext uri="{D42A27DB-BD31-4B8C-83A1-F6EECF244321}">
+                <p14:modId xmlns:p14="http://schemas.microsoft.com/office/powerpoint/2010/main" val="1692027725"/>
+              </p:ext>
+            </p:extLst>
+          </p:nvPr>
+        </p:nvGraphicFramePr>
+        <p:xfrm>
+          <a:off x="1558977" y="2112579"/>
+          <a:ext cx="9097989" cy="4197197"/>
+        </p:xfrm>
+        <a:graphic>
+          <a:graphicData uri="http://schemas.openxmlformats.org/drawingml/2006/table">
+            <a:tbl>
+              <a:tblPr firstRow="1" bandRow="1">
+                <a:tableStyleId>{5C22544A-7EE6-4342-B048-85BDC9FD1C3A}</a:tableStyleId>
+              </a:tblPr>
+              <a:tblGrid>
+                <a:gridCol w="2694581">
+                  <a:extLst>
+                    <a:ext uri="{9D8B030D-6E8A-4147-A177-3AD203B41FA5}">
+                      <a16:colId xmlns:a16="http://schemas.microsoft.com/office/drawing/2014/main" val="2192324135"/>
+                    </a:ext>
+                  </a:extLst>
+                </a:gridCol>
+                <a:gridCol w="1238684">
+                  <a:extLst>
+                    <a:ext uri="{9D8B030D-6E8A-4147-A177-3AD203B41FA5}">
+                      <a16:colId xmlns:a16="http://schemas.microsoft.com/office/drawing/2014/main" val="1639128178"/>
+                    </a:ext>
+                  </a:extLst>
+                </a:gridCol>
+                <a:gridCol w="1740237">
+                  <a:extLst>
+                    <a:ext uri="{9D8B030D-6E8A-4147-A177-3AD203B41FA5}">
+                      <a16:colId xmlns:a16="http://schemas.microsoft.com/office/drawing/2014/main" val="2473561584"/>
+                    </a:ext>
+                  </a:extLst>
+                </a:gridCol>
+                <a:gridCol w="1966057">
+                  <a:extLst>
+                    <a:ext uri="{9D8B030D-6E8A-4147-A177-3AD203B41FA5}">
+                      <a16:colId xmlns:a16="http://schemas.microsoft.com/office/drawing/2014/main" val="2484125441"/>
+                    </a:ext>
+                  </a:extLst>
+                </a:gridCol>
+                <a:gridCol w="1458430">
+                  <a:extLst>
+                    <a:ext uri="{9D8B030D-6E8A-4147-A177-3AD203B41FA5}">
+                      <a16:colId xmlns:a16="http://schemas.microsoft.com/office/drawing/2014/main" val="1274259561"/>
+                    </a:ext>
+                  </a:extLst>
+                </a:gridCol>
+              </a:tblGrid>
+              <a:tr h="579218">
+                <a:tc>
+                  <a:txBody>
+                    <a:bodyPr/>
+                    <a:lstStyle/>
+                    <a:p>
+                      <a:pPr algn="ctr"/>
+                      <a:r>
+                        <a:rPr lang="en-US" sz="2000" dirty="0"/>
+                        <a:t>Model</a:t>
+                      </a:r>
+                    </a:p>
+                  </a:txBody>
+                  <a:tcPr marL="78273" marR="78273" marT="39136" marB="39136"/>
+                </a:tc>
+                <a:tc>
+                  <a:txBody>
+                    <a:bodyPr/>
+                    <a:lstStyle/>
+                    <a:p>
+                      <a:pPr algn="ctr"/>
+                      <a:r>
+                        <a:rPr lang="en-US" sz="2000" dirty="0"/>
+                        <a:t>Vocab Size</a:t>
+                      </a:r>
+                    </a:p>
+                  </a:txBody>
+                  <a:tcPr marL="78273" marR="78273" marT="39136" marB="39136"/>
+                </a:tc>
+                <a:tc>
+                  <a:txBody>
+                    <a:bodyPr/>
+                    <a:lstStyle/>
+                    <a:p>
+                      <a:pPr algn="ctr"/>
+                      <a:r>
+                        <a:rPr lang="en-US" sz="2000" dirty="0"/>
+                        <a:t>Correct Labels (C) </a:t>
+                      </a:r>
+                    </a:p>
+                  </a:txBody>
+                  <a:tcPr marL="78273" marR="78273" marT="39136" marB="39136"/>
+                </a:tc>
+                <a:tc>
+                  <a:txBody>
+                    <a:bodyPr/>
+                    <a:lstStyle/>
+                    <a:p>
+                      <a:pPr algn="ctr"/>
+                      <a:r>
+                        <a:rPr lang="en-US" sz="2000" dirty="0"/>
+                        <a:t>Number of questions without guessing (V)</a:t>
+                      </a:r>
+                    </a:p>
+                  </a:txBody>
+                  <a:tcPr marL="78273" marR="78273" marT="39136" marB="39136"/>
+                </a:tc>
+                <a:tc>
+                  <a:txBody>
+                    <a:bodyPr/>
+                    <a:lstStyle/>
+                    <a:p>
+                      <a:pPr algn="ctr"/>
+                      <a:r>
+                        <a:rPr lang="en-US" sz="2000" dirty="0"/>
+                        <a:t>Accuracy</a:t>
+                      </a:r>
+                    </a:p>
+                  </a:txBody>
+                  <a:tcPr marL="78273" marR="78273" marT="39136" marB="39136"/>
+                </a:tc>
+                <a:extLst>
+                  <a:ext uri="{0D108BD9-81ED-4DB2-BD59-A6C34878D82A}">
+                    <a16:rowId xmlns:a16="http://schemas.microsoft.com/office/drawing/2014/main" val="76313876"/>
+                  </a:ext>
+                </a:extLst>
+              </a:tr>
+              <a:tr h="566173">
+                <a:tc>
+                  <a:txBody>
+                    <a:bodyPr/>
+                    <a:lstStyle/>
+                    <a:p>
+                      <a:pPr algn="ctr"/>
+                      <a:r>
+                        <a:rPr lang="en-US" sz="1700" b="0" i="0" kern="1200">
+                          <a:solidFill>
+                            <a:schemeClr val="dk1"/>
+                          </a:solidFill>
+                          <a:effectLst/>
+                          <a:latin typeface="+mn-lt"/>
+                          <a:ea typeface="+mn-ea"/>
+                          <a:cs typeface="+mn-cs"/>
+                        </a:rPr>
+                        <a:t>word2vec-google-news-300</a:t>
+                      </a:r>
+                      <a:endParaRPr lang="en-US" sz="1700" b="0"/>
+                    </a:p>
+                  </a:txBody>
+                  <a:tcPr marL="78273" marR="78273" marT="39136" marB="39136"/>
+                </a:tc>
+                <a:tc>
+                  <a:txBody>
+                    <a:bodyPr/>
+                    <a:lstStyle/>
+                    <a:p>
+                      <a:pPr algn="ctr"/>
+                      <a:r>
+                        <a:rPr lang="en-US" sz="1700" b="0" i="0" kern="1200">
+                          <a:solidFill>
+                            <a:schemeClr val="dk1"/>
+                          </a:solidFill>
+                          <a:effectLst/>
+                          <a:latin typeface="+mn-lt"/>
+                          <a:ea typeface="+mn-ea"/>
+                          <a:cs typeface="+mn-cs"/>
+                        </a:rPr>
+                        <a:t>3000000</a:t>
+                      </a:r>
+                      <a:endParaRPr lang="en-US" sz="1700" b="0"/>
+                    </a:p>
+                  </a:txBody>
+                  <a:tcPr marL="78273" marR="78273" marT="39136" marB="39136"/>
+                </a:tc>
+                <a:tc>
+                  <a:txBody>
+                    <a:bodyPr/>
+                    <a:lstStyle/>
+                    <a:p>
+                      <a:pPr algn="ctr"/>
+                      <a:r>
+                        <a:rPr lang="en-US" sz="1700" b="0" i="0" kern="1200" dirty="0">
+                          <a:solidFill>
+                            <a:schemeClr val="dk1"/>
+                          </a:solidFill>
+                          <a:effectLst/>
+                          <a:latin typeface="+mn-lt"/>
+                          <a:ea typeface="+mn-ea"/>
+                          <a:cs typeface="+mn-cs"/>
+                        </a:rPr>
+                        <a:t>70</a:t>
+                      </a:r>
+                      <a:endParaRPr lang="en-US" sz="1700" b="0" dirty="0"/>
+                    </a:p>
+                  </a:txBody>
+                  <a:tcPr marL="78273" marR="78273" marT="39136" marB="39136"/>
+                </a:tc>
+                <a:tc>
+                  <a:txBody>
+                    <a:bodyPr/>
+                    <a:lstStyle/>
+                    <a:p>
+                      <a:pPr algn="ctr"/>
+                      <a:br>
+                        <a:rPr lang="en-US" sz="1700" b="0" dirty="0">
+                          <a:effectLst/>
+                        </a:rPr>
+                      </a:br>
+                      <a:r>
+                        <a:rPr lang="en-US" sz="1700" b="0" dirty="0">
+                          <a:effectLst/>
+                        </a:rPr>
+                        <a:t>79</a:t>
+                      </a:r>
+                    </a:p>
+                  </a:txBody>
+                  <a:tcPr marL="32614" marR="32614" marT="32614" marB="32614" anchor="ctr"/>
+                </a:tc>
+                <a:tc>
+                  <a:txBody>
+                    <a:bodyPr/>
+                    <a:lstStyle/>
+                    <a:p>
+                      <a:pPr lvl="0" algn="ctr"/>
+                      <a:br>
+                        <a:rPr lang="en-US" sz="1700" b="0" dirty="0">
+                          <a:effectLst/>
+                        </a:rPr>
+                      </a:br>
+                      <a:r>
+                        <a:rPr lang="en-US" sz="1700" b="0" dirty="0">
+                          <a:effectLst/>
+                        </a:rPr>
+                        <a:t>0.886075949</a:t>
+                      </a:r>
+                    </a:p>
+                  </a:txBody>
+                  <a:tcPr marL="32614" marR="32614" marT="32614" marB="32614" anchor="ctr"/>
+                </a:tc>
+                <a:extLst>
+                  <a:ext uri="{0D108BD9-81ED-4DB2-BD59-A6C34878D82A}">
+                    <a16:rowId xmlns:a16="http://schemas.microsoft.com/office/drawing/2014/main" val="154369084"/>
+                  </a:ext>
+                </a:extLst>
+              </a:tr>
+              <a:tr h="566173">
+                <a:tc>
+                  <a:txBody>
+                    <a:bodyPr/>
+                    <a:lstStyle/>
+                    <a:p>
+                      <a:pPr algn="ctr"/>
+                      <a:r>
+                        <a:rPr lang="en-US" sz="1700" b="0" i="0" kern="1200" dirty="0">
+                          <a:solidFill>
+                            <a:schemeClr val="dk1"/>
+                          </a:solidFill>
+                          <a:effectLst/>
+                          <a:latin typeface="+mn-lt"/>
+                          <a:ea typeface="+mn-ea"/>
+                          <a:cs typeface="+mn-cs"/>
+                        </a:rPr>
+                        <a:t>glove-twitter-50</a:t>
+                      </a:r>
+                      <a:endParaRPr lang="en-US" sz="1700" b="0" dirty="0"/>
+                    </a:p>
+                  </a:txBody>
+                  <a:tcPr marL="78273" marR="78273" marT="39136" marB="39136"/>
+                </a:tc>
+                <a:tc>
+                  <a:txBody>
+                    <a:bodyPr/>
+                    <a:lstStyle/>
+                    <a:p>
+                      <a:pPr algn="ctr"/>
+                      <a:r>
+                        <a:rPr lang="en-US" sz="1700" b="0" i="0" kern="1200">
+                          <a:solidFill>
+                            <a:schemeClr val="dk1"/>
+                          </a:solidFill>
+                          <a:effectLst/>
+                          <a:latin typeface="+mn-lt"/>
+                          <a:ea typeface="+mn-ea"/>
+                          <a:cs typeface="+mn-cs"/>
+                        </a:rPr>
+                        <a:t>1193514</a:t>
+                      </a:r>
+                      <a:endParaRPr lang="en-US" sz="1700" b="0"/>
+                    </a:p>
+                  </a:txBody>
+                  <a:tcPr marL="78273" marR="78273" marT="39136" marB="39136"/>
+                </a:tc>
+                <a:tc>
+                  <a:txBody>
+                    <a:bodyPr/>
+                    <a:lstStyle/>
+                    <a:p>
+                      <a:pPr algn="ctr"/>
+                      <a:r>
+                        <a:rPr lang="en-US" sz="1700" b="0" dirty="0"/>
+                        <a:t>35</a:t>
+                      </a:r>
+                    </a:p>
+                  </a:txBody>
+                  <a:tcPr marL="78273" marR="78273" marT="39136" marB="39136"/>
+                </a:tc>
+                <a:tc>
+                  <a:txBody>
+                    <a:bodyPr/>
+                    <a:lstStyle/>
+                    <a:p>
+                      <a:pPr algn="ctr"/>
+                      <a:r>
+                        <a:rPr lang="en-US" sz="1700" b="0" dirty="0">
+                          <a:effectLst/>
+                        </a:rPr>
+                        <a:t>69</a:t>
+                      </a:r>
+                    </a:p>
+                  </a:txBody>
+                  <a:tcPr marL="32614" marR="32614" marT="32614" marB="32614" anchor="ctr"/>
+                </a:tc>
+                <a:tc>
+                  <a:txBody>
+                    <a:bodyPr/>
+                    <a:lstStyle/>
+                    <a:p>
+                      <a:pPr lvl="0" algn="ctr"/>
+                      <a:r>
+                        <a:rPr lang="en-US" sz="1700" b="0" i="0" kern="1200" dirty="0">
+                          <a:solidFill>
+                            <a:schemeClr val="dk1"/>
+                          </a:solidFill>
+                          <a:effectLst/>
+                          <a:latin typeface="+mn-lt"/>
+                          <a:ea typeface="+mn-ea"/>
+                          <a:cs typeface="+mn-cs"/>
+                        </a:rPr>
+                        <a:t>0.507246377</a:t>
+                      </a:r>
+                      <a:endParaRPr lang="en-US" sz="1700" b="0" dirty="0"/>
+                    </a:p>
+                  </a:txBody>
+                  <a:tcPr marL="78273" marR="78273" marT="39136" marB="39136"/>
+                </a:tc>
+                <a:extLst>
+                  <a:ext uri="{0D108BD9-81ED-4DB2-BD59-A6C34878D82A}">
+                    <a16:rowId xmlns:a16="http://schemas.microsoft.com/office/drawing/2014/main" val="2399304703"/>
+                  </a:ext>
+                </a:extLst>
+              </a:tr>
+              <a:tr h="566173">
+                <a:tc>
+                  <a:txBody>
+                    <a:bodyPr/>
+                    <a:lstStyle/>
+                    <a:p>
+                      <a:pPr algn="ctr"/>
+                      <a:r>
+                        <a:rPr lang="en-US" sz="1700" b="0" i="0" kern="1200" dirty="0">
+                          <a:solidFill>
+                            <a:schemeClr val="dk1"/>
+                          </a:solidFill>
+                          <a:effectLst/>
+                          <a:latin typeface="+mn-lt"/>
+                          <a:ea typeface="+mn-ea"/>
+                          <a:cs typeface="+mn-cs"/>
+                        </a:rPr>
+                        <a:t>glove-wiki-gigaword-50</a:t>
+                      </a:r>
+                      <a:endParaRPr lang="en-US" sz="1700" b="0" dirty="0"/>
+                    </a:p>
+                  </a:txBody>
+                  <a:tcPr marL="78273" marR="78273" marT="39136" marB="39136"/>
+                </a:tc>
+                <a:tc>
+                  <a:txBody>
+                    <a:bodyPr/>
+                    <a:lstStyle/>
+                    <a:p>
+                      <a:pPr algn="ctr"/>
+                      <a:br>
+                        <a:rPr lang="en-US" sz="1700" b="0" dirty="0">
+                          <a:effectLst/>
+                        </a:rPr>
+                      </a:br>
+                      <a:r>
+                        <a:rPr lang="en-US" sz="1700" b="0" dirty="0">
+                          <a:effectLst/>
+                        </a:rPr>
+                        <a:t>400000</a:t>
+                      </a:r>
+                    </a:p>
+                  </a:txBody>
+                  <a:tcPr marL="32614" marR="32614" marT="32614" marB="32614" anchor="ctr"/>
+                </a:tc>
+                <a:tc>
+                  <a:txBody>
+                    <a:bodyPr/>
+                    <a:lstStyle/>
+                    <a:p>
+                      <a:pPr algn="ctr"/>
+                      <a:r>
+                        <a:rPr lang="en-US" sz="1700" b="0"/>
+                        <a:t>56</a:t>
+                      </a:r>
+                    </a:p>
+                  </a:txBody>
+                  <a:tcPr marL="78273" marR="78273" marT="39136" marB="39136"/>
+                </a:tc>
+                <a:tc>
+                  <a:txBody>
+                    <a:bodyPr/>
+                    <a:lstStyle/>
+                    <a:p>
+                      <a:pPr algn="ctr"/>
+                      <a:r>
+                        <a:rPr lang="en-US" sz="1700" b="0" i="0" kern="1200">
+                          <a:solidFill>
+                            <a:schemeClr val="dk1"/>
+                          </a:solidFill>
+                          <a:effectLst/>
+                          <a:latin typeface="+mn-lt"/>
+                          <a:ea typeface="+mn-ea"/>
+                          <a:cs typeface="+mn-cs"/>
+                        </a:rPr>
+                        <a:t>78</a:t>
+                      </a:r>
+                      <a:endParaRPr lang="en-US" sz="1700" b="0"/>
+                    </a:p>
+                  </a:txBody>
+                  <a:tcPr marL="78273" marR="78273" marT="39136" marB="39136"/>
+                </a:tc>
+                <a:tc>
+                  <a:txBody>
+                    <a:bodyPr/>
+                    <a:lstStyle/>
+                    <a:p>
+                      <a:pPr lvl="0" algn="ctr"/>
+                      <a:r>
+                        <a:rPr lang="en-US" sz="1700" b="0" i="0" kern="1200" dirty="0">
+                          <a:solidFill>
+                            <a:schemeClr val="dk1"/>
+                          </a:solidFill>
+                          <a:effectLst/>
+                          <a:latin typeface="+mn-lt"/>
+                          <a:ea typeface="+mn-ea"/>
+                          <a:cs typeface="+mn-cs"/>
+                        </a:rPr>
+                        <a:t>0.717948718</a:t>
+                      </a:r>
+                      <a:endParaRPr lang="en-US" sz="1700" b="0" dirty="0"/>
+                    </a:p>
+                  </a:txBody>
+                  <a:tcPr marL="78273" marR="78273" marT="39136" marB="39136"/>
+                </a:tc>
+                <a:extLst>
+                  <a:ext uri="{0D108BD9-81ED-4DB2-BD59-A6C34878D82A}">
+                    <a16:rowId xmlns:a16="http://schemas.microsoft.com/office/drawing/2014/main" val="1344110125"/>
+                  </a:ext>
+                </a:extLst>
+              </a:tr>
+              <a:tr h="566173">
+                <a:tc>
+                  <a:txBody>
+                    <a:bodyPr/>
+                    <a:lstStyle/>
+                    <a:p>
+                      <a:pPr algn="ctr"/>
+                      <a:r>
+                        <a:rPr lang="en-US" sz="1700" b="0" i="0" kern="1200" dirty="0">
+                          <a:solidFill>
+                            <a:schemeClr val="dk1"/>
+                          </a:solidFill>
+                          <a:effectLst/>
+                          <a:latin typeface="+mn-lt"/>
+                          <a:ea typeface="+mn-ea"/>
+                          <a:cs typeface="+mn-cs"/>
+                        </a:rPr>
+                        <a:t>glove-twitter-100</a:t>
+                      </a:r>
+                      <a:endParaRPr lang="en-US" sz="1700" b="0" dirty="0"/>
+                    </a:p>
+                  </a:txBody>
+                  <a:tcPr marL="78273" marR="78273" marT="39136" marB="39136"/>
+                </a:tc>
+                <a:tc>
+                  <a:txBody>
+                    <a:bodyPr/>
+                    <a:lstStyle/>
+                    <a:p>
+                      <a:pPr algn="ctr"/>
+                      <a:r>
+                        <a:rPr lang="en-US" sz="1700" b="0" i="0" kern="1200">
+                          <a:solidFill>
+                            <a:schemeClr val="dk1"/>
+                          </a:solidFill>
+                          <a:effectLst/>
+                          <a:latin typeface="+mn-lt"/>
+                          <a:ea typeface="+mn-ea"/>
+                          <a:cs typeface="+mn-cs"/>
+                        </a:rPr>
+                        <a:t>1193514</a:t>
+                      </a:r>
+                      <a:endParaRPr lang="en-US" sz="1700" b="0"/>
+                    </a:p>
+                  </a:txBody>
+                  <a:tcPr marL="78273" marR="78273" marT="39136" marB="39136"/>
+                </a:tc>
+                <a:tc>
+                  <a:txBody>
+                    <a:bodyPr/>
+                    <a:lstStyle/>
+                    <a:p>
+                      <a:pPr algn="ctr"/>
+                      <a:r>
+                        <a:rPr lang="en-US" sz="1700" b="0"/>
+                        <a:t>36</a:t>
+                      </a:r>
+                    </a:p>
+                  </a:txBody>
+                  <a:tcPr marL="78273" marR="78273" marT="39136" marB="39136"/>
+                </a:tc>
+                <a:tc>
+                  <a:txBody>
+                    <a:bodyPr/>
+                    <a:lstStyle/>
+                    <a:p>
+                      <a:pPr algn="ctr"/>
+                      <a:r>
+                        <a:rPr lang="en-US" sz="1700" b="0" i="0" kern="1200" dirty="0">
+                          <a:solidFill>
+                            <a:schemeClr val="dk1"/>
+                          </a:solidFill>
+                          <a:effectLst/>
+                          <a:latin typeface="+mn-lt"/>
+                          <a:ea typeface="+mn-ea"/>
+                          <a:cs typeface="+mn-cs"/>
+                        </a:rPr>
+                        <a:t>69</a:t>
+                      </a:r>
+                      <a:endParaRPr lang="en-US" sz="1700" b="0" dirty="0"/>
+                    </a:p>
+                  </a:txBody>
+                  <a:tcPr marL="78273" marR="78273" marT="39136" marB="39136"/>
+                </a:tc>
+                <a:tc>
+                  <a:txBody>
+                    <a:bodyPr/>
+                    <a:lstStyle/>
+                    <a:p>
+                      <a:pPr lvl="0" algn="ctr"/>
+                      <a:br>
+                        <a:rPr lang="en-US" sz="1700" b="0" dirty="0">
+                          <a:effectLst/>
+                        </a:rPr>
+                      </a:br>
+                      <a:r>
+                        <a:rPr lang="en-US" sz="1700" b="0" dirty="0">
+                          <a:effectLst/>
+                        </a:rPr>
+                        <a:t>0.52173913</a:t>
+                      </a:r>
+                    </a:p>
+                  </a:txBody>
+                  <a:tcPr marL="32614" marR="32614" marT="32614" marB="32614" anchor="ctr"/>
+                </a:tc>
+                <a:extLst>
+                  <a:ext uri="{0D108BD9-81ED-4DB2-BD59-A6C34878D82A}">
+                    <a16:rowId xmlns:a16="http://schemas.microsoft.com/office/drawing/2014/main" val="1268407343"/>
+                  </a:ext>
+                </a:extLst>
+              </a:tr>
+              <a:tr h="566173">
+                <a:tc>
+                  <a:txBody>
+                    <a:bodyPr/>
+                    <a:lstStyle/>
+                    <a:p>
+                      <a:pPr algn="ctr"/>
+                      <a:r>
+                        <a:rPr lang="en-US" sz="1700" b="0" i="0" kern="1200">
+                          <a:solidFill>
+                            <a:schemeClr val="dk1"/>
+                          </a:solidFill>
+                          <a:effectLst/>
+                          <a:latin typeface="+mn-lt"/>
+                          <a:ea typeface="+mn-ea"/>
+                          <a:cs typeface="+mn-cs"/>
+                        </a:rPr>
+                        <a:t>glove-twitter-200</a:t>
+                      </a:r>
+                      <a:endParaRPr lang="en-US" sz="1700" b="0"/>
+                    </a:p>
+                  </a:txBody>
+                  <a:tcPr marL="78273" marR="78273" marT="39136" marB="39136"/>
+                </a:tc>
+                <a:tc>
+                  <a:txBody>
+                    <a:bodyPr/>
+                    <a:lstStyle/>
+                    <a:p>
+                      <a:pPr algn="ctr"/>
+                      <a:r>
+                        <a:rPr lang="en-US" sz="1700" b="0" i="0" kern="1200" dirty="0">
+                          <a:solidFill>
+                            <a:schemeClr val="dk1"/>
+                          </a:solidFill>
+                          <a:effectLst/>
+                          <a:latin typeface="+mn-lt"/>
+                          <a:ea typeface="+mn-ea"/>
+                          <a:cs typeface="+mn-cs"/>
+                        </a:rPr>
+                        <a:t>1193514</a:t>
+                      </a:r>
+                      <a:endParaRPr lang="en-US" sz="1700" b="0" dirty="0"/>
+                    </a:p>
+                  </a:txBody>
+                  <a:tcPr marL="78273" marR="78273" marT="39136" marB="39136"/>
+                </a:tc>
+                <a:tc>
+                  <a:txBody>
+                    <a:bodyPr/>
+                    <a:lstStyle/>
+                    <a:p>
+                      <a:pPr algn="ctr"/>
+                      <a:r>
+                        <a:rPr lang="en-US" sz="1700" b="0"/>
+                        <a:t>42</a:t>
+                      </a:r>
+                    </a:p>
+                  </a:txBody>
+                  <a:tcPr marL="78273" marR="78273" marT="39136" marB="39136"/>
+                </a:tc>
+                <a:tc>
+                  <a:txBody>
+                    <a:bodyPr/>
+                    <a:lstStyle/>
+                    <a:p>
+                      <a:pPr algn="ctr"/>
+                      <a:r>
+                        <a:rPr lang="en-US" sz="1700" b="0" i="0" kern="1200" dirty="0">
+                          <a:solidFill>
+                            <a:schemeClr val="dk1"/>
+                          </a:solidFill>
+                          <a:effectLst/>
+                          <a:latin typeface="+mn-lt"/>
+                          <a:ea typeface="+mn-ea"/>
+                          <a:cs typeface="+mn-cs"/>
+                        </a:rPr>
+                        <a:t>69</a:t>
+                      </a:r>
+                      <a:endParaRPr lang="en-US" sz="1700" b="0" dirty="0"/>
+                    </a:p>
+                  </a:txBody>
+                  <a:tcPr marL="78273" marR="78273" marT="39136" marB="39136"/>
+                </a:tc>
+                <a:tc>
+                  <a:txBody>
+                    <a:bodyPr/>
+                    <a:lstStyle/>
+                    <a:p>
+                      <a:pPr lvl="0" algn="ctr"/>
+                      <a:br>
+                        <a:rPr lang="en-US" sz="1700" b="0" dirty="0">
+                          <a:effectLst/>
+                        </a:rPr>
+                      </a:br>
+                      <a:r>
+                        <a:rPr lang="en-US" sz="1700" b="0" dirty="0">
+                          <a:effectLst/>
+                        </a:rPr>
+                        <a:t>0.608695652</a:t>
+                      </a:r>
+                    </a:p>
+                  </a:txBody>
+                  <a:tcPr marL="32614" marR="32614" marT="32614" marB="32614" anchor="ctr"/>
+                </a:tc>
+                <a:extLst>
+                  <a:ext uri="{0D108BD9-81ED-4DB2-BD59-A6C34878D82A}">
+                    <a16:rowId xmlns:a16="http://schemas.microsoft.com/office/drawing/2014/main" val="2315520412"/>
+                  </a:ext>
+                </a:extLst>
+              </a:tr>
+            </a:tbl>
+          </a:graphicData>
+        </a:graphic>
+      </p:graphicFrame>
+    </p:spTree>
+    <p:extLst>
+      <p:ext uri="{BB962C8B-B14F-4D97-AF65-F5344CB8AC3E}">
+        <p14:creationId xmlns:p14="http://schemas.microsoft.com/office/powerpoint/2010/main" val="3978142116"/>
+      </p:ext>
+    </p:extLst>
+  </p:cSld>
+  <p:clrMapOvr>
+    <a:masterClrMapping/>
+  </p:clrMapOvr>
+</p:sld>
+</file>
+
+<file path=ppt/slides/slide4.xml><?xml version="1.0" encoding="utf-8"?>
+<p:sld xmlns:a="http://schemas.openxmlformats.org/drawingml/2006/main" xmlns:r="http://schemas.openxmlformats.org/officeDocument/2006/relationships" xmlns:p="http://schemas.openxmlformats.org/presentationml/2006/main">
+  <p:cSld>
+    <p:bg>
+      <p:bgPr>
+        <a:solidFill>
+          <a:schemeClr val="bg1"/>
+        </a:solidFill>
+        <a:effectLst/>
+      </p:bgPr>
+    </p:bg>
+    <p:spTree>
+      <p:nvGrpSpPr>
+        <p:cNvPr id="1" name=""/>
+        <p:cNvGrpSpPr/>
+        <p:nvPr/>
+      </p:nvGrpSpPr>
+      <p:grpSpPr>
+        <a:xfrm>
+          <a:off x="0" y="0"/>
+          <a:ext cx="0" cy="0"/>
+          <a:chOff x="0" y="0"/>
+          <a:chExt cx="0" cy="0"/>
+        </a:xfrm>
+      </p:grpSpPr>
+      <p:sp useBgFill="1">
+        <p:nvSpPr>
+          <p:cNvPr id="10" name="Rectangle 9">
+            <a:extLst>
+              <a:ext uri="{FF2B5EF4-FFF2-40B4-BE49-F238E27FC236}">
+                <a16:creationId xmlns:a16="http://schemas.microsoft.com/office/drawing/2014/main" id="{A8384FB5-9ADC-4DDC-881B-597D56F5B15D}"/>
+              </a:ext>
+              <a:ext uri="{C183D7F6-B498-43B3-948B-1728B52AA6E4}">
+                <adec:decorative xmlns:adec="http://schemas.microsoft.com/office/drawing/2017/decorative" val="1"/>
+              </a:ext>
+            </a:extLst>
+          </p:cNvPr>
+          <p:cNvSpPr>
+            <a:spLocks noGrp="1" noRot="1" noChangeAspect="1" noMove="1" noResize="1" noEditPoints="1" noAdjustHandles="1" noChangeArrowheads="1" noChangeShapeType="1" noTextEdit="1"/>
+          </p:cNvSpPr>
+          <p:nvPr>
+            <p:extLst>
+              <p:ext uri="{386F3935-93C4-4BCD-93E2-E3B085C9AB24}">
+                <p16:designElem xmlns:p16="http://schemas.microsoft.com/office/powerpoint/2015/main" val="1"/>
+              </p:ext>
+            </p:extLst>
+          </p:nvPr>
+        </p:nvSpPr>
+        <p:spPr>
+          <a:xfrm>
+            <a:off x="0" y="0"/>
+            <a:ext cx="12192000" cy="6858000"/>
+          </a:xfrm>
+          <a:prstGeom prst="rect">
+            <a:avLst/>
+          </a:prstGeom>
+          <a:ln w="12700" cap="flat" cmpd="sng" algn="ctr">
+            <a:noFill/>
+            <a:prstDash val="solid"/>
+            <a:miter lim="800000"/>
+          </a:ln>
+          <a:effectLst/>
+          <a:extLst>
+            <a:ext uri="{91240B29-F687-4F45-9708-019B960494DF}">
+              <a14:hiddenLine xmlns:a14="http://schemas.microsoft.com/office/drawing/2010/main" w="12700" cap="flat" cmpd="sng" algn="ctr">
+                <a:solidFill>
+                  <a:schemeClr val="accent1">
+                    <a:shade val="50000"/>
+                  </a:schemeClr>
+                </a:solidFill>
+                <a:prstDash val="solid"/>
+                <a:miter lim="800000"/>
+              </a14:hiddenLine>
+            </a:ext>
+          </a:extLst>
+        </p:spPr>
+        <p:style>
+          <a:lnRef idx="2">
+            <a:schemeClr val="accent1">
+              <a:shade val="50000"/>
+            </a:schemeClr>
+          </a:lnRef>
+          <a:fillRef idx="1">
+            <a:schemeClr val="accent1"/>
+          </a:fillRef>
+          <a:effectRef idx="0">
+            <a:schemeClr val="accent1"/>
+          </a:effectRef>
+          <a:fontRef idx="minor">
+            <a:schemeClr val="lt1"/>
+          </a:fontRef>
+        </p:style>
+        <p:txBody>
+          <a:bodyPr rtlCol="0" anchor="ctr"/>
+          <a:lstStyle/>
+          <a:p>
+            <a:pPr algn="ctr"/>
+            <a:endParaRPr lang="en-US"/>
+          </a:p>
+        </p:txBody>
+      </p:sp>
+      <p:sp>
+        <p:nvSpPr>
+          <p:cNvPr id="12" name="Rectangle 11">
+            <a:extLst>
+              <a:ext uri="{FF2B5EF4-FFF2-40B4-BE49-F238E27FC236}">
+                <a16:creationId xmlns:a16="http://schemas.microsoft.com/office/drawing/2014/main" id="{91E5A9A7-95C6-4F4F-B00E-C82E07FE62EF}"/>
+              </a:ext>
+              <a:ext uri="{C183D7F6-B498-43B3-948B-1728B52AA6E4}">
+                <adec:decorative xmlns:adec="http://schemas.microsoft.com/office/drawing/2017/decorative" val="1"/>
+              </a:ext>
+            </a:extLst>
+          </p:cNvPr>
+          <p:cNvSpPr>
+            <a:spLocks noGrp="1" noRot="1" noChangeAspect="1" noMove="1" noResize="1" noEditPoints="1" noAdjustHandles="1" noChangeArrowheads="1" noChangeShapeType="1" noTextEdit="1"/>
+          </p:cNvSpPr>
+          <p:nvPr>
+            <p:extLst>
+              <p:ext uri="{386F3935-93C4-4BCD-93E2-E3B085C9AB24}">
+                <p16:designElem xmlns:p16="http://schemas.microsoft.com/office/powerpoint/2015/main" val="1"/>
+              </p:ext>
+            </p:extLst>
+          </p:nvPr>
+        </p:nvSpPr>
+        <p:spPr>
+          <a:xfrm rot="5400000" flipH="1">
+            <a:off x="-1417539" y="1417538"/>
+            <a:ext cx="6875818" cy="4040744"/>
+          </a:xfrm>
+          <a:prstGeom prst="rect">
+            <a:avLst/>
+          </a:prstGeom>
+          <a:gradFill>
+            <a:gsLst>
+              <a:gs pos="0">
+                <a:srgbClr val="000000"/>
+              </a:gs>
+              <a:gs pos="100000">
+                <a:schemeClr val="accent1">
+                  <a:lumMod val="75000"/>
+                </a:schemeClr>
+              </a:gs>
+            </a:gsLst>
+            <a:lin ang="18600000" scaled="0"/>
+          </a:gradFill>
+          <a:ln>
+            <a:noFill/>
+          </a:ln>
+        </p:spPr>
+        <p:style>
+          <a:lnRef idx="2">
+            <a:schemeClr val="accent1">
+              <a:shade val="50000"/>
+            </a:schemeClr>
+          </a:lnRef>
+          <a:fillRef idx="1">
+            <a:schemeClr val="accent1"/>
+          </a:fillRef>
+          <a:effectRef idx="0">
+            <a:schemeClr val="accent1"/>
+          </a:effectRef>
+          <a:fontRef idx="minor">
+            <a:schemeClr val="lt1"/>
+          </a:fontRef>
+        </p:style>
+        <p:txBody>
+          <a:bodyPr rtlCol="0" anchor="ctr"/>
+          <a:lstStyle/>
+          <a:p>
+            <a:pPr algn="ctr"/>
+            <a:endParaRPr lang="en-US" dirty="0"/>
+          </a:p>
+        </p:txBody>
+      </p:sp>
+      <p:sp>
+        <p:nvSpPr>
+          <p:cNvPr id="14" name="Rectangle 13">
+            <a:extLst>
+              <a:ext uri="{FF2B5EF4-FFF2-40B4-BE49-F238E27FC236}">
+                <a16:creationId xmlns:a16="http://schemas.microsoft.com/office/drawing/2014/main" id="{D07DD2DE-F619-49DD-B5E7-03A290FF4ED1}"/>
+              </a:ext>
+              <a:ext uri="{C183D7F6-B498-43B3-948B-1728B52AA6E4}">
+                <adec:decorative xmlns:adec="http://schemas.microsoft.com/office/drawing/2017/decorative" val="1"/>
+              </a:ext>
+            </a:extLst>
+          </p:cNvPr>
+          <p:cNvSpPr>
+            <a:spLocks noGrp="1" noRot="1" noChangeAspect="1" noMove="1" noResize="1" noEditPoints="1" noAdjustHandles="1" noChangeArrowheads="1" noChangeShapeType="1" noTextEdit="1"/>
+          </p:cNvSpPr>
+          <p:nvPr>
+            <p:extLst>
+              <p:ext uri="{386F3935-93C4-4BCD-93E2-E3B085C9AB24}">
+                <p16:designElem xmlns:p16="http://schemas.microsoft.com/office/powerpoint/2015/main" val="1"/>
+              </p:ext>
+            </p:extLst>
+          </p:nvPr>
+        </p:nvSpPr>
+        <p:spPr>
+          <a:xfrm rot="16200000">
+            <a:off x="-158495" y="2660473"/>
+            <a:ext cx="4355594" cy="4038603"/>
+          </a:xfrm>
+          <a:prstGeom prst="rect">
+            <a:avLst/>
+          </a:prstGeom>
+          <a:gradFill>
+            <a:gsLst>
+              <a:gs pos="0">
+                <a:schemeClr val="accent1">
+                  <a:alpha val="50000"/>
+                </a:schemeClr>
+              </a:gs>
+              <a:gs pos="100000">
+                <a:schemeClr val="accent1">
+                  <a:lumMod val="50000"/>
+                  <a:alpha val="0"/>
+                </a:schemeClr>
+              </a:gs>
+            </a:gsLst>
+            <a:lin ang="11400000" scaled="0"/>
+          </a:gradFill>
+          <a:ln>
+            <a:noFill/>
+          </a:ln>
+        </p:spPr>
+        <p:style>
+          <a:lnRef idx="2">
+            <a:schemeClr val="accent1">
+              <a:shade val="50000"/>
+            </a:schemeClr>
+          </a:lnRef>
+          <a:fillRef idx="1">
+            <a:schemeClr val="accent1"/>
+          </a:fillRef>
+          <a:effectRef idx="0">
+            <a:schemeClr val="accent1"/>
+          </a:effectRef>
+          <a:fontRef idx="minor">
+            <a:schemeClr val="lt1"/>
+          </a:fontRef>
+        </p:style>
+        <p:txBody>
+          <a:bodyPr rtlCol="0" anchor="ctr"/>
+          <a:lstStyle/>
+          <a:p>
+            <a:pPr algn="ctr"/>
+            <a:endParaRPr lang="en-US"/>
+          </a:p>
+        </p:txBody>
+      </p:sp>
+      <p:sp>
+        <p:nvSpPr>
+          <p:cNvPr id="16" name="Rectangle 15">
+            <a:extLst>
+              <a:ext uri="{FF2B5EF4-FFF2-40B4-BE49-F238E27FC236}">
+                <a16:creationId xmlns:a16="http://schemas.microsoft.com/office/drawing/2014/main" id="{85149191-5F60-4A28-AAFF-039F96B0F3EC}"/>
+              </a:ext>
+              <a:ext uri="{C183D7F6-B498-43B3-948B-1728B52AA6E4}">
+                <adec:decorative xmlns:adec="http://schemas.microsoft.com/office/drawing/2017/decorative" val="1"/>
+              </a:ext>
+            </a:extLst>
+          </p:cNvPr>
+          <p:cNvSpPr>
+            <a:spLocks noGrp="1" noRot="1" noChangeAspect="1" noMove="1" noResize="1" noEditPoints="1" noAdjustHandles="1" noChangeArrowheads="1" noChangeShapeType="1" noTextEdit="1"/>
+          </p:cNvSpPr>
+          <p:nvPr>
+            <p:extLst>
+              <p:ext uri="{386F3935-93C4-4BCD-93E2-E3B085C9AB24}">
+                <p16:designElem xmlns:p16="http://schemas.microsoft.com/office/powerpoint/2015/main" val="1"/>
+              </p:ext>
+            </p:extLst>
+          </p:nvPr>
+        </p:nvSpPr>
+        <p:spPr>
+          <a:xfrm rot="16200000" flipH="1">
+            <a:off x="-1180882" y="1638085"/>
+            <a:ext cx="6857572" cy="3581401"/>
+          </a:xfrm>
+          <a:prstGeom prst="rect">
+            <a:avLst/>
+          </a:prstGeom>
+          <a:gradFill>
+            <a:gsLst>
+              <a:gs pos="0">
+                <a:srgbClr val="000000">
+                  <a:alpha val="59000"/>
+                </a:srgbClr>
+              </a:gs>
+              <a:gs pos="69000">
+                <a:schemeClr val="accent1">
+                  <a:alpha val="0"/>
+                </a:schemeClr>
+              </a:gs>
+            </a:gsLst>
+            <a:lin ang="13200000" scaled="0"/>
+          </a:gradFill>
+          <a:ln>
+            <a:noFill/>
+          </a:ln>
+        </p:spPr>
+        <p:style>
+          <a:lnRef idx="2">
+            <a:schemeClr val="accent1">
+              <a:shade val="50000"/>
+            </a:schemeClr>
+          </a:lnRef>
+          <a:fillRef idx="1">
+            <a:schemeClr val="accent1"/>
+          </a:fillRef>
+          <a:effectRef idx="0">
+            <a:schemeClr val="accent1"/>
+          </a:effectRef>
+          <a:fontRef idx="minor">
+            <a:schemeClr val="lt1"/>
+          </a:fontRef>
+        </p:style>
+        <p:txBody>
+          <a:bodyPr rtlCol="0" anchor="ctr"/>
+          <a:lstStyle/>
+          <a:p>
+            <a:pPr algn="ctr"/>
+            <a:endParaRPr lang="en-US" dirty="0"/>
+          </a:p>
+        </p:txBody>
+      </p:sp>
+      <p:sp>
+        <p:nvSpPr>
+          <p:cNvPr id="18" name="Freeform: Shape 17">
+            <a:extLst>
+              <a:ext uri="{FF2B5EF4-FFF2-40B4-BE49-F238E27FC236}">
+                <a16:creationId xmlns:a16="http://schemas.microsoft.com/office/drawing/2014/main" id="{F8260ED5-17F7-4158-B241-D51DD4CF1B7E}"/>
+              </a:ext>
+              <a:ext uri="{C183D7F6-B498-43B3-948B-1728B52AA6E4}">
+                <adec:decorative xmlns:adec="http://schemas.microsoft.com/office/drawing/2017/decorative" val="1"/>
+              </a:ext>
+            </a:extLst>
+          </p:cNvPr>
+          <p:cNvSpPr>
+            <a:spLocks noGrp="1" noRot="1" noChangeAspect="1" noMove="1" noResize="1" noEditPoints="1" noAdjustHandles="1" noChangeArrowheads="1" noChangeShapeType="1" noTextEdit="1"/>
+          </p:cNvSpPr>
+          <p:nvPr>
+            <p:extLst>
+              <p:ext uri="{386F3935-93C4-4BCD-93E2-E3B085C9AB24}">
+                <p16:designElem xmlns:p16="http://schemas.microsoft.com/office/powerpoint/2015/main" val="1"/>
+              </p:ext>
+            </p:extLst>
+          </p:nvPr>
+        </p:nvSpPr>
+        <p:spPr>
+          <a:xfrm rot="6097846">
+            <a:off x="-747355" y="1201312"/>
+            <a:ext cx="4808302" cy="4088666"/>
+          </a:xfrm>
+          <a:custGeom>
+            <a:avLst/>
+            <a:gdLst>
+              <a:gd name="connsiteX0" fmla="*/ 48844 w 4808302"/>
+              <a:gd name="connsiteY0" fmla="*/ 2888671 h 4088666"/>
+              <a:gd name="connsiteX1" fmla="*/ 0 w 4808302"/>
+              <a:gd name="connsiteY1" fmla="*/ 2404151 h 4088666"/>
+              <a:gd name="connsiteX2" fmla="*/ 2404151 w 4808302"/>
+              <a:gd name="connsiteY2" fmla="*/ 0 h 4088666"/>
+              <a:gd name="connsiteX3" fmla="*/ 4808302 w 4808302"/>
+              <a:gd name="connsiteY3" fmla="*/ 2404151 h 4088666"/>
+              <a:gd name="connsiteX4" fmla="*/ 4700216 w 4808302"/>
+              <a:gd name="connsiteY4" fmla="*/ 3119072 h 4088666"/>
+              <a:gd name="connsiteX5" fmla="*/ 4643143 w 4808302"/>
+              <a:gd name="connsiteY5" fmla="*/ 3275009 h 4088666"/>
+              <a:gd name="connsiteX6" fmla="*/ 690093 w 4808302"/>
+              <a:gd name="connsiteY6" fmla="*/ 4088666 h 4088666"/>
+              <a:gd name="connsiteX7" fmla="*/ 548991 w 4808302"/>
+              <a:gd name="connsiteY7" fmla="*/ 3933414 h 4088666"/>
+              <a:gd name="connsiteX8" fmla="*/ 48844 w 4808302"/>
+              <a:gd name="connsiteY8" fmla="*/ 2888671 h 4088666"/>
+            </a:gdLst>
+            <a:ahLst/>
+            <a:cxnLst>
+              <a:cxn ang="0">
+                <a:pos x="connsiteX0" y="connsiteY0"/>
+              </a:cxn>
+              <a:cxn ang="0">
+                <a:pos x="connsiteX1" y="connsiteY1"/>
+              </a:cxn>
+              <a:cxn ang="0">
+                <a:pos x="connsiteX2" y="connsiteY2"/>
+              </a:cxn>
+              <a:cxn ang="0">
+                <a:pos x="connsiteX3" y="connsiteY3"/>
+              </a:cxn>
+              <a:cxn ang="0">
+                <a:pos x="connsiteX4" y="connsiteY4"/>
+              </a:cxn>
+              <a:cxn ang="0">
+                <a:pos x="connsiteX5" y="connsiteY5"/>
+              </a:cxn>
+              <a:cxn ang="0">
+                <a:pos x="connsiteX6" y="connsiteY6"/>
+              </a:cxn>
+              <a:cxn ang="0">
+                <a:pos x="connsiteX7" y="connsiteY7"/>
+              </a:cxn>
+              <a:cxn ang="0">
+                <a:pos x="connsiteX8" y="connsiteY8"/>
+              </a:cxn>
+            </a:cxnLst>
+            <a:rect l="l" t="t" r="r" b="b"/>
+            <a:pathLst>
+              <a:path w="4808302" h="4088666">
+                <a:moveTo>
+                  <a:pt x="48844" y="2888671"/>
+                </a:moveTo>
+                <a:cubicBezTo>
+                  <a:pt x="16818" y="2732167"/>
+                  <a:pt x="0" y="2570123"/>
+                  <a:pt x="0" y="2404151"/>
+                </a:cubicBezTo>
+                <a:cubicBezTo>
+                  <a:pt x="0" y="1076375"/>
+                  <a:pt x="1076375" y="0"/>
+                  <a:pt x="2404151" y="0"/>
+                </a:cubicBezTo>
+                <a:cubicBezTo>
+                  <a:pt x="3731927" y="0"/>
+                  <a:pt x="4808302" y="1076375"/>
+                  <a:pt x="4808302" y="2404151"/>
+                </a:cubicBezTo>
+                <a:cubicBezTo>
+                  <a:pt x="4808302" y="2653109"/>
+                  <a:pt x="4770461" y="2893229"/>
+                  <a:pt x="4700216" y="3119072"/>
+                </a:cubicBezTo>
+                <a:lnTo>
+                  <a:pt x="4643143" y="3275009"/>
+                </a:lnTo>
+                <a:lnTo>
+                  <a:pt x="690093" y="4088666"/>
+                </a:lnTo>
+                <a:lnTo>
+                  <a:pt x="548991" y="3933414"/>
+                </a:lnTo>
+                <a:cubicBezTo>
+                  <a:pt x="304015" y="3636572"/>
+                  <a:pt x="128908" y="3279932"/>
+                  <a:pt x="48844" y="2888671"/>
+                </a:cubicBezTo>
+                <a:close/>
+              </a:path>
+            </a:pathLst>
+          </a:custGeom>
+          <a:gradFill>
+            <a:gsLst>
+              <a:gs pos="39000">
+                <a:schemeClr val="accent1">
+                  <a:lumMod val="60000"/>
+                  <a:lumOff val="40000"/>
+                  <a:alpha val="0"/>
+                </a:schemeClr>
+              </a:gs>
+              <a:gs pos="100000">
+                <a:schemeClr val="accent1">
+                  <a:lumMod val="75000"/>
+                  <a:alpha val="26000"/>
+                </a:schemeClr>
+              </a:gs>
+            </a:gsLst>
+            <a:lin ang="18600000" scaled="0"/>
+          </a:gradFill>
+          <a:ln>
+            <a:noFill/>
+          </a:ln>
+        </p:spPr>
+        <p:style>
+          <a:lnRef idx="2">
+            <a:schemeClr val="accent1">
+              <a:shade val="50000"/>
+            </a:schemeClr>
+          </a:lnRef>
+          <a:fillRef idx="1">
+            <a:schemeClr val="accent1"/>
+          </a:fillRef>
+          <a:effectRef idx="0">
+            <a:schemeClr val="accent1"/>
+          </a:effectRef>
+          <a:fontRef idx="minor">
+            <a:schemeClr val="lt1"/>
+          </a:fontRef>
+        </p:style>
+        <p:txBody>
+          <a:bodyPr wrap="square" rtlCol="0" anchor="ctr">
+            <a:noAutofit/>
+          </a:bodyPr>
+          <a:lstStyle/>
+          <a:p>
+            <a:pPr algn="ctr"/>
+            <a:endParaRPr lang="en-US" dirty="0"/>
+          </a:p>
+        </p:txBody>
+      </p:sp>
+      <p:sp>
+        <p:nvSpPr>
+          <p:cNvPr id="2" name="Title 1">
+            <a:extLst>
+              <a:ext uri="{FF2B5EF4-FFF2-40B4-BE49-F238E27FC236}">
+                <a16:creationId xmlns:a16="http://schemas.microsoft.com/office/drawing/2014/main" id="{98B4BA46-19B2-4793-B84B-0DBBE8097665}"/>
+              </a:ext>
+            </a:extLst>
+          </p:cNvPr>
+          <p:cNvSpPr>
+            <a:spLocks noGrp="1"/>
+          </p:cNvSpPr>
+          <p:nvPr>
+            <p:ph type="title"/>
+          </p:nvPr>
+        </p:nvSpPr>
+        <p:spPr>
+          <a:xfrm>
+            <a:off x="660041" y="2767106"/>
+            <a:ext cx="2880828" cy="3071906"/>
+          </a:xfrm>
+        </p:spPr>
+        <p:txBody>
+          <a:bodyPr vert="horz" lIns="91440" tIns="45720" rIns="91440" bIns="45720" rtlCol="0" anchor="t">
+            <a:normAutofit/>
+          </a:bodyPr>
+          <a:lstStyle/>
+          <a:p>
+            <a:r>
+              <a:rPr lang="en-US" sz="3700" kern="1200" dirty="0">
+                <a:solidFill>
+                  <a:srgbClr val="FFFFFF"/>
+                </a:solidFill>
+                <a:latin typeface="+mj-lt"/>
+                <a:ea typeface="+mj-ea"/>
+                <a:cs typeface="+mj-cs"/>
+              </a:rPr>
+              <a:t>Performance of Models</a:t>
+            </a:r>
+          </a:p>
+        </p:txBody>
+      </p:sp>
+      <p:pic>
+        <p:nvPicPr>
+          <p:cNvPr id="5" name="Content Placeholder 4" descr="Chart, bar chart&#10;&#10;Description automatically generated">
+            <a:extLst>
+              <a:ext uri="{FF2B5EF4-FFF2-40B4-BE49-F238E27FC236}">
+                <a16:creationId xmlns:a16="http://schemas.microsoft.com/office/drawing/2014/main" id="{F2578D2C-4831-4173-9DD1-6CA20A15EF15}"/>
+              </a:ext>
+            </a:extLst>
+          </p:cNvPr>
+          <p:cNvPicPr>
+            <a:picLocks noGrp="1" noChangeAspect="1"/>
+          </p:cNvPicPr>
+          <p:nvPr>
+            <p:ph idx="1"/>
+          </p:nvPr>
+        </p:nvPicPr>
+        <p:blipFill>
+          <a:blip r:embed="rId3">
+            <a:extLst>
+              <a:ext uri="{28A0092B-C50C-407E-A947-70E740481C1C}">
+                <a14:useLocalDpi xmlns:a14="http://schemas.microsoft.com/office/drawing/2010/main" val="0"/>
+              </a:ext>
+            </a:extLst>
+          </a:blip>
+          <a:stretch>
+            <a:fillRect/>
+          </a:stretch>
+        </p:blipFill>
+        <p:spPr>
+          <a:xfrm>
+            <a:off x="4502427" y="927085"/>
+            <a:ext cx="7579325" cy="5248682"/>
+          </a:xfrm>
+          <a:prstGeom prst="rect">
+            <a:avLst/>
+          </a:prstGeom>
+        </p:spPr>
+      </p:pic>
+      <p:sp>
+        <p:nvSpPr>
+          <p:cNvPr id="8" name="TextBox 7">
+            <a:extLst>
+              <a:ext uri="{FF2B5EF4-FFF2-40B4-BE49-F238E27FC236}">
+                <a16:creationId xmlns:a16="http://schemas.microsoft.com/office/drawing/2014/main" id="{56EB6F52-B073-4153-A203-00893B590157}"/>
+              </a:ext>
+            </a:extLst>
+          </p:cNvPr>
+          <p:cNvSpPr txBox="1"/>
+          <p:nvPr/>
+        </p:nvSpPr>
+        <p:spPr>
+          <a:xfrm>
+            <a:off x="6241002" y="1438183"/>
+            <a:ext cx="758541" cy="369332"/>
+          </a:xfrm>
+          <a:prstGeom prst="rect">
+            <a:avLst/>
+          </a:prstGeom>
+          <a:noFill/>
+        </p:spPr>
+        <p:txBody>
+          <a:bodyPr wrap="none" rtlCol="0">
+            <a:spAutoFit/>
+          </a:bodyPr>
+          <a:lstStyle/>
+          <a:p>
+            <a:r>
+              <a:rPr lang="en-US" dirty="0"/>
+              <a:t>88.6%</a:t>
+            </a:r>
+          </a:p>
+        </p:txBody>
+      </p:sp>
+      <p:sp>
+        <p:nvSpPr>
+          <p:cNvPr id="11" name="TextBox 10">
+            <a:extLst>
+              <a:ext uri="{FF2B5EF4-FFF2-40B4-BE49-F238E27FC236}">
+                <a16:creationId xmlns:a16="http://schemas.microsoft.com/office/drawing/2014/main" id="{5C8291B7-A3F4-4D20-A6D1-D63EE4949556}"/>
+              </a:ext>
+            </a:extLst>
+          </p:cNvPr>
+          <p:cNvSpPr txBox="1"/>
+          <p:nvPr/>
+        </p:nvSpPr>
+        <p:spPr>
+          <a:xfrm>
+            <a:off x="7164280" y="2767106"/>
+            <a:ext cx="875561" cy="369332"/>
+          </a:xfrm>
+          <a:prstGeom prst="rect">
+            <a:avLst/>
+          </a:prstGeom>
+          <a:noFill/>
+        </p:spPr>
+        <p:txBody>
+          <a:bodyPr wrap="none" rtlCol="0">
+            <a:spAutoFit/>
+          </a:bodyPr>
+          <a:lstStyle/>
+          <a:p>
+            <a:r>
+              <a:rPr lang="en-US" dirty="0"/>
+              <a:t>50.72%</a:t>
+            </a:r>
+          </a:p>
+        </p:txBody>
+      </p:sp>
+      <p:sp>
+        <p:nvSpPr>
+          <p:cNvPr id="13" name="TextBox 12">
+            <a:extLst>
+              <a:ext uri="{FF2B5EF4-FFF2-40B4-BE49-F238E27FC236}">
+                <a16:creationId xmlns:a16="http://schemas.microsoft.com/office/drawing/2014/main" id="{8C7E6A09-4E6E-4F86-851D-C2DC455615E6}"/>
+              </a:ext>
+            </a:extLst>
+          </p:cNvPr>
+          <p:cNvSpPr txBox="1"/>
+          <p:nvPr/>
+        </p:nvSpPr>
+        <p:spPr>
+          <a:xfrm>
+            <a:off x="8229599" y="2028442"/>
+            <a:ext cx="875561" cy="369332"/>
+          </a:xfrm>
+          <a:prstGeom prst="rect">
+            <a:avLst/>
+          </a:prstGeom>
+          <a:noFill/>
+        </p:spPr>
+        <p:txBody>
+          <a:bodyPr wrap="none" rtlCol="0">
+            <a:spAutoFit/>
+          </a:bodyPr>
+          <a:lstStyle/>
+          <a:p>
+            <a:r>
+              <a:rPr lang="en-US" dirty="0"/>
+              <a:t>71.79%</a:t>
+            </a:r>
+          </a:p>
+        </p:txBody>
+      </p:sp>
+      <p:sp>
+        <p:nvSpPr>
+          <p:cNvPr id="15" name="TextBox 14">
+            <a:extLst>
+              <a:ext uri="{FF2B5EF4-FFF2-40B4-BE49-F238E27FC236}">
+                <a16:creationId xmlns:a16="http://schemas.microsoft.com/office/drawing/2014/main" id="{4EA0DF51-1853-4D0F-BBF2-F3B6B8076626}"/>
+              </a:ext>
+            </a:extLst>
+          </p:cNvPr>
+          <p:cNvSpPr txBox="1"/>
+          <p:nvPr/>
+        </p:nvSpPr>
+        <p:spPr>
+          <a:xfrm>
+            <a:off x="9260997" y="2767106"/>
+            <a:ext cx="875561" cy="369332"/>
+          </a:xfrm>
+          <a:prstGeom prst="rect">
+            <a:avLst/>
+          </a:prstGeom>
+          <a:noFill/>
+        </p:spPr>
+        <p:txBody>
+          <a:bodyPr wrap="none" rtlCol="0">
+            <a:spAutoFit/>
+          </a:bodyPr>
+          <a:lstStyle/>
+          <a:p>
+            <a:r>
+              <a:rPr lang="en-US" dirty="0"/>
+              <a:t>52.17%</a:t>
+            </a:r>
+          </a:p>
+        </p:txBody>
+      </p:sp>
+      <p:sp>
+        <p:nvSpPr>
+          <p:cNvPr id="17" name="TextBox 16">
+            <a:extLst>
+              <a:ext uri="{FF2B5EF4-FFF2-40B4-BE49-F238E27FC236}">
+                <a16:creationId xmlns:a16="http://schemas.microsoft.com/office/drawing/2014/main" id="{56D6F329-3D4A-47E3-B319-A892D41233B3}"/>
+              </a:ext>
+            </a:extLst>
+          </p:cNvPr>
+          <p:cNvSpPr txBox="1"/>
+          <p:nvPr/>
+        </p:nvSpPr>
+        <p:spPr>
+          <a:xfrm>
+            <a:off x="10315852" y="2397774"/>
+            <a:ext cx="875561" cy="369332"/>
+          </a:xfrm>
+          <a:prstGeom prst="rect">
+            <a:avLst/>
+          </a:prstGeom>
+          <a:noFill/>
+        </p:spPr>
+        <p:txBody>
+          <a:bodyPr wrap="none" rtlCol="0">
+            <a:spAutoFit/>
+          </a:bodyPr>
+          <a:lstStyle/>
+          <a:p>
+            <a:r>
+              <a:rPr lang="en-US" dirty="0"/>
+              <a:t>60.87%</a:t>
+            </a:r>
+          </a:p>
+        </p:txBody>
+      </p:sp>
+    </p:spTree>
+    <p:extLst>
+      <p:ext uri="{BB962C8B-B14F-4D97-AF65-F5344CB8AC3E}">
+        <p14:creationId xmlns:p14="http://schemas.microsoft.com/office/powerpoint/2010/main" val="1604795269"/>
+      </p:ext>
+    </p:extLst>
+  </p:cSld>
+  <p:clrMapOvr>
+    <a:masterClrMapping/>
+  </p:clrMapOvr>
+</p:sld>
+</file>
+
+<file path=ppt/slides/slide5.xml><?xml version="1.0" encoding="utf-8"?>
+<p:sld xmlns:a="http://schemas.openxmlformats.org/drawingml/2006/main" xmlns:r="http://schemas.openxmlformats.org/officeDocument/2006/relationships" xmlns:p="http://schemas.openxmlformats.org/presentationml/2006/main">
+  <p:cSld>
+    <p:bg>
+      <p:bgPr>
+        <a:solidFill>
+          <a:schemeClr val="bg1"/>
+        </a:solidFill>
+        <a:effectLst/>
+      </p:bgPr>
+    </p:bg>
+    <p:spTree>
+      <p:nvGrpSpPr>
+        <p:cNvPr id="1" name=""/>
+        <p:cNvGrpSpPr/>
+        <p:nvPr/>
+      </p:nvGrpSpPr>
+      <p:grpSpPr>
+        <a:xfrm>
+          <a:off x="0" y="0"/>
+          <a:ext cx="0" cy="0"/>
+          <a:chOff x="0" y="0"/>
+          <a:chExt cx="0" cy="0"/>
+        </a:xfrm>
+      </p:grpSpPr>
+      <p:sp>
+        <p:nvSpPr>
+          <p:cNvPr id="29" name="Rectangle 12">
+            <a:extLst>
+              <a:ext uri="{FF2B5EF4-FFF2-40B4-BE49-F238E27FC236}">
+                <a16:creationId xmlns:a16="http://schemas.microsoft.com/office/drawing/2014/main" id="{CEB41C5C-0F34-4DDA-9D7C-5E717F35F60C}"/>
               </a:ext>
               <a:ext uri="{C183D7F6-B498-43B3-948B-1728B52AA6E4}">
                 <adec:decorative xmlns:adec="http://schemas.microsoft.com/office/drawing/2017/decorative" val="1"/>
@@ -8056,19 +13037,1213 @@
         </p:nvSpPr>
         <p:spPr bwMode="ltGray">
           <a:xfrm>
-            <a:off x="378068" y="343486"/>
-            <a:ext cx="11438793" cy="1844256"/>
+            <a:off x="336384" y="303591"/>
+            <a:ext cx="4334256" cy="5896743"/>
           </a:xfrm>
           <a:prstGeom prst="rect">
             <a:avLst/>
           </a:prstGeom>
           <a:solidFill>
-            <a:srgbClr val="404040"/>
+            <a:schemeClr val="tx1">
+              <a:lumMod val="75000"/>
+              <a:lumOff val="25000"/>
+            </a:schemeClr>
           </a:solidFill>
           <a:ln w="127000" cap="sq" cmpd="thinThick">
             <a:solidFill>
-              <a:srgbClr val="404040"/>
+              <a:schemeClr val="tx1">
+                <a:lumMod val="75000"/>
+                <a:lumOff val="25000"/>
+              </a:schemeClr>
             </a:solidFill>
+          </a:ln>
+        </p:spPr>
+        <p:style>
+          <a:lnRef idx="2">
+            <a:schemeClr val="accent1">
+              <a:shade val="50000"/>
+            </a:schemeClr>
+          </a:lnRef>
+          <a:fillRef idx="1">
+            <a:schemeClr val="accent1"/>
+          </a:fillRef>
+          <a:effectRef idx="0">
+            <a:schemeClr val="accent1"/>
+          </a:effectRef>
+          <a:fontRef idx="minor">
+            <a:schemeClr val="lt1"/>
+          </a:fontRef>
+        </p:style>
+        <p:txBody>
+          <a:bodyPr rtlCol="0" anchor="ctr"/>
+          <a:lstStyle/>
+          <a:p>
+            <a:pPr algn="ctr"/>
+            <a:endParaRPr lang="en-US"/>
+          </a:p>
+        </p:txBody>
+      </p:sp>
+      <p:sp>
+        <p:nvSpPr>
+          <p:cNvPr id="2" name="Title 1">
+            <a:extLst>
+              <a:ext uri="{FF2B5EF4-FFF2-40B4-BE49-F238E27FC236}">
+                <a16:creationId xmlns:a16="http://schemas.microsoft.com/office/drawing/2014/main" id="{5F09DB54-2C37-4BF3-9A4E-C2662FE04F9B}"/>
+              </a:ext>
+            </a:extLst>
+          </p:cNvPr>
+          <p:cNvSpPr>
+            <a:spLocks noGrp="1"/>
+          </p:cNvSpPr>
+          <p:nvPr>
+            <p:ph type="title"/>
+          </p:nvPr>
+        </p:nvSpPr>
+        <p:spPr>
+          <a:xfrm>
+            <a:off x="594360" y="640263"/>
+            <a:ext cx="3822192" cy="1344975"/>
+          </a:xfrm>
+        </p:spPr>
+        <p:txBody>
+          <a:bodyPr vert="horz" lIns="91440" tIns="45720" rIns="91440" bIns="45720" rtlCol="0" anchor="ctr">
+            <a:normAutofit/>
+          </a:bodyPr>
+          <a:lstStyle/>
+          <a:p>
+            <a:r>
+              <a:rPr lang="en-US" sz="2500" kern="1200" dirty="0">
+                <a:solidFill>
+                  <a:schemeClr val="bg1"/>
+                </a:solidFill>
+                <a:latin typeface="+mj-lt"/>
+                <a:ea typeface="+mj-ea"/>
+                <a:cs typeface="+mj-cs"/>
+              </a:rPr>
+              <a:t>Comparing models with different corpus but same embedding sizes</a:t>
+            </a:r>
+          </a:p>
+        </p:txBody>
+      </p:sp>
+      <p:cxnSp>
+        <p:nvCxnSpPr>
+          <p:cNvPr id="30" name="Straight Connector 14">
+            <a:extLst>
+              <a:ext uri="{FF2B5EF4-FFF2-40B4-BE49-F238E27FC236}">
+                <a16:creationId xmlns:a16="http://schemas.microsoft.com/office/drawing/2014/main" id="{57E1E5E6-F385-4E9C-B201-BA5BDE5CAD52}"/>
+              </a:ext>
+              <a:ext uri="{C183D7F6-B498-43B3-948B-1728B52AA6E4}">
+                <adec:decorative xmlns:adec="http://schemas.microsoft.com/office/drawing/2017/decorative" val="1"/>
+              </a:ext>
+            </a:extLst>
+          </p:cNvPr>
+          <p:cNvCxnSpPr>
+            <a:cxnSpLocks noGrp="1" noRot="1" noChangeAspect="1" noMove="1" noResize="1" noEditPoints="1" noAdjustHandles="1" noChangeArrowheads="1" noChangeShapeType="1"/>
+          </p:cNvCxnSpPr>
+          <p:nvPr>
+            <p:extLst>
+              <p:ext uri="{386F3935-93C4-4BCD-93E2-E3B085C9AB24}">
+                <p16:designElem xmlns:p16="http://schemas.microsoft.com/office/powerpoint/2015/main" val="1"/>
+              </p:ext>
+            </p:extLst>
+          </p:nvPr>
+        </p:nvCxnSpPr>
+        <p:spPr>
+          <a:xfrm>
+            <a:off x="704088" y="2050687"/>
+            <a:ext cx="3685032" cy="0"/>
+          </a:xfrm>
+          <a:prstGeom prst="line">
+            <a:avLst/>
+          </a:prstGeom>
+          <a:ln w="22225">
+            <a:solidFill>
+              <a:srgbClr val="E7E6E6"/>
+            </a:solidFill>
+          </a:ln>
+        </p:spPr>
+        <p:style>
+          <a:lnRef idx="1">
+            <a:schemeClr val="accent1"/>
+          </a:lnRef>
+          <a:fillRef idx="0">
+            <a:schemeClr val="accent1"/>
+          </a:fillRef>
+          <a:effectRef idx="0">
+            <a:schemeClr val="accent1"/>
+          </a:effectRef>
+          <a:fontRef idx="minor">
+            <a:schemeClr val="tx1"/>
+          </a:fontRef>
+        </p:style>
+      </p:cxnSp>
+      <p:sp>
+        <p:nvSpPr>
+          <p:cNvPr id="5" name="Content Placeholder 4">
+            <a:extLst>
+              <a:ext uri="{FF2B5EF4-FFF2-40B4-BE49-F238E27FC236}">
+                <a16:creationId xmlns:a16="http://schemas.microsoft.com/office/drawing/2014/main" id="{D266B5A1-6AED-4E95-AB3C-90C7F308FEB3}"/>
+              </a:ext>
+            </a:extLst>
+          </p:cNvPr>
+          <p:cNvSpPr>
+            <a:spLocks noGrp="1"/>
+          </p:cNvSpPr>
+          <p:nvPr>
+            <p:ph sz="half" idx="2"/>
+          </p:nvPr>
+        </p:nvSpPr>
+        <p:spPr>
+          <a:xfrm>
+            <a:off x="593610" y="2121763"/>
+            <a:ext cx="3822192" cy="3773010"/>
+          </a:xfrm>
+        </p:spPr>
+        <p:txBody>
+          <a:bodyPr vert="horz" lIns="91440" tIns="45720" rIns="91440" bIns="45720" rtlCol="0">
+            <a:normAutofit fontScale="92500" lnSpcReduction="10000"/>
+          </a:bodyPr>
+          <a:lstStyle/>
+          <a:p>
+            <a:pPr marL="0" indent="0">
+              <a:buNone/>
+            </a:pPr>
+            <a:r>
+              <a:rPr lang="en-US" sz="2000" dirty="0">
+                <a:solidFill>
+                  <a:schemeClr val="bg1"/>
+                </a:solidFill>
+              </a:rPr>
+              <a:t>Comparison between glove-twitter-50 and glove-wiki-gigaword-50</a:t>
+            </a:r>
+          </a:p>
+          <a:p>
+            <a:pPr marL="0"/>
+            <a:endParaRPr lang="en-US" sz="2000" dirty="0">
+              <a:solidFill>
+                <a:schemeClr val="bg1"/>
+              </a:solidFill>
+            </a:endParaRPr>
+          </a:p>
+          <a:p>
+            <a:r>
+              <a:rPr lang="en-US" sz="2000" dirty="0">
+                <a:solidFill>
+                  <a:schemeClr val="bg1"/>
+                </a:solidFill>
+              </a:rPr>
+              <a:t>As the analysis shows, models with certain corpora perform better than other corpora. In this case, the wiki-gigaword-50 has significantly higher accuracy than the glove-twitter-50.</a:t>
+            </a:r>
+          </a:p>
+          <a:p>
+            <a:pPr marL="0" indent="0">
+              <a:buNone/>
+            </a:pPr>
+            <a:endParaRPr lang="en-US" sz="2000" dirty="0">
+              <a:solidFill>
+                <a:schemeClr val="bg1"/>
+              </a:solidFill>
+            </a:endParaRPr>
+          </a:p>
+          <a:p>
+            <a:r>
+              <a:rPr lang="en-US" sz="2000" dirty="0">
+                <a:solidFill>
+                  <a:schemeClr val="bg1"/>
+                </a:solidFill>
+              </a:rPr>
+              <a:t>Wiki-gigaword-50 has a higher number of questions without guessing compared to twitter-50.</a:t>
+            </a:r>
+          </a:p>
+          <a:p>
+            <a:endParaRPr lang="en-US" sz="2000" dirty="0">
+              <a:solidFill>
+                <a:schemeClr val="bg1"/>
+              </a:solidFill>
+            </a:endParaRPr>
+          </a:p>
+          <a:p>
+            <a:endParaRPr lang="en-US" sz="2000" dirty="0">
+              <a:solidFill>
+                <a:schemeClr val="bg1"/>
+              </a:solidFill>
+            </a:endParaRPr>
+          </a:p>
+        </p:txBody>
+      </p:sp>
+      <p:graphicFrame>
+        <p:nvGraphicFramePr>
+          <p:cNvPr id="8" name="Table 8">
+            <a:extLst>
+              <a:ext uri="{FF2B5EF4-FFF2-40B4-BE49-F238E27FC236}">
+                <a16:creationId xmlns:a16="http://schemas.microsoft.com/office/drawing/2014/main" id="{10D8E555-ACBD-48DD-9E0F-1B94D40506A6}"/>
+              </a:ext>
+            </a:extLst>
+          </p:cNvPr>
+          <p:cNvGraphicFramePr>
+            <a:graphicFrameLocks noGrp="1"/>
+          </p:cNvGraphicFramePr>
+          <p:nvPr>
+            <p:ph sz="half" idx="1"/>
+            <p:extLst>
+              <p:ext uri="{D42A27DB-BD31-4B8C-83A1-F6EECF244321}">
+                <p14:modId xmlns:p14="http://schemas.microsoft.com/office/powerpoint/2010/main" val="1521373969"/>
+              </p:ext>
+            </p:extLst>
+          </p:nvPr>
+        </p:nvGraphicFramePr>
+        <p:xfrm>
+          <a:off x="5110716" y="1608193"/>
+          <a:ext cx="6900771" cy="3486165"/>
+        </p:xfrm>
+        <a:graphic>
+          <a:graphicData uri="http://schemas.openxmlformats.org/drawingml/2006/table">
+            <a:tbl>
+              <a:tblPr firstRow="1" bandRow="1">
+                <a:tableStyleId>{5C22544A-7EE6-4342-B048-85BDC9FD1C3A}</a:tableStyleId>
+              </a:tblPr>
+              <a:tblGrid>
+                <a:gridCol w="1733967">
+                  <a:extLst>
+                    <a:ext uri="{9D8B030D-6E8A-4147-A177-3AD203B41FA5}">
+                      <a16:colId xmlns:a16="http://schemas.microsoft.com/office/drawing/2014/main" val="3824493777"/>
+                    </a:ext>
+                  </a:extLst>
+                </a:gridCol>
+                <a:gridCol w="1606859">
+                  <a:extLst>
+                    <a:ext uri="{9D8B030D-6E8A-4147-A177-3AD203B41FA5}">
+                      <a16:colId xmlns:a16="http://schemas.microsoft.com/office/drawing/2014/main" val="1228774754"/>
+                    </a:ext>
+                  </a:extLst>
+                </a:gridCol>
+                <a:gridCol w="1677879">
+                  <a:extLst>
+                    <a:ext uri="{9D8B030D-6E8A-4147-A177-3AD203B41FA5}">
+                      <a16:colId xmlns:a16="http://schemas.microsoft.com/office/drawing/2014/main" val="2030866384"/>
+                    </a:ext>
+                  </a:extLst>
+                </a:gridCol>
+                <a:gridCol w="1882066">
+                  <a:extLst>
+                    <a:ext uri="{9D8B030D-6E8A-4147-A177-3AD203B41FA5}">
+                      <a16:colId xmlns:a16="http://schemas.microsoft.com/office/drawing/2014/main" val="3975034856"/>
+                    </a:ext>
+                  </a:extLst>
+                </a:gridCol>
+              </a:tblGrid>
+              <a:tr h="914809">
+                <a:tc>
+                  <a:txBody>
+                    <a:bodyPr/>
+                    <a:lstStyle/>
+                    <a:p>
+                      <a:pPr algn="ctr"/>
+                      <a:r>
+                        <a:rPr lang="en-US" sz="2400"/>
+                        <a:t>Model</a:t>
+                      </a:r>
+                    </a:p>
+                  </a:txBody>
+                  <a:tcPr marL="123623" marR="123623" marT="61811" marB="61811"/>
+                </a:tc>
+                <a:tc>
+                  <a:txBody>
+                    <a:bodyPr/>
+                    <a:lstStyle/>
+                    <a:p>
+                      <a:pPr algn="ctr"/>
+                      <a:r>
+                        <a:rPr lang="en-US" sz="2400"/>
+                        <a:t>Correct Labels</a:t>
+                      </a:r>
+                    </a:p>
+                  </a:txBody>
+                  <a:tcPr marL="123623" marR="123623" marT="61811" marB="61811"/>
+                </a:tc>
+                <a:tc>
+                  <a:txBody>
+                    <a:bodyPr/>
+                    <a:lstStyle/>
+                    <a:p>
+                      <a:pPr algn="ctr"/>
+                      <a:r>
+                        <a:rPr lang="en-US" sz="2400"/>
+                        <a:t>Without guessing</a:t>
+                      </a:r>
+                    </a:p>
+                  </a:txBody>
+                  <a:tcPr marL="123623" marR="123623" marT="61811" marB="61811"/>
+                </a:tc>
+                <a:tc>
+                  <a:txBody>
+                    <a:bodyPr/>
+                    <a:lstStyle/>
+                    <a:p>
+                      <a:pPr algn="ctr"/>
+                      <a:r>
+                        <a:rPr lang="en-US" sz="2400"/>
+                        <a:t>Accuracy</a:t>
+                      </a:r>
+                    </a:p>
+                  </a:txBody>
+                  <a:tcPr marL="123623" marR="123623" marT="61811" marB="61811"/>
+                </a:tc>
+                <a:extLst>
+                  <a:ext uri="{0D108BD9-81ED-4DB2-BD59-A6C34878D82A}">
+                    <a16:rowId xmlns:a16="http://schemas.microsoft.com/office/drawing/2014/main" val="2078324400"/>
+                  </a:ext>
+                </a:extLst>
+              </a:tr>
+              <a:tr h="1285678">
+                <a:tc>
+                  <a:txBody>
+                    <a:bodyPr/>
+                    <a:lstStyle/>
+                    <a:p>
+                      <a:pPr marL="0" marR="0" lvl="0" indent="0" algn="ctr" defTabSz="914400" rtl="0" eaLnBrk="1" fontAlgn="auto" latinLnBrk="0" hangingPunct="1">
+                        <a:lnSpc>
+                          <a:spcPct val="100000"/>
+                        </a:lnSpc>
+                        <a:spcBef>
+                          <a:spcPts val="0"/>
+                        </a:spcBef>
+                        <a:spcAft>
+                          <a:spcPts val="0"/>
+                        </a:spcAft>
+                        <a:buClrTx/>
+                        <a:buSzTx/>
+                        <a:buFontTx/>
+                        <a:buNone/>
+                        <a:tabLst/>
+                        <a:defRPr/>
+                      </a:pPr>
+                      <a:r>
+                        <a:rPr lang="en-US" sz="2400" dirty="0"/>
+                        <a:t>glove-twitter-50</a:t>
+                      </a:r>
+                    </a:p>
+                  </a:txBody>
+                  <a:tcPr marL="123623" marR="123623" marT="61811" marB="61811"/>
+                </a:tc>
+                <a:tc>
+                  <a:txBody>
+                    <a:bodyPr/>
+                    <a:lstStyle/>
+                    <a:p>
+                      <a:pPr algn="ctr"/>
+                      <a:r>
+                        <a:rPr lang="en-US" sz="2400" dirty="0"/>
+                        <a:t>35</a:t>
+                      </a:r>
+                    </a:p>
+                  </a:txBody>
+                  <a:tcPr marL="123623" marR="123623" marT="61811" marB="61811"/>
+                </a:tc>
+                <a:tc>
+                  <a:txBody>
+                    <a:bodyPr/>
+                    <a:lstStyle/>
+                    <a:p>
+                      <a:pPr algn="ctr"/>
+                      <a:r>
+                        <a:rPr lang="en-US" sz="2400"/>
+                        <a:t>69</a:t>
+                      </a:r>
+                    </a:p>
+                  </a:txBody>
+                  <a:tcPr marL="123623" marR="123623" marT="61811" marB="61811"/>
+                </a:tc>
+                <a:tc>
+                  <a:txBody>
+                    <a:bodyPr/>
+                    <a:lstStyle/>
+                    <a:p>
+                      <a:pPr marL="0" marR="0" lvl="0" indent="0" algn="l" defTabSz="914400" rtl="0" eaLnBrk="1" fontAlgn="auto" latinLnBrk="0" hangingPunct="1">
+                        <a:lnSpc>
+                          <a:spcPct val="100000"/>
+                        </a:lnSpc>
+                        <a:spcBef>
+                          <a:spcPts val="0"/>
+                        </a:spcBef>
+                        <a:spcAft>
+                          <a:spcPts val="0"/>
+                        </a:spcAft>
+                        <a:buClrTx/>
+                        <a:buSzTx/>
+                        <a:buFontTx/>
+                        <a:buNone/>
+                        <a:tabLst/>
+                        <a:defRPr/>
+                      </a:pPr>
+                      <a:r>
+                        <a:rPr lang="en-US" sz="2400" b="0" i="0" kern="1200" dirty="0">
+                          <a:solidFill>
+                            <a:schemeClr val="dk1"/>
+                          </a:solidFill>
+                          <a:effectLst/>
+                          <a:latin typeface="+mn-lt"/>
+                          <a:ea typeface="+mn-ea"/>
+                          <a:cs typeface="+mn-cs"/>
+                        </a:rPr>
+                        <a:t>0.507246377</a:t>
+                      </a:r>
+                      <a:endParaRPr lang="en-US" sz="2400" b="0" dirty="0"/>
+                    </a:p>
+                  </a:txBody>
+                  <a:tcPr marL="123623" marR="123623" marT="61811" marB="61811"/>
+                </a:tc>
+                <a:extLst>
+                  <a:ext uri="{0D108BD9-81ED-4DB2-BD59-A6C34878D82A}">
+                    <a16:rowId xmlns:a16="http://schemas.microsoft.com/office/drawing/2014/main" val="1291809391"/>
+                  </a:ext>
+                </a:extLst>
+              </a:tr>
+              <a:tr h="1285678">
+                <a:tc>
+                  <a:txBody>
+                    <a:bodyPr/>
+                    <a:lstStyle/>
+                    <a:p>
+                      <a:pPr marL="0" marR="0" lvl="0" indent="0" algn="ctr" defTabSz="914400" rtl="0" eaLnBrk="1" fontAlgn="auto" latinLnBrk="0" hangingPunct="1">
+                        <a:lnSpc>
+                          <a:spcPct val="100000"/>
+                        </a:lnSpc>
+                        <a:spcBef>
+                          <a:spcPts val="0"/>
+                        </a:spcBef>
+                        <a:spcAft>
+                          <a:spcPts val="0"/>
+                        </a:spcAft>
+                        <a:buClrTx/>
+                        <a:buSzTx/>
+                        <a:buFontTx/>
+                        <a:buNone/>
+                        <a:tabLst/>
+                        <a:defRPr/>
+                      </a:pPr>
+                      <a:r>
+                        <a:rPr lang="en-US" sz="2400" dirty="0"/>
+                        <a:t>glove-wiki-gigaword-50</a:t>
+                      </a:r>
+                    </a:p>
+                  </a:txBody>
+                  <a:tcPr marL="123623" marR="123623" marT="61811" marB="61811"/>
+                </a:tc>
+                <a:tc>
+                  <a:txBody>
+                    <a:bodyPr/>
+                    <a:lstStyle/>
+                    <a:p>
+                      <a:pPr algn="ctr"/>
+                      <a:r>
+                        <a:rPr lang="en-US" sz="2400" dirty="0"/>
+                        <a:t>56</a:t>
+                      </a:r>
+                    </a:p>
+                  </a:txBody>
+                  <a:tcPr marL="123623" marR="123623" marT="61811" marB="61811"/>
+                </a:tc>
+                <a:tc>
+                  <a:txBody>
+                    <a:bodyPr/>
+                    <a:lstStyle/>
+                    <a:p>
+                      <a:pPr algn="ctr"/>
+                      <a:r>
+                        <a:rPr lang="en-US" sz="2400" dirty="0"/>
+                        <a:t>78</a:t>
+                      </a:r>
+                    </a:p>
+                  </a:txBody>
+                  <a:tcPr marL="123623" marR="123623" marT="61811" marB="61811"/>
+                </a:tc>
+                <a:tc>
+                  <a:txBody>
+                    <a:bodyPr/>
+                    <a:lstStyle/>
+                    <a:p>
+                      <a:pPr marL="0" marR="0" lvl="0" indent="0" algn="l" defTabSz="914400" rtl="0" eaLnBrk="1" fontAlgn="auto" latinLnBrk="0" hangingPunct="1">
+                        <a:lnSpc>
+                          <a:spcPct val="100000"/>
+                        </a:lnSpc>
+                        <a:spcBef>
+                          <a:spcPts val="0"/>
+                        </a:spcBef>
+                        <a:spcAft>
+                          <a:spcPts val="0"/>
+                        </a:spcAft>
+                        <a:buClrTx/>
+                        <a:buSzTx/>
+                        <a:buFontTx/>
+                        <a:buNone/>
+                        <a:tabLst/>
+                        <a:defRPr/>
+                      </a:pPr>
+                      <a:r>
+                        <a:rPr lang="en-US" sz="2400" b="0" i="0" kern="1200" dirty="0">
+                          <a:solidFill>
+                            <a:schemeClr val="dk1"/>
+                          </a:solidFill>
+                          <a:effectLst/>
+                          <a:latin typeface="+mn-lt"/>
+                          <a:ea typeface="+mn-ea"/>
+                          <a:cs typeface="+mn-cs"/>
+                        </a:rPr>
+                        <a:t>0.717948718</a:t>
+                      </a:r>
+                      <a:endParaRPr lang="en-US" sz="2400" b="0" dirty="0"/>
+                    </a:p>
+                  </a:txBody>
+                  <a:tcPr marL="123623" marR="123623" marT="61811" marB="61811"/>
+                </a:tc>
+                <a:extLst>
+                  <a:ext uri="{0D108BD9-81ED-4DB2-BD59-A6C34878D82A}">
+                    <a16:rowId xmlns:a16="http://schemas.microsoft.com/office/drawing/2014/main" val="689834859"/>
+                  </a:ext>
+                </a:extLst>
+              </a:tr>
+            </a:tbl>
+          </a:graphicData>
+        </a:graphic>
+      </p:graphicFrame>
+    </p:spTree>
+    <p:extLst>
+      <p:ext uri="{BB962C8B-B14F-4D97-AF65-F5344CB8AC3E}">
+        <p14:creationId xmlns:p14="http://schemas.microsoft.com/office/powerpoint/2010/main" val="131414236"/>
+      </p:ext>
+    </p:extLst>
+  </p:cSld>
+  <p:clrMapOvr>
+    <a:masterClrMapping/>
+  </p:clrMapOvr>
+</p:sld>
+</file>
+
+<file path=ppt/slides/slide6.xml><?xml version="1.0" encoding="utf-8"?>
+<p:sld xmlns:a="http://schemas.openxmlformats.org/drawingml/2006/main" xmlns:r="http://schemas.openxmlformats.org/officeDocument/2006/relationships" xmlns:p="http://schemas.openxmlformats.org/presentationml/2006/main">
+  <p:cSld>
+    <p:bg>
+      <p:bgPr>
+        <a:solidFill>
+          <a:schemeClr val="bg1"/>
+        </a:solidFill>
+        <a:effectLst/>
+      </p:bgPr>
+    </p:bg>
+    <p:spTree>
+      <p:nvGrpSpPr>
+        <p:cNvPr id="1" name=""/>
+        <p:cNvGrpSpPr/>
+        <p:nvPr/>
+      </p:nvGrpSpPr>
+      <p:grpSpPr>
+        <a:xfrm>
+          <a:off x="0" y="0"/>
+          <a:ext cx="0" cy="0"/>
+          <a:chOff x="0" y="0"/>
+          <a:chExt cx="0" cy="0"/>
+        </a:xfrm>
+      </p:grpSpPr>
+      <p:sp>
+        <p:nvSpPr>
+          <p:cNvPr id="29" name="Rectangle 12">
+            <a:extLst>
+              <a:ext uri="{FF2B5EF4-FFF2-40B4-BE49-F238E27FC236}">
+                <a16:creationId xmlns:a16="http://schemas.microsoft.com/office/drawing/2014/main" id="{CEB41C5C-0F34-4DDA-9D7C-5E717F35F60C}"/>
+              </a:ext>
+              <a:ext uri="{C183D7F6-B498-43B3-948B-1728B52AA6E4}">
+                <adec:decorative xmlns:adec="http://schemas.microsoft.com/office/drawing/2017/decorative" val="1"/>
+              </a:ext>
+            </a:extLst>
+          </p:cNvPr>
+          <p:cNvSpPr>
+            <a:spLocks noGrp="1" noRot="1" noChangeAspect="1" noMove="1" noResize="1" noEditPoints="1" noAdjustHandles="1" noChangeArrowheads="1" noChangeShapeType="1" noTextEdit="1"/>
+          </p:cNvSpPr>
+          <p:nvPr>
+            <p:extLst>
+              <p:ext uri="{386F3935-93C4-4BCD-93E2-E3B085C9AB24}">
+                <p16:designElem xmlns:p16="http://schemas.microsoft.com/office/powerpoint/2015/main" val="1"/>
+              </p:ext>
+            </p:extLst>
+          </p:nvPr>
+        </p:nvSpPr>
+        <p:spPr bwMode="ltGray">
+          <a:xfrm>
+            <a:off x="336384" y="303591"/>
+            <a:ext cx="4334256" cy="5896743"/>
+          </a:xfrm>
+          <a:prstGeom prst="rect">
+            <a:avLst/>
+          </a:prstGeom>
+          <a:solidFill>
+            <a:schemeClr val="tx1">
+              <a:lumMod val="75000"/>
+              <a:lumOff val="25000"/>
+            </a:schemeClr>
+          </a:solidFill>
+          <a:ln w="127000" cap="sq" cmpd="thinThick">
+            <a:solidFill>
+              <a:schemeClr val="tx1">
+                <a:lumMod val="75000"/>
+                <a:lumOff val="25000"/>
+              </a:schemeClr>
+            </a:solidFill>
+          </a:ln>
+        </p:spPr>
+        <p:style>
+          <a:lnRef idx="2">
+            <a:schemeClr val="accent1">
+              <a:shade val="50000"/>
+            </a:schemeClr>
+          </a:lnRef>
+          <a:fillRef idx="1">
+            <a:schemeClr val="accent1"/>
+          </a:fillRef>
+          <a:effectRef idx="0">
+            <a:schemeClr val="accent1"/>
+          </a:effectRef>
+          <a:fontRef idx="minor">
+            <a:schemeClr val="lt1"/>
+          </a:fontRef>
+        </p:style>
+        <p:txBody>
+          <a:bodyPr rtlCol="0" anchor="ctr"/>
+          <a:lstStyle/>
+          <a:p>
+            <a:pPr algn="ctr"/>
+            <a:endParaRPr lang="en-US"/>
+          </a:p>
+        </p:txBody>
+      </p:sp>
+      <p:sp>
+        <p:nvSpPr>
+          <p:cNvPr id="2" name="Title 1">
+            <a:extLst>
+              <a:ext uri="{FF2B5EF4-FFF2-40B4-BE49-F238E27FC236}">
+                <a16:creationId xmlns:a16="http://schemas.microsoft.com/office/drawing/2014/main" id="{5F09DB54-2C37-4BF3-9A4E-C2662FE04F9B}"/>
+              </a:ext>
+            </a:extLst>
+          </p:cNvPr>
+          <p:cNvSpPr>
+            <a:spLocks noGrp="1"/>
+          </p:cNvSpPr>
+          <p:nvPr>
+            <p:ph type="title"/>
+          </p:nvPr>
+        </p:nvSpPr>
+        <p:spPr>
+          <a:xfrm>
+            <a:off x="594360" y="640263"/>
+            <a:ext cx="3822192" cy="1344975"/>
+          </a:xfrm>
+        </p:spPr>
+        <p:txBody>
+          <a:bodyPr vert="horz" lIns="91440" tIns="45720" rIns="91440" bIns="45720" rtlCol="0" anchor="ctr">
+            <a:normAutofit/>
+          </a:bodyPr>
+          <a:lstStyle/>
+          <a:p>
+            <a:r>
+              <a:rPr lang="en-US" sz="2500" kern="1200">
+                <a:solidFill>
+                  <a:schemeClr val="bg1"/>
+                </a:solidFill>
+                <a:latin typeface="+mj-lt"/>
+                <a:ea typeface="+mj-ea"/>
+                <a:cs typeface="+mj-cs"/>
+              </a:rPr>
+              <a:t>Comparing models with same corpus but different embedding sizes</a:t>
+            </a:r>
+          </a:p>
+        </p:txBody>
+      </p:sp>
+      <p:cxnSp>
+        <p:nvCxnSpPr>
+          <p:cNvPr id="30" name="Straight Connector 14">
+            <a:extLst>
+              <a:ext uri="{FF2B5EF4-FFF2-40B4-BE49-F238E27FC236}">
+                <a16:creationId xmlns:a16="http://schemas.microsoft.com/office/drawing/2014/main" id="{57E1E5E6-F385-4E9C-B201-BA5BDE5CAD52}"/>
+              </a:ext>
+              <a:ext uri="{C183D7F6-B498-43B3-948B-1728B52AA6E4}">
+                <adec:decorative xmlns:adec="http://schemas.microsoft.com/office/drawing/2017/decorative" val="1"/>
+              </a:ext>
+            </a:extLst>
+          </p:cNvPr>
+          <p:cNvCxnSpPr>
+            <a:cxnSpLocks noGrp="1" noRot="1" noChangeAspect="1" noMove="1" noResize="1" noEditPoints="1" noAdjustHandles="1" noChangeArrowheads="1" noChangeShapeType="1"/>
+          </p:cNvCxnSpPr>
+          <p:nvPr>
+            <p:extLst>
+              <p:ext uri="{386F3935-93C4-4BCD-93E2-E3B085C9AB24}">
+                <p16:designElem xmlns:p16="http://schemas.microsoft.com/office/powerpoint/2015/main" val="1"/>
+              </p:ext>
+            </p:extLst>
+          </p:nvPr>
+        </p:nvCxnSpPr>
+        <p:spPr>
+          <a:xfrm>
+            <a:off x="704088" y="2050687"/>
+            <a:ext cx="3685032" cy="0"/>
+          </a:xfrm>
+          <a:prstGeom prst="line">
+            <a:avLst/>
+          </a:prstGeom>
+          <a:ln w="22225">
+            <a:solidFill>
+              <a:srgbClr val="E7E6E6"/>
+            </a:solidFill>
+          </a:ln>
+        </p:spPr>
+        <p:style>
+          <a:lnRef idx="1">
+            <a:schemeClr val="accent1"/>
+          </a:lnRef>
+          <a:fillRef idx="0">
+            <a:schemeClr val="accent1"/>
+          </a:fillRef>
+          <a:effectRef idx="0">
+            <a:schemeClr val="accent1"/>
+          </a:effectRef>
+          <a:fontRef idx="minor">
+            <a:schemeClr val="tx1"/>
+          </a:fontRef>
+        </p:style>
+      </p:cxnSp>
+      <p:sp>
+        <p:nvSpPr>
+          <p:cNvPr id="5" name="Content Placeholder 4">
+            <a:extLst>
+              <a:ext uri="{FF2B5EF4-FFF2-40B4-BE49-F238E27FC236}">
+                <a16:creationId xmlns:a16="http://schemas.microsoft.com/office/drawing/2014/main" id="{D266B5A1-6AED-4E95-AB3C-90C7F308FEB3}"/>
+              </a:ext>
+            </a:extLst>
+          </p:cNvPr>
+          <p:cNvSpPr>
+            <a:spLocks noGrp="1"/>
+          </p:cNvSpPr>
+          <p:nvPr>
+            <p:ph sz="half" idx="2"/>
+          </p:nvPr>
+        </p:nvSpPr>
+        <p:spPr>
+          <a:xfrm>
+            <a:off x="593610" y="2121763"/>
+            <a:ext cx="3822192" cy="3773010"/>
+          </a:xfrm>
+        </p:spPr>
+        <p:txBody>
+          <a:bodyPr vert="horz" lIns="91440" tIns="45720" rIns="91440" bIns="45720" rtlCol="0">
+            <a:normAutofit/>
+          </a:bodyPr>
+          <a:lstStyle/>
+          <a:p>
+            <a:pPr marL="0" indent="0">
+              <a:buNone/>
+            </a:pPr>
+            <a:r>
+              <a:rPr lang="en-US" sz="2000" dirty="0">
+                <a:solidFill>
+                  <a:schemeClr val="bg1"/>
+                </a:solidFill>
+              </a:rPr>
+              <a:t>Comparison between glove-twitter-100 and glove-twitter-200</a:t>
+            </a:r>
+          </a:p>
+          <a:p>
+            <a:pPr marL="0"/>
+            <a:endParaRPr lang="en-US" sz="2000" dirty="0">
+              <a:solidFill>
+                <a:schemeClr val="bg1"/>
+              </a:solidFill>
+            </a:endParaRPr>
+          </a:p>
+          <a:p>
+            <a:r>
+              <a:rPr lang="en-US" sz="2000" dirty="0">
+                <a:solidFill>
+                  <a:schemeClr val="bg1"/>
+                </a:solidFill>
+              </a:rPr>
+              <a:t>Both models have the same number of questions without guessing (69)</a:t>
+            </a:r>
+          </a:p>
+          <a:p>
+            <a:endParaRPr lang="en-US" sz="2000" dirty="0">
+              <a:solidFill>
+                <a:schemeClr val="bg1"/>
+              </a:solidFill>
+            </a:endParaRPr>
+          </a:p>
+          <a:p>
+            <a:r>
+              <a:rPr lang="en-US" sz="2000" dirty="0">
+                <a:solidFill>
+                  <a:schemeClr val="bg1"/>
+                </a:solidFill>
+              </a:rPr>
+              <a:t>The accuracy of the 200 embedding size is higher than the accuracy of the 100-embedding size</a:t>
+            </a:r>
+          </a:p>
+          <a:p>
+            <a:endParaRPr lang="en-US" sz="2000" dirty="0">
+              <a:solidFill>
+                <a:schemeClr val="bg1"/>
+              </a:solidFill>
+            </a:endParaRPr>
+          </a:p>
+        </p:txBody>
+      </p:sp>
+      <p:graphicFrame>
+        <p:nvGraphicFramePr>
+          <p:cNvPr id="8" name="Table 8">
+            <a:extLst>
+              <a:ext uri="{FF2B5EF4-FFF2-40B4-BE49-F238E27FC236}">
+                <a16:creationId xmlns:a16="http://schemas.microsoft.com/office/drawing/2014/main" id="{10D8E555-ACBD-48DD-9E0F-1B94D40506A6}"/>
+              </a:ext>
+            </a:extLst>
+          </p:cNvPr>
+          <p:cNvGraphicFramePr>
+            <a:graphicFrameLocks noGrp="1"/>
+          </p:cNvGraphicFramePr>
+          <p:nvPr>
+            <p:ph sz="half" idx="1"/>
+            <p:extLst>
+              <p:ext uri="{D42A27DB-BD31-4B8C-83A1-F6EECF244321}">
+                <p14:modId xmlns:p14="http://schemas.microsoft.com/office/powerpoint/2010/main" val="3804820458"/>
+              </p:ext>
+            </p:extLst>
+          </p:nvPr>
+        </p:nvGraphicFramePr>
+        <p:xfrm>
+          <a:off x="5110716" y="1608193"/>
+          <a:ext cx="6596655" cy="3486165"/>
+        </p:xfrm>
+        <a:graphic>
+          <a:graphicData uri="http://schemas.openxmlformats.org/drawingml/2006/table">
+            <a:tbl>
+              <a:tblPr firstRow="1" bandRow="1">
+                <a:tableStyleId>{5C22544A-7EE6-4342-B048-85BDC9FD1C3A}</a:tableStyleId>
+              </a:tblPr>
+              <a:tblGrid>
+                <a:gridCol w="1733967">
+                  <a:extLst>
+                    <a:ext uri="{9D8B030D-6E8A-4147-A177-3AD203B41FA5}">
+                      <a16:colId xmlns:a16="http://schemas.microsoft.com/office/drawing/2014/main" val="3824493777"/>
+                    </a:ext>
+                  </a:extLst>
+                </a:gridCol>
+                <a:gridCol w="1447061">
+                  <a:extLst>
+                    <a:ext uri="{9D8B030D-6E8A-4147-A177-3AD203B41FA5}">
+                      <a16:colId xmlns:a16="http://schemas.microsoft.com/office/drawing/2014/main" val="1228774754"/>
+                    </a:ext>
+                  </a:extLst>
+                </a:gridCol>
+                <a:gridCol w="1491448">
+                  <a:extLst>
+                    <a:ext uri="{9D8B030D-6E8A-4147-A177-3AD203B41FA5}">
+                      <a16:colId xmlns:a16="http://schemas.microsoft.com/office/drawing/2014/main" val="2030866384"/>
+                    </a:ext>
+                  </a:extLst>
+                </a:gridCol>
+                <a:gridCol w="1924179">
+                  <a:extLst>
+                    <a:ext uri="{9D8B030D-6E8A-4147-A177-3AD203B41FA5}">
+                      <a16:colId xmlns:a16="http://schemas.microsoft.com/office/drawing/2014/main" val="3975034856"/>
+                    </a:ext>
+                  </a:extLst>
+                </a:gridCol>
+              </a:tblGrid>
+              <a:tr h="914809">
+                <a:tc>
+                  <a:txBody>
+                    <a:bodyPr/>
+                    <a:lstStyle/>
+                    <a:p>
+                      <a:pPr algn="ctr"/>
+                      <a:r>
+                        <a:rPr lang="en-US" sz="2400"/>
+                        <a:t>Model</a:t>
+                      </a:r>
+                    </a:p>
+                  </a:txBody>
+                  <a:tcPr marL="123623" marR="123623" marT="61811" marB="61811"/>
+                </a:tc>
+                <a:tc>
+                  <a:txBody>
+                    <a:bodyPr/>
+                    <a:lstStyle/>
+                    <a:p>
+                      <a:pPr algn="ctr"/>
+                      <a:r>
+                        <a:rPr lang="en-US" sz="2400"/>
+                        <a:t>Correct Labels</a:t>
+                      </a:r>
+                    </a:p>
+                  </a:txBody>
+                  <a:tcPr marL="123623" marR="123623" marT="61811" marB="61811"/>
+                </a:tc>
+                <a:tc>
+                  <a:txBody>
+                    <a:bodyPr/>
+                    <a:lstStyle/>
+                    <a:p>
+                      <a:pPr algn="ctr"/>
+                      <a:r>
+                        <a:rPr lang="en-US" sz="2400"/>
+                        <a:t>Without guessing</a:t>
+                      </a:r>
+                    </a:p>
+                  </a:txBody>
+                  <a:tcPr marL="123623" marR="123623" marT="61811" marB="61811"/>
+                </a:tc>
+                <a:tc>
+                  <a:txBody>
+                    <a:bodyPr/>
+                    <a:lstStyle/>
+                    <a:p>
+                      <a:pPr algn="ctr"/>
+                      <a:r>
+                        <a:rPr lang="en-US" sz="2400" dirty="0"/>
+                        <a:t>Accuracy</a:t>
+                      </a:r>
+                    </a:p>
+                  </a:txBody>
+                  <a:tcPr marL="123623" marR="123623" marT="61811" marB="61811"/>
+                </a:tc>
+                <a:extLst>
+                  <a:ext uri="{0D108BD9-81ED-4DB2-BD59-A6C34878D82A}">
+                    <a16:rowId xmlns:a16="http://schemas.microsoft.com/office/drawing/2014/main" val="2078324400"/>
+                  </a:ext>
+                </a:extLst>
+              </a:tr>
+              <a:tr h="1285678">
+                <a:tc>
+                  <a:txBody>
+                    <a:bodyPr/>
+                    <a:lstStyle/>
+                    <a:p>
+                      <a:pPr algn="ctr"/>
+                      <a:r>
+                        <a:rPr lang="en-US" sz="2400" dirty="0"/>
+                        <a:t>glove-twitter-100</a:t>
+                      </a:r>
+                    </a:p>
+                  </a:txBody>
+                  <a:tcPr marL="123623" marR="123623" marT="61811" marB="61811"/>
+                </a:tc>
+                <a:tc>
+                  <a:txBody>
+                    <a:bodyPr/>
+                    <a:lstStyle/>
+                    <a:p>
+                      <a:pPr algn="ctr"/>
+                      <a:r>
+                        <a:rPr lang="en-US" sz="2400"/>
+                        <a:t>36</a:t>
+                      </a:r>
+                    </a:p>
+                  </a:txBody>
+                  <a:tcPr marL="123623" marR="123623" marT="61811" marB="61811"/>
+                </a:tc>
+                <a:tc>
+                  <a:txBody>
+                    <a:bodyPr/>
+                    <a:lstStyle/>
+                    <a:p>
+                      <a:pPr algn="ctr"/>
+                      <a:r>
+                        <a:rPr lang="en-US" sz="2400"/>
+                        <a:t>69</a:t>
+                      </a:r>
+                    </a:p>
+                  </a:txBody>
+                  <a:tcPr marL="123623" marR="123623" marT="61811" marB="61811"/>
+                </a:tc>
+                <a:tc>
+                  <a:txBody>
+                    <a:bodyPr/>
+                    <a:lstStyle/>
+                    <a:p>
+                      <a:pPr algn="ctr"/>
+                      <a:r>
+                        <a:rPr lang="en-US" sz="2400" b="0">
+                          <a:effectLst/>
+                        </a:rPr>
+                        <a:t>0.52173913</a:t>
+                      </a:r>
+                      <a:endParaRPr lang="en-US" sz="2400"/>
+                    </a:p>
+                  </a:txBody>
+                  <a:tcPr marL="123623" marR="123623" marT="61811" marB="61811"/>
+                </a:tc>
+                <a:extLst>
+                  <a:ext uri="{0D108BD9-81ED-4DB2-BD59-A6C34878D82A}">
+                    <a16:rowId xmlns:a16="http://schemas.microsoft.com/office/drawing/2014/main" val="1291809391"/>
+                  </a:ext>
+                </a:extLst>
+              </a:tr>
+              <a:tr h="1285678">
+                <a:tc>
+                  <a:txBody>
+                    <a:bodyPr/>
+                    <a:lstStyle/>
+                    <a:p>
+                      <a:pPr marL="0" marR="0" lvl="0" indent="0" algn="ctr" defTabSz="914400" rtl="0" eaLnBrk="1" fontAlgn="auto" latinLnBrk="0" hangingPunct="1">
+                        <a:lnSpc>
+                          <a:spcPct val="100000"/>
+                        </a:lnSpc>
+                        <a:spcBef>
+                          <a:spcPts val="0"/>
+                        </a:spcBef>
+                        <a:spcAft>
+                          <a:spcPts val="0"/>
+                        </a:spcAft>
+                        <a:buClrTx/>
+                        <a:buSzTx/>
+                        <a:buFontTx/>
+                        <a:buNone/>
+                        <a:tabLst/>
+                        <a:defRPr/>
+                      </a:pPr>
+                      <a:r>
+                        <a:rPr lang="en-US" sz="2400"/>
+                        <a:t>glove-twitter-200</a:t>
+                      </a:r>
+                    </a:p>
+                  </a:txBody>
+                  <a:tcPr marL="123623" marR="123623" marT="61811" marB="61811"/>
+                </a:tc>
+                <a:tc>
+                  <a:txBody>
+                    <a:bodyPr/>
+                    <a:lstStyle/>
+                    <a:p>
+                      <a:pPr algn="ctr"/>
+                      <a:r>
+                        <a:rPr lang="en-US" sz="2400"/>
+                        <a:t>42</a:t>
+                      </a:r>
+                    </a:p>
+                  </a:txBody>
+                  <a:tcPr marL="123623" marR="123623" marT="61811" marB="61811"/>
+                </a:tc>
+                <a:tc>
+                  <a:txBody>
+                    <a:bodyPr/>
+                    <a:lstStyle/>
+                    <a:p>
+                      <a:pPr algn="ctr"/>
+                      <a:r>
+                        <a:rPr lang="en-US" sz="2400"/>
+                        <a:t>69</a:t>
+                      </a:r>
+                    </a:p>
+                  </a:txBody>
+                  <a:tcPr marL="123623" marR="123623" marT="61811" marB="61811"/>
+                </a:tc>
+                <a:tc>
+                  <a:txBody>
+                    <a:bodyPr/>
+                    <a:lstStyle/>
+                    <a:p>
+                      <a:pPr algn="ctr"/>
+                      <a:r>
+                        <a:rPr lang="en-US" sz="2400" b="0" dirty="0">
+                          <a:effectLst/>
+                        </a:rPr>
+                        <a:t>0.608695652</a:t>
+                      </a:r>
+                      <a:endParaRPr lang="en-US" sz="2400" dirty="0"/>
+                    </a:p>
+                  </a:txBody>
+                  <a:tcPr marL="123623" marR="123623" marT="61811" marB="61811"/>
+                </a:tc>
+                <a:extLst>
+                  <a:ext uri="{0D108BD9-81ED-4DB2-BD59-A6C34878D82A}">
+                    <a16:rowId xmlns:a16="http://schemas.microsoft.com/office/drawing/2014/main" val="689834859"/>
+                  </a:ext>
+                </a:extLst>
+              </a:tr>
+            </a:tbl>
+          </a:graphicData>
+        </a:graphic>
+      </p:graphicFrame>
+    </p:spTree>
+    <p:extLst>
+      <p:ext uri="{BB962C8B-B14F-4D97-AF65-F5344CB8AC3E}">
+        <p14:creationId xmlns:p14="http://schemas.microsoft.com/office/powerpoint/2010/main" val="3323271617"/>
+      </p:ext>
+    </p:extLst>
+  </p:cSld>
+  <p:clrMapOvr>
+    <a:masterClrMapping/>
+  </p:clrMapOvr>
+</p:sld>
+</file>
+
+<file path=ppt/slides/slide7.xml><?xml version="1.0" encoding="utf-8"?>
+<p:sld xmlns:a="http://schemas.openxmlformats.org/drawingml/2006/main" xmlns:r="http://schemas.openxmlformats.org/officeDocument/2006/relationships" xmlns:p="http://schemas.openxmlformats.org/presentationml/2006/main">
+  <p:cSld>
+    <p:bg>
+      <p:bgPr>
+        <a:solidFill>
+          <a:schemeClr val="bg1"/>
+        </a:solidFill>
+        <a:effectLst/>
+      </p:bgPr>
+    </p:bg>
+    <p:spTree>
+      <p:nvGrpSpPr>
+        <p:cNvPr id="1" name=""/>
+        <p:cNvGrpSpPr/>
+        <p:nvPr/>
+      </p:nvGrpSpPr>
+      <p:grpSpPr>
+        <a:xfrm>
+          <a:off x="0" y="0"/>
+          <a:ext cx="0" cy="0"/>
+          <a:chOff x="0" y="0"/>
+          <a:chExt cx="0" cy="0"/>
+        </a:xfrm>
+      </p:grpSpPr>
+      <p:sp>
+        <p:nvSpPr>
+          <p:cNvPr id="18" name="Rectangle 12">
+            <a:extLst>
+              <a:ext uri="{FF2B5EF4-FFF2-40B4-BE49-F238E27FC236}">
+                <a16:creationId xmlns:a16="http://schemas.microsoft.com/office/drawing/2014/main" id="{4038CB10-1F5C-4D54-9DF7-12586DE5B007}"/>
+              </a:ext>
+              <a:ext uri="{C183D7F6-B498-43B3-948B-1728B52AA6E4}">
+                <adec:decorative xmlns:adec="http://schemas.microsoft.com/office/drawing/2017/decorative" val="1"/>
+              </a:ext>
+            </a:extLst>
+          </p:cNvPr>
+          <p:cNvSpPr>
+            <a:spLocks noGrp="1" noRot="1" noChangeAspect="1" noMove="1" noResize="1" noEditPoints="1" noAdjustHandles="1" noChangeArrowheads="1" noChangeShapeType="1" noTextEdit="1"/>
+          </p:cNvSpPr>
+          <p:nvPr>
+            <p:extLst>
+              <p:ext uri="{386F3935-93C4-4BCD-93E2-E3B085C9AB24}">
+                <p16:designElem xmlns:p16="http://schemas.microsoft.com/office/powerpoint/2015/main" val="1"/>
+              </p:ext>
+            </p:extLst>
+          </p:nvPr>
+        </p:nvSpPr>
+        <p:spPr>
+          <a:xfrm>
+            <a:off x="327546" y="321732"/>
+            <a:ext cx="7058307" cy="1964266"/>
+          </a:xfrm>
+          <a:prstGeom prst="rect">
+            <a:avLst/>
+          </a:prstGeom>
+          <a:solidFill>
+            <a:srgbClr val="394A57"/>
+          </a:solidFill>
+          <a:ln>
+            <a:noFill/>
           </a:ln>
         </p:spPr>
         <p:style>
@@ -8130,7 +14305,7 @@
           <p:cNvPr id="2" name="Title 1">
             <a:extLst>
               <a:ext uri="{FF2B5EF4-FFF2-40B4-BE49-F238E27FC236}">
-                <a16:creationId xmlns:a16="http://schemas.microsoft.com/office/drawing/2014/main" id="{DA191F72-DFAA-4C99-8A4B-CDFFF27B64AE}"/>
+                <a16:creationId xmlns:a16="http://schemas.microsoft.com/office/drawing/2014/main" id="{C7783B1B-A2FD-4EAF-A2D2-DEBB3ADBF327}"/>
               </a:ext>
             </a:extLst>
           </p:cNvPr>
@@ -8143,46 +14318,42 @@
         </p:nvSpPr>
         <p:spPr>
           <a:xfrm>
-            <a:off x="526073" y="466578"/>
-            <a:ext cx="11139854" cy="930447"/>
+            <a:off x="524256" y="516804"/>
+            <a:ext cx="6594189" cy="1625210"/>
           </a:xfrm>
         </p:spPr>
         <p:txBody>
-          <a:bodyPr vert="horz" lIns="91440" tIns="45720" rIns="91440" bIns="45720" rtlCol="0" anchor="b">
+          <a:bodyPr>
             <a:normAutofit/>
           </a:bodyPr>
           <a:lstStyle/>
           <a:p>
-            <a:pPr algn="ctr"/>
             <a:r>
-              <a:rPr lang="en-US" sz="5400" kern="1200">
+              <a:rPr lang="en-US">
                 <a:solidFill>
                   <a:srgbClr val="FFFFFF"/>
                 </a:solidFill>
-                <a:latin typeface="+mj-lt"/>
-                <a:ea typeface="+mj-ea"/>
-                <a:cs typeface="+mj-cs"/>
               </a:rPr>
-              <a:t>Analysis</a:t>
+              <a:t>Comparison to human gold-standard</a:t>
             </a:r>
           </a:p>
         </p:txBody>
       </p:sp>
-      <p:cxnSp>
-        <p:nvCxnSpPr>
-          <p:cNvPr id="37" name="Straight Connector 29">
+      <p:sp>
+        <p:nvSpPr>
+          <p:cNvPr id="19" name="Rectangle 14">
             <a:extLst>
               <a:ext uri="{FF2B5EF4-FFF2-40B4-BE49-F238E27FC236}">
-                <a16:creationId xmlns:a16="http://schemas.microsoft.com/office/drawing/2014/main" id="{7E7C77BC-7138-40B1-A15B-20F57A494629}"/>
+                <a16:creationId xmlns:a16="http://schemas.microsoft.com/office/drawing/2014/main" id="{36D30126-6314-4A93-B27E-5C66CF781924}"/>
               </a:ext>
               <a:ext uri="{C183D7F6-B498-43B3-948B-1728B52AA6E4}">
                 <adec:decorative xmlns:adec="http://schemas.microsoft.com/office/drawing/2017/decorative" val="1"/>
               </a:ext>
             </a:extLst>
           </p:cNvPr>
-          <p:cNvCxnSpPr>
-            <a:cxnSpLocks noGrp="1" noRot="1" noChangeAspect="1" noMove="1" noResize="1" noEditPoints="1" noAdjustHandles="1" noChangeArrowheads="1" noChangeShapeType="1"/>
-          </p:cNvCxnSpPr>
+          <p:cNvSpPr>
+            <a:spLocks noGrp="1" noRot="1" noChangeAspect="1" noMove="1" noResize="1" noEditPoints="1" noAdjustHandles="1" noChangeArrowheads="1" noChangeShapeType="1" noTextEdit="1"/>
+          </p:cNvSpPr>
           <p:nvPr>
             <p:extLst>
               <p:ext uri="{386F3935-93C4-4BCD-93E2-E3B085C9AB24}">
@@ -8190,51 +14361,62 @@
               </p:ext>
             </p:extLst>
           </p:nvPr>
-        </p:nvCxnSpPr>
+        </p:nvSpPr>
         <p:spPr>
           <a:xfrm>
-            <a:off x="2209800" y="1448631"/>
-            <a:ext cx="7772400" cy="0"/>
+            <a:off x="329184" y="2432305"/>
+            <a:ext cx="7056669" cy="4102852"/>
           </a:xfrm>
-          <a:prstGeom prst="line">
+          <a:prstGeom prst="rect">
             <a:avLst/>
           </a:prstGeom>
-          <a:ln w="22225">
-            <a:solidFill>
-              <a:srgbClr val="D9D9D9"/>
-            </a:solidFill>
+          <a:solidFill>
+            <a:srgbClr val="7F7F7F">
+              <a:alpha val="20000"/>
+            </a:srgbClr>
+          </a:solidFill>
+          <a:ln>
+            <a:noFill/>
           </a:ln>
         </p:spPr>
         <p:style>
-          <a:lnRef idx="1">
-            <a:schemeClr val="accent1"/>
+          <a:lnRef idx="2">
+            <a:schemeClr val="accent1">
+              <a:shade val="50000"/>
+            </a:schemeClr>
           </a:lnRef>
-          <a:fillRef idx="0">
+          <a:fillRef idx="1">
             <a:schemeClr val="accent1"/>
           </a:fillRef>
           <a:effectRef idx="0">
             <a:schemeClr val="accent1"/>
           </a:effectRef>
           <a:fontRef idx="minor">
-            <a:schemeClr val="tx1"/>
+            <a:schemeClr val="lt1"/>
           </a:fontRef>
         </p:style>
-      </p:cxnSp>
+        <p:txBody>
+          <a:bodyPr rtlCol="0" anchor="ctr"/>
+          <a:lstStyle/>
+          <a:p>
+            <a:pPr algn="ctr"/>
+            <a:endParaRPr lang="en-US"/>
+          </a:p>
+        </p:txBody>
+      </p:sp>
       <p:pic>
         <p:nvPicPr>
-          <p:cNvPr id="7" name="Content Placeholder 6" descr="Table&#10;&#10;Description automatically generated">
+          <p:cNvPr id="6" name="Content Placeholder 5" descr="Chart, bar chart&#10;&#10;Description automatically generated">
             <a:extLst>
               <a:ext uri="{FF2B5EF4-FFF2-40B4-BE49-F238E27FC236}">
-                <a16:creationId xmlns:a16="http://schemas.microsoft.com/office/drawing/2014/main" id="{C12E2E0F-9810-4D1D-A236-DAC85E4626D5}"/>
+                <a16:creationId xmlns:a16="http://schemas.microsoft.com/office/drawing/2014/main" id="{0E879C92-E3E4-4AB4-9347-0A10626C6225}"/>
               </a:ext>
             </a:extLst>
           </p:cNvPr>
           <p:cNvPicPr>
-            <a:picLocks noGrp="1" noChangeAspect="1"/>
+            <a:picLocks noChangeAspect="1"/>
           </p:cNvPicPr>
-          <p:nvPr>
-            <p:ph idx="1"/>
-          </p:nvPr>
+          <p:nvPr/>
         </p:nvPicPr>
         <p:blipFill>
           <a:blip r:embed="rId2">
@@ -8250,15 +14432,452 @@
         </p:blipFill>
         <p:spPr>
           <a:xfrm>
-            <a:off x="763058" y="3227459"/>
-            <a:ext cx="10665884" cy="1607188"/>
+            <a:off x="0" y="2432305"/>
+            <a:ext cx="5924695" cy="4102852"/>
+          </a:xfrm>
+          <a:prstGeom prst="rect">
+            <a:avLst/>
+          </a:prstGeom>
+        </p:spPr>
+      </p:pic>
+      <p:sp>
+        <p:nvSpPr>
+          <p:cNvPr id="17" name="Rectangle 16">
+            <a:extLst>
+              <a:ext uri="{FF2B5EF4-FFF2-40B4-BE49-F238E27FC236}">
+                <a16:creationId xmlns:a16="http://schemas.microsoft.com/office/drawing/2014/main" id="{73ED6512-6858-4552-B699-9A97FE9A4EA2}"/>
+              </a:ext>
+              <a:ext uri="{C183D7F6-B498-43B3-948B-1728B52AA6E4}">
+                <adec:decorative xmlns:adec="http://schemas.microsoft.com/office/drawing/2017/decorative" val="1"/>
+              </a:ext>
+            </a:extLst>
+          </p:cNvPr>
+          <p:cNvSpPr>
+            <a:spLocks noGrp="1" noRot="1" noChangeAspect="1" noMove="1" noResize="1" noEditPoints="1" noAdjustHandles="1" noChangeArrowheads="1" noChangeShapeType="1" noTextEdit="1"/>
+          </p:cNvSpPr>
+          <p:nvPr>
+            <p:extLst>
+              <p:ext uri="{386F3935-93C4-4BCD-93E2-E3B085C9AB24}">
+                <p16:designElem xmlns:p16="http://schemas.microsoft.com/office/powerpoint/2015/main" val="1"/>
+              </p:ext>
+            </p:extLst>
+          </p:nvPr>
+        </p:nvSpPr>
+        <p:spPr>
+          <a:xfrm>
+            <a:off x="7534655" y="321732"/>
+            <a:ext cx="4335613" cy="6214534"/>
+          </a:xfrm>
+          <a:prstGeom prst="rect">
+            <a:avLst/>
+          </a:prstGeom>
+          <a:solidFill>
+            <a:srgbClr val="595959"/>
+          </a:solidFill>
+          <a:ln>
+            <a:noFill/>
+          </a:ln>
+        </p:spPr>
+        <p:style>
+          <a:lnRef idx="2">
+            <a:schemeClr val="accent1">
+              <a:shade val="50000"/>
+            </a:schemeClr>
+          </a:lnRef>
+          <a:fillRef idx="1">
+            <a:schemeClr val="accent1"/>
+          </a:fillRef>
+          <a:effectRef idx="0">
+            <a:schemeClr val="accent1"/>
+          </a:effectRef>
+          <a:fontRef idx="minor">
+            <a:schemeClr val="lt1"/>
+          </a:fontRef>
+        </p:style>
+        <p:txBody>
+          <a:bodyPr rtlCol="0" anchor="ctr"/>
+          <a:lstStyle/>
+          <a:p>
+            <a:pPr marL="0" marR="0" lvl="0" indent="0" algn="ctr" defTabSz="914400" rtl="0" eaLnBrk="1" fontAlgn="auto" latinLnBrk="0" hangingPunct="1">
+              <a:lnSpc>
+                <a:spcPct val="100000"/>
+              </a:lnSpc>
+              <a:spcBef>
+                <a:spcPts val="0"/>
+              </a:spcBef>
+              <a:spcAft>
+                <a:spcPts val="0"/>
+              </a:spcAft>
+              <a:buClrTx/>
+              <a:buSzTx/>
+              <a:buFontTx/>
+              <a:buNone/>
+              <a:tabLst/>
+              <a:defRPr/>
+            </a:pPr>
+            <a:endParaRPr kumimoji="0" lang="en-US" sz="1800" b="0" i="0" u="none" strike="noStrike" kern="1200" cap="none" spc="0" normalizeH="0" baseline="0" noProof="0">
+              <a:ln>
+                <a:noFill/>
+              </a:ln>
+              <a:solidFill>
+                <a:prstClr val="white"/>
+              </a:solidFill>
+              <a:effectLst/>
+              <a:uLnTx/>
+              <a:uFillTx/>
+              <a:latin typeface="Calibri" panose="020F0502020204030204"/>
+              <a:ea typeface="+mn-ea"/>
+              <a:cs typeface="+mn-cs"/>
+            </a:endParaRPr>
+          </a:p>
+        </p:txBody>
+      </p:sp>
+      <p:sp>
+        <p:nvSpPr>
+          <p:cNvPr id="20" name="Content Placeholder 9">
+            <a:extLst>
+              <a:ext uri="{FF2B5EF4-FFF2-40B4-BE49-F238E27FC236}">
+                <a16:creationId xmlns:a16="http://schemas.microsoft.com/office/drawing/2014/main" id="{71D2BED3-72FB-4EEF-BE79-202E19CA0249}"/>
+              </a:ext>
+            </a:extLst>
+          </p:cNvPr>
+          <p:cNvSpPr>
+            <a:spLocks noGrp="1"/>
+          </p:cNvSpPr>
+          <p:nvPr>
+            <p:ph idx="1"/>
+          </p:nvPr>
+        </p:nvSpPr>
+        <p:spPr>
+          <a:xfrm>
+            <a:off x="8029319" y="917725"/>
+            <a:ext cx="3424739" cy="4852362"/>
           </a:xfrm>
         </p:spPr>
-      </p:pic>
+        <p:txBody>
+          <a:bodyPr anchor="ctr">
+            <a:normAutofit/>
+          </a:bodyPr>
+          <a:lstStyle/>
+          <a:p>
+            <a:r>
+              <a:rPr lang="en-US" sz="1800" dirty="0"/>
+              <a:t>The crowdsourced distribution of grades had an average performance: 85.57%.</a:t>
+            </a:r>
+          </a:p>
+          <a:p>
+            <a:r>
+              <a:rPr lang="en-US" sz="1800" dirty="0"/>
+              <a:t>A random baseline would have had an accuracy around 25%.</a:t>
+            </a:r>
+          </a:p>
+          <a:p>
+            <a:endParaRPr lang="en-US" sz="1800" dirty="0"/>
+          </a:p>
+          <a:p>
+            <a:r>
+              <a:rPr lang="en-US" sz="1800" dirty="0"/>
+              <a:t>Compared to the models, the AI had a higher accuracy, significantly the word2vec-google-news-300 which had a higher accuracy than the Gold-Standard. And based on what we saw, if we had a higher embedding size for the gigaword corpus, we would have seen a high accuracy.</a:t>
+            </a:r>
+          </a:p>
+          <a:p>
+            <a:endParaRPr lang="en-US" sz="1800" dirty="0"/>
+          </a:p>
+          <a:p>
+            <a:endParaRPr lang="en-US" sz="2000" dirty="0">
+              <a:solidFill>
+                <a:srgbClr val="FFFFFF"/>
+              </a:solidFill>
+            </a:endParaRPr>
+          </a:p>
+        </p:txBody>
+      </p:sp>
+      <p:cxnSp>
+        <p:nvCxnSpPr>
+          <p:cNvPr id="27" name="Straight Connector 26">
+            <a:extLst>
+              <a:ext uri="{FF2B5EF4-FFF2-40B4-BE49-F238E27FC236}">
+                <a16:creationId xmlns:a16="http://schemas.microsoft.com/office/drawing/2014/main" id="{567FC4AE-10D7-4DD9-BC86-56E20894D497}"/>
+              </a:ext>
+            </a:extLst>
+          </p:cNvPr>
+          <p:cNvCxnSpPr>
+            <a:cxnSpLocks/>
+          </p:cNvCxnSpPr>
+          <p:nvPr/>
+        </p:nvCxnSpPr>
+        <p:spPr>
+          <a:xfrm>
+            <a:off x="1313896" y="2965142"/>
+            <a:ext cx="4032581" cy="0"/>
+          </a:xfrm>
+          <a:prstGeom prst="line">
+            <a:avLst/>
+          </a:prstGeom>
+          <a:ln w="38100">
+            <a:solidFill>
+              <a:srgbClr val="FF0000"/>
+            </a:solidFill>
+          </a:ln>
+        </p:spPr>
+        <p:style>
+          <a:lnRef idx="1">
+            <a:schemeClr val="accent6"/>
+          </a:lnRef>
+          <a:fillRef idx="0">
+            <a:schemeClr val="accent6"/>
+          </a:fillRef>
+          <a:effectRef idx="0">
+            <a:schemeClr val="accent6"/>
+          </a:effectRef>
+          <a:fontRef idx="minor">
+            <a:schemeClr val="tx1"/>
+          </a:fontRef>
+        </p:style>
+      </p:cxnSp>
+      <p:sp>
+        <p:nvSpPr>
+          <p:cNvPr id="28" name="TextBox 27">
+            <a:extLst>
+              <a:ext uri="{FF2B5EF4-FFF2-40B4-BE49-F238E27FC236}">
+                <a16:creationId xmlns:a16="http://schemas.microsoft.com/office/drawing/2014/main" id="{47DE92A2-4716-4313-8740-7508938A32ED}"/>
+              </a:ext>
+            </a:extLst>
+          </p:cNvPr>
+          <p:cNvSpPr txBox="1"/>
+          <p:nvPr/>
+        </p:nvSpPr>
+        <p:spPr>
+          <a:xfrm>
+            <a:off x="5346281" y="2851463"/>
+            <a:ext cx="2766396" cy="830997"/>
+          </a:xfrm>
+          <a:prstGeom prst="rect">
+            <a:avLst/>
+          </a:prstGeom>
+          <a:noFill/>
+        </p:spPr>
+        <p:txBody>
+          <a:bodyPr wrap="square" rtlCol="0">
+            <a:spAutoFit/>
+          </a:bodyPr>
+          <a:lstStyle/>
+          <a:p>
+            <a:r>
+              <a:rPr lang="en-US" sz="1600" dirty="0">
+                <a:solidFill>
+                  <a:srgbClr val="FF0000"/>
+                </a:solidFill>
+              </a:rPr>
+              <a:t>Gold-Standard</a:t>
+            </a:r>
+          </a:p>
+          <a:p>
+            <a:r>
+              <a:rPr lang="en-US" sz="1600" dirty="0">
+                <a:solidFill>
+                  <a:srgbClr val="FF0000"/>
+                </a:solidFill>
+              </a:rPr>
+              <a:t>Average </a:t>
+            </a:r>
+            <a:br>
+              <a:rPr lang="en-US" sz="1600" dirty="0">
+                <a:solidFill>
+                  <a:srgbClr val="FF0000"/>
+                </a:solidFill>
+              </a:rPr>
+            </a:br>
+            <a:r>
+              <a:rPr lang="en-US" sz="1600" dirty="0">
+                <a:solidFill>
+                  <a:srgbClr val="FF0000"/>
+                </a:solidFill>
+              </a:rPr>
+              <a:t>Performance = 85.57%</a:t>
+            </a:r>
+          </a:p>
+        </p:txBody>
+      </p:sp>
+      <p:sp>
+        <p:nvSpPr>
+          <p:cNvPr id="30" name="TextBox 29">
+            <a:extLst>
+              <a:ext uri="{FF2B5EF4-FFF2-40B4-BE49-F238E27FC236}">
+                <a16:creationId xmlns:a16="http://schemas.microsoft.com/office/drawing/2014/main" id="{215BF393-AA93-479F-9BD1-83A3F2C34843}"/>
+              </a:ext>
+            </a:extLst>
+          </p:cNvPr>
+          <p:cNvSpPr txBox="1"/>
+          <p:nvPr/>
+        </p:nvSpPr>
+        <p:spPr>
+          <a:xfrm>
+            <a:off x="1313896" y="3005352"/>
+            <a:ext cx="696024" cy="338554"/>
+          </a:xfrm>
+          <a:prstGeom prst="rect">
+            <a:avLst/>
+          </a:prstGeom>
+          <a:noFill/>
+        </p:spPr>
+        <p:txBody>
+          <a:bodyPr wrap="none" rtlCol="0">
+            <a:spAutoFit/>
+          </a:bodyPr>
+          <a:lstStyle/>
+          <a:p>
+            <a:r>
+              <a:rPr lang="en-US" sz="1600" dirty="0"/>
+              <a:t>88.6%</a:t>
+            </a:r>
+          </a:p>
+        </p:txBody>
+      </p:sp>
+      <p:sp>
+        <p:nvSpPr>
+          <p:cNvPr id="31" name="TextBox 30">
+            <a:extLst>
+              <a:ext uri="{FF2B5EF4-FFF2-40B4-BE49-F238E27FC236}">
+                <a16:creationId xmlns:a16="http://schemas.microsoft.com/office/drawing/2014/main" id="{A86475E7-3EDB-40AD-AAB0-120BF2D143DE}"/>
+              </a:ext>
+            </a:extLst>
+          </p:cNvPr>
+          <p:cNvSpPr txBox="1"/>
+          <p:nvPr/>
+        </p:nvSpPr>
+        <p:spPr>
+          <a:xfrm>
+            <a:off x="2037611" y="3875103"/>
+            <a:ext cx="800219" cy="338554"/>
+          </a:xfrm>
+          <a:prstGeom prst="rect">
+            <a:avLst/>
+          </a:prstGeom>
+          <a:noFill/>
+        </p:spPr>
+        <p:txBody>
+          <a:bodyPr wrap="none" rtlCol="0">
+            <a:spAutoFit/>
+          </a:bodyPr>
+          <a:lstStyle/>
+          <a:p>
+            <a:r>
+              <a:rPr lang="en-US" sz="1600" dirty="0"/>
+              <a:t>50.72%</a:t>
+            </a:r>
+          </a:p>
+        </p:txBody>
+      </p:sp>
+      <p:sp>
+        <p:nvSpPr>
+          <p:cNvPr id="32" name="TextBox 31">
+            <a:extLst>
+              <a:ext uri="{FF2B5EF4-FFF2-40B4-BE49-F238E27FC236}">
+                <a16:creationId xmlns:a16="http://schemas.microsoft.com/office/drawing/2014/main" id="{50BC1EE4-7721-4FC2-91E5-6BAF9F11C19B}"/>
+              </a:ext>
+            </a:extLst>
+          </p:cNvPr>
+          <p:cNvSpPr txBox="1"/>
+          <p:nvPr/>
+        </p:nvSpPr>
+        <p:spPr>
+          <a:xfrm>
+            <a:off x="2877979" y="3343906"/>
+            <a:ext cx="800219" cy="338554"/>
+          </a:xfrm>
+          <a:prstGeom prst="rect">
+            <a:avLst/>
+          </a:prstGeom>
+          <a:noFill/>
+        </p:spPr>
+        <p:txBody>
+          <a:bodyPr wrap="none" rtlCol="0">
+            <a:spAutoFit/>
+          </a:bodyPr>
+          <a:lstStyle/>
+          <a:p>
+            <a:r>
+              <a:rPr lang="en-US" sz="1600" dirty="0"/>
+              <a:t>71.79%</a:t>
+            </a:r>
+          </a:p>
+        </p:txBody>
+      </p:sp>
+      <p:sp>
+        <p:nvSpPr>
+          <p:cNvPr id="33" name="TextBox 32">
+            <a:extLst>
+              <a:ext uri="{FF2B5EF4-FFF2-40B4-BE49-F238E27FC236}">
+                <a16:creationId xmlns:a16="http://schemas.microsoft.com/office/drawing/2014/main" id="{E1D8DE04-E4A2-4786-86C7-80C102C5C131}"/>
+              </a:ext>
+            </a:extLst>
+          </p:cNvPr>
+          <p:cNvSpPr txBox="1"/>
+          <p:nvPr/>
+        </p:nvSpPr>
+        <p:spPr>
+          <a:xfrm>
+            <a:off x="3660406" y="3825965"/>
+            <a:ext cx="800219" cy="338554"/>
+          </a:xfrm>
+          <a:prstGeom prst="rect">
+            <a:avLst/>
+          </a:prstGeom>
+          <a:noFill/>
+        </p:spPr>
+        <p:txBody>
+          <a:bodyPr wrap="none" rtlCol="0">
+            <a:spAutoFit/>
+          </a:bodyPr>
+          <a:lstStyle/>
+          <a:p>
+            <a:r>
+              <a:rPr lang="en-US" sz="1600" dirty="0"/>
+              <a:t>52.17%</a:t>
+            </a:r>
+          </a:p>
+        </p:txBody>
+      </p:sp>
+      <p:sp>
+        <p:nvSpPr>
+          <p:cNvPr id="34" name="TextBox 33">
+            <a:extLst>
+              <a:ext uri="{FF2B5EF4-FFF2-40B4-BE49-F238E27FC236}">
+                <a16:creationId xmlns:a16="http://schemas.microsoft.com/office/drawing/2014/main" id="{C372D526-9415-4156-A652-2E4CFBF2B026}"/>
+              </a:ext>
+            </a:extLst>
+          </p:cNvPr>
+          <p:cNvSpPr txBox="1"/>
+          <p:nvPr/>
+        </p:nvSpPr>
+        <p:spPr>
+          <a:xfrm>
+            <a:off x="4482982" y="3588467"/>
+            <a:ext cx="800219" cy="338554"/>
+          </a:xfrm>
+          <a:prstGeom prst="rect">
+            <a:avLst/>
+          </a:prstGeom>
+          <a:noFill/>
+        </p:spPr>
+        <p:txBody>
+          <a:bodyPr wrap="none" rtlCol="0">
+            <a:spAutoFit/>
+          </a:bodyPr>
+          <a:lstStyle/>
+          <a:p>
+            <a:r>
+              <a:rPr lang="en-US" sz="1600" dirty="0"/>
+              <a:t>60.87%</a:t>
+            </a:r>
+          </a:p>
+        </p:txBody>
+      </p:sp>
     </p:spTree>
     <p:extLst>
       <p:ext uri="{BB962C8B-B14F-4D97-AF65-F5344CB8AC3E}">
-        <p14:creationId xmlns:p14="http://schemas.microsoft.com/office/powerpoint/2010/main" val="3229956518"/>
+        <p14:creationId xmlns:p14="http://schemas.microsoft.com/office/powerpoint/2010/main" val="41435280"/>
       </p:ext>
     </p:extLst>
   </p:cSld>
@@ -8268,9 +14887,17 @@
 </p:sld>
 </file>
 
-<file path=ppt/slides/slide4.xml><?xml version="1.0" encoding="utf-8"?>
+<file path=ppt/slides/slide8.xml><?xml version="1.0" encoding="utf-8"?>
 <p:sld xmlns:a="http://schemas.openxmlformats.org/drawingml/2006/main" xmlns:r="http://schemas.openxmlformats.org/officeDocument/2006/relationships" xmlns:p="http://schemas.openxmlformats.org/presentationml/2006/main">
   <p:cSld>
+    <p:bg>
+      <p:bgPr>
+        <a:solidFill>
+          <a:schemeClr val="bg1"/>
+        </a:solidFill>
+        <a:effectLst/>
+      </p:bgPr>
+    </p:bg>
     <p:spTree>
       <p:nvGrpSpPr>
         <p:cNvPr id="1" name=""/>
@@ -8285,12 +14912,558 @@
           <a:chExt cx="0" cy="0"/>
         </a:xfrm>
       </p:grpSpPr>
+      <p:sp useBgFill="1">
+        <p:nvSpPr>
+          <p:cNvPr id="29" name="Rectangle 25">
+            <a:extLst>
+              <a:ext uri="{FF2B5EF4-FFF2-40B4-BE49-F238E27FC236}">
+                <a16:creationId xmlns:a16="http://schemas.microsoft.com/office/drawing/2014/main" id="{BACC6370-2D7E-4714-9D71-7542949D7D5D}"/>
+              </a:ext>
+              <a:ext uri="{C183D7F6-B498-43B3-948B-1728B52AA6E4}">
+                <adec:decorative xmlns:adec="http://schemas.microsoft.com/office/drawing/2017/decorative" val="1"/>
+              </a:ext>
+            </a:extLst>
+          </p:cNvPr>
+          <p:cNvSpPr>
+            <a:spLocks noGrp="1" noRot="1" noChangeAspect="1" noMove="1" noResize="1" noEditPoints="1" noAdjustHandles="1" noChangeArrowheads="1" noChangeShapeType="1" noTextEdit="1"/>
+          </p:cNvSpPr>
+          <p:nvPr>
+            <p:extLst>
+              <p:ext uri="{386F3935-93C4-4BCD-93E2-E3B085C9AB24}">
+                <p16:designElem xmlns:p16="http://schemas.microsoft.com/office/powerpoint/2015/main" val="1"/>
+              </p:ext>
+            </p:extLst>
+          </p:nvPr>
+        </p:nvSpPr>
+        <p:spPr>
+          <a:xfrm>
+            <a:off x="0" y="0"/>
+            <a:ext cx="12192000" cy="6858000"/>
+          </a:xfrm>
+          <a:prstGeom prst="rect">
+            <a:avLst/>
+          </a:prstGeom>
+          <a:ln w="12700" cap="flat" cmpd="sng" algn="ctr">
+            <a:noFill/>
+            <a:prstDash val="solid"/>
+            <a:miter lim="800000"/>
+          </a:ln>
+          <a:effectLst/>
+          <a:extLst>
+            <a:ext uri="{91240B29-F687-4F45-9708-019B960494DF}">
+              <a14:hiddenLine xmlns:a14="http://schemas.microsoft.com/office/drawing/2010/main" w="12700" cap="flat" cmpd="sng" algn="ctr">
+                <a:solidFill>
+                  <a:schemeClr val="accent1">
+                    <a:shade val="50000"/>
+                  </a:schemeClr>
+                </a:solidFill>
+                <a:prstDash val="solid"/>
+                <a:miter lim="800000"/>
+              </a14:hiddenLine>
+            </a:ext>
+          </a:extLst>
+        </p:spPr>
+        <p:style>
+          <a:lnRef idx="2">
+            <a:schemeClr val="accent1">
+              <a:shade val="50000"/>
+            </a:schemeClr>
+          </a:lnRef>
+          <a:fillRef idx="1">
+            <a:schemeClr val="accent1"/>
+          </a:fillRef>
+          <a:effectRef idx="0">
+            <a:schemeClr val="accent1"/>
+          </a:effectRef>
+          <a:fontRef idx="minor">
+            <a:schemeClr val="lt1"/>
+          </a:fontRef>
+        </p:style>
+        <p:txBody>
+          <a:bodyPr rtlCol="0" anchor="ctr"/>
+          <a:lstStyle/>
+          <a:p>
+            <a:pPr algn="ctr"/>
+            <a:endParaRPr lang="en-US"/>
+          </a:p>
+        </p:txBody>
+      </p:sp>
+      <p:sp>
+        <p:nvSpPr>
+          <p:cNvPr id="28" name="Rectangle 27">
+            <a:extLst>
+              <a:ext uri="{FF2B5EF4-FFF2-40B4-BE49-F238E27FC236}">
+                <a16:creationId xmlns:a16="http://schemas.microsoft.com/office/drawing/2014/main" id="{256B2C21-A230-48C0-8DF1-C46611373C44}"/>
+              </a:ext>
+              <a:ext uri="{C183D7F6-B498-43B3-948B-1728B52AA6E4}">
+                <adec:decorative xmlns:adec="http://schemas.microsoft.com/office/drawing/2017/decorative" val="1"/>
+              </a:ext>
+            </a:extLst>
+          </p:cNvPr>
+          <p:cNvSpPr>
+            <a:spLocks noGrp="1" noRot="1" noChangeAspect="1" noMove="1" noResize="1" noEditPoints="1" noAdjustHandles="1" noChangeArrowheads="1" noChangeShapeType="1" noTextEdit="1"/>
+          </p:cNvSpPr>
+          <p:nvPr>
+            <p:extLst>
+              <p:ext uri="{386F3935-93C4-4BCD-93E2-E3B085C9AB24}">
+                <p16:designElem xmlns:p16="http://schemas.microsoft.com/office/powerpoint/2015/main" val="1"/>
+              </p:ext>
+            </p:extLst>
+          </p:nvPr>
+        </p:nvSpPr>
+        <p:spPr>
+          <a:xfrm rot="5400000" flipH="1">
+            <a:off x="-1410084" y="1410082"/>
+            <a:ext cx="6858000" cy="4037836"/>
+          </a:xfrm>
+          <a:prstGeom prst="rect">
+            <a:avLst/>
+          </a:prstGeom>
+          <a:gradFill>
+            <a:gsLst>
+              <a:gs pos="8000">
+                <a:srgbClr val="000000"/>
+              </a:gs>
+              <a:gs pos="100000">
+                <a:schemeClr val="accent1">
+                  <a:lumMod val="75000"/>
+                </a:schemeClr>
+              </a:gs>
+            </a:gsLst>
+            <a:lin ang="3000000" scaled="0"/>
+          </a:gradFill>
+          <a:ln>
+            <a:noFill/>
+          </a:ln>
+        </p:spPr>
+        <p:style>
+          <a:lnRef idx="2">
+            <a:schemeClr val="accent1">
+              <a:shade val="50000"/>
+            </a:schemeClr>
+          </a:lnRef>
+          <a:fillRef idx="1">
+            <a:schemeClr val="accent1"/>
+          </a:fillRef>
+          <a:effectRef idx="0">
+            <a:schemeClr val="accent1"/>
+          </a:effectRef>
+          <a:fontRef idx="minor">
+            <a:schemeClr val="lt1"/>
+          </a:fontRef>
+        </p:style>
+        <p:txBody>
+          <a:bodyPr rtlCol="0" anchor="ctr"/>
+          <a:lstStyle/>
+          <a:p>
+            <a:pPr algn="ctr"/>
+            <a:endParaRPr lang="en-US"/>
+          </a:p>
+        </p:txBody>
+      </p:sp>
+      <p:sp>
+        <p:nvSpPr>
+          <p:cNvPr id="30" name="Rectangle 29">
+            <a:extLst>
+              <a:ext uri="{FF2B5EF4-FFF2-40B4-BE49-F238E27FC236}">
+                <a16:creationId xmlns:a16="http://schemas.microsoft.com/office/drawing/2014/main" id="{3847E18C-932D-4C95-AABA-FEC7C9499AD7}"/>
+              </a:ext>
+              <a:ext uri="{C183D7F6-B498-43B3-948B-1728B52AA6E4}">
+                <adec:decorative xmlns:adec="http://schemas.microsoft.com/office/drawing/2017/decorative" val="1"/>
+              </a:ext>
+            </a:extLst>
+          </p:cNvPr>
+          <p:cNvSpPr>
+            <a:spLocks noGrp="1" noRot="1" noChangeAspect="1" noMove="1" noResize="1" noEditPoints="1" noAdjustHandles="1" noChangeArrowheads="1" noChangeShapeType="1" noTextEdit="1"/>
+          </p:cNvSpPr>
+          <p:nvPr>
+            <p:extLst>
+              <p:ext uri="{386F3935-93C4-4BCD-93E2-E3B085C9AB24}">
+                <p16:designElem xmlns:p16="http://schemas.microsoft.com/office/powerpoint/2015/main" val="1"/>
+              </p:ext>
+            </p:extLst>
+          </p:nvPr>
+        </p:nvSpPr>
+        <p:spPr>
+          <a:xfrm rot="5400000" flipH="1">
+            <a:off x="-1410085" y="1420219"/>
+            <a:ext cx="6857999" cy="4037839"/>
+          </a:xfrm>
+          <a:prstGeom prst="rect">
+            <a:avLst/>
+          </a:prstGeom>
+          <a:gradFill>
+            <a:gsLst>
+              <a:gs pos="0">
+                <a:srgbClr val="000000">
+                  <a:alpha val="0"/>
+                </a:srgbClr>
+              </a:gs>
+              <a:gs pos="99000">
+                <a:schemeClr val="accent1">
+                  <a:alpha val="46000"/>
+                </a:schemeClr>
+              </a:gs>
+            </a:gsLst>
+            <a:lin ang="1800000" scaled="0"/>
+          </a:gradFill>
+          <a:ln>
+            <a:noFill/>
+          </a:ln>
+        </p:spPr>
+        <p:style>
+          <a:lnRef idx="2">
+            <a:schemeClr val="accent1">
+              <a:shade val="50000"/>
+            </a:schemeClr>
+          </a:lnRef>
+          <a:fillRef idx="1">
+            <a:schemeClr val="accent1"/>
+          </a:fillRef>
+          <a:effectRef idx="0">
+            <a:schemeClr val="accent1"/>
+          </a:effectRef>
+          <a:fontRef idx="minor">
+            <a:schemeClr val="lt1"/>
+          </a:fontRef>
+        </p:style>
+        <p:txBody>
+          <a:bodyPr rtlCol="0" anchor="ctr"/>
+          <a:lstStyle/>
+          <a:p>
+            <a:pPr algn="ctr"/>
+            <a:endParaRPr lang="en-US"/>
+          </a:p>
+        </p:txBody>
+      </p:sp>
+      <p:sp>
+        <p:nvSpPr>
+          <p:cNvPr id="32" name="Rectangle 31">
+            <a:extLst>
+              <a:ext uri="{FF2B5EF4-FFF2-40B4-BE49-F238E27FC236}">
+                <a16:creationId xmlns:a16="http://schemas.microsoft.com/office/drawing/2014/main" id="{3150CB11-0C61-439E-910F-5787759E72A0}"/>
+              </a:ext>
+              <a:ext uri="{C183D7F6-B498-43B3-948B-1728B52AA6E4}">
+                <adec:decorative xmlns:adec="http://schemas.microsoft.com/office/drawing/2017/decorative" val="1"/>
+              </a:ext>
+            </a:extLst>
+          </p:cNvPr>
+          <p:cNvSpPr>
+            <a:spLocks noGrp="1" noRot="1" noChangeAspect="1" noMove="1" noResize="1" noEditPoints="1" noAdjustHandles="1" noChangeArrowheads="1" noChangeShapeType="1" noTextEdit="1"/>
+          </p:cNvSpPr>
+          <p:nvPr>
+            <p:extLst>
+              <p:ext uri="{386F3935-93C4-4BCD-93E2-E3B085C9AB24}">
+                <p16:designElem xmlns:p16="http://schemas.microsoft.com/office/powerpoint/2015/main" val="1"/>
+              </p:ext>
+            </p:extLst>
+          </p:nvPr>
+        </p:nvSpPr>
+        <p:spPr>
+          <a:xfrm rot="5400000" flipH="1">
+            <a:off x="767923" y="3588085"/>
+            <a:ext cx="2501979" cy="4037841"/>
+          </a:xfrm>
+          <a:prstGeom prst="rect">
+            <a:avLst/>
+          </a:prstGeom>
+          <a:gradFill>
+            <a:gsLst>
+              <a:gs pos="2000">
+                <a:schemeClr val="accent1">
+                  <a:alpha val="29000"/>
+                </a:schemeClr>
+              </a:gs>
+              <a:gs pos="100000">
+                <a:srgbClr val="000000">
+                  <a:alpha val="30000"/>
+                </a:srgbClr>
+              </a:gs>
+            </a:gsLst>
+            <a:lin ang="7800000" scaled="0"/>
+          </a:gradFill>
+          <a:ln>
+            <a:noFill/>
+          </a:ln>
+        </p:spPr>
+        <p:style>
+          <a:lnRef idx="2">
+            <a:schemeClr val="accent1">
+              <a:shade val="50000"/>
+            </a:schemeClr>
+          </a:lnRef>
+          <a:fillRef idx="1">
+            <a:schemeClr val="accent1"/>
+          </a:fillRef>
+          <a:effectRef idx="0">
+            <a:schemeClr val="accent1"/>
+          </a:effectRef>
+          <a:fontRef idx="minor">
+            <a:schemeClr val="lt1"/>
+          </a:fontRef>
+        </p:style>
+        <p:txBody>
+          <a:bodyPr rtlCol="0" anchor="ctr"/>
+          <a:lstStyle/>
+          <a:p>
+            <a:pPr algn="ctr"/>
+            <a:endParaRPr lang="en-US" dirty="0"/>
+          </a:p>
+        </p:txBody>
+      </p:sp>
+      <p:sp>
+        <p:nvSpPr>
+          <p:cNvPr id="34" name="Freeform: Shape 33">
+            <a:extLst>
+              <a:ext uri="{FF2B5EF4-FFF2-40B4-BE49-F238E27FC236}">
+                <a16:creationId xmlns:a16="http://schemas.microsoft.com/office/drawing/2014/main" id="{43F8A58B-5155-44CE-A5FF-7647B47D0A7A}"/>
+              </a:ext>
+              <a:ext uri="{C183D7F6-B498-43B3-948B-1728B52AA6E4}">
+                <adec:decorative xmlns:adec="http://schemas.microsoft.com/office/drawing/2017/decorative" val="1"/>
+              </a:ext>
+            </a:extLst>
+          </p:cNvPr>
+          <p:cNvSpPr>
+            <a:spLocks noGrp="1" noRot="1" noChangeAspect="1" noMove="1" noResize="1" noEditPoints="1" noAdjustHandles="1" noChangeArrowheads="1" noChangeShapeType="1" noTextEdit="1"/>
+          </p:cNvSpPr>
+          <p:nvPr>
+            <p:extLst>
+              <p:ext uri="{386F3935-93C4-4BCD-93E2-E3B085C9AB24}">
+                <p16:designElem xmlns:p16="http://schemas.microsoft.com/office/powerpoint/2015/main" val="1"/>
+              </p:ext>
+            </p:extLst>
+          </p:nvPr>
+        </p:nvSpPr>
+        <p:spPr>
+          <a:xfrm rot="20635413">
+            <a:off x="-501737" y="969718"/>
+            <a:ext cx="3900357" cy="4178958"/>
+          </a:xfrm>
+          <a:custGeom>
+            <a:avLst/>
+            <a:gdLst>
+              <a:gd name="connsiteX0" fmla="*/ 2432225 w 3900357"/>
+              <a:gd name="connsiteY0" fmla="*/ 93939 h 4178958"/>
+              <a:gd name="connsiteX1" fmla="*/ 3900357 w 3900357"/>
+              <a:gd name="connsiteY1" fmla="*/ 2089479 h 4178958"/>
+              <a:gd name="connsiteX2" fmla="*/ 1810878 w 3900357"/>
+              <a:gd name="connsiteY2" fmla="*/ 4178958 h 4178958"/>
+              <a:gd name="connsiteX3" fmla="*/ 78249 w 3900357"/>
+              <a:gd name="connsiteY3" fmla="*/ 3257727 h 4178958"/>
+              <a:gd name="connsiteX4" fmla="*/ 0 w 3900357"/>
+              <a:gd name="connsiteY4" fmla="*/ 3128923 h 4178958"/>
+              <a:gd name="connsiteX5" fmla="*/ 831324 w 3900357"/>
+              <a:gd name="connsiteY5" fmla="*/ 244281 h 4178958"/>
+              <a:gd name="connsiteX6" fmla="*/ 997559 w 3900357"/>
+              <a:gd name="connsiteY6" fmla="*/ 164202 h 4178958"/>
+              <a:gd name="connsiteX7" fmla="*/ 1810878 w 3900357"/>
+              <a:gd name="connsiteY7" fmla="*/ 0 h 4178958"/>
+              <a:gd name="connsiteX8" fmla="*/ 2432225 w 3900357"/>
+              <a:gd name="connsiteY8" fmla="*/ 93939 h 4178958"/>
+            </a:gdLst>
+            <a:ahLst/>
+            <a:cxnLst>
+              <a:cxn ang="0">
+                <a:pos x="connsiteX0" y="connsiteY0"/>
+              </a:cxn>
+              <a:cxn ang="0">
+                <a:pos x="connsiteX1" y="connsiteY1"/>
+              </a:cxn>
+              <a:cxn ang="0">
+                <a:pos x="connsiteX2" y="connsiteY2"/>
+              </a:cxn>
+              <a:cxn ang="0">
+                <a:pos x="connsiteX3" y="connsiteY3"/>
+              </a:cxn>
+              <a:cxn ang="0">
+                <a:pos x="connsiteX4" y="connsiteY4"/>
+              </a:cxn>
+              <a:cxn ang="0">
+                <a:pos x="connsiteX5" y="connsiteY5"/>
+              </a:cxn>
+              <a:cxn ang="0">
+                <a:pos x="connsiteX6" y="connsiteY6"/>
+              </a:cxn>
+              <a:cxn ang="0">
+                <a:pos x="connsiteX7" y="connsiteY7"/>
+              </a:cxn>
+              <a:cxn ang="0">
+                <a:pos x="connsiteX8" y="connsiteY8"/>
+              </a:cxn>
+            </a:cxnLst>
+            <a:rect l="l" t="t" r="r" b="b"/>
+            <a:pathLst>
+              <a:path w="3900357" h="4178958">
+                <a:moveTo>
+                  <a:pt x="2432225" y="93939"/>
+                </a:moveTo>
+                <a:cubicBezTo>
+                  <a:pt x="3282786" y="358491"/>
+                  <a:pt x="3900357" y="1151865"/>
+                  <a:pt x="3900357" y="2089479"/>
+                </a:cubicBezTo>
+                <a:cubicBezTo>
+                  <a:pt x="3900357" y="3243466"/>
+                  <a:pt x="2964865" y="4178958"/>
+                  <a:pt x="1810878" y="4178958"/>
+                </a:cubicBezTo>
+                <a:cubicBezTo>
+                  <a:pt x="1089636" y="4178958"/>
+                  <a:pt x="453744" y="3813531"/>
+                  <a:pt x="78249" y="3257727"/>
+                </a:cubicBezTo>
+                <a:lnTo>
+                  <a:pt x="0" y="3128923"/>
+                </a:lnTo>
+                <a:lnTo>
+                  <a:pt x="831324" y="244281"/>
+                </a:lnTo>
+                <a:lnTo>
+                  <a:pt x="997559" y="164202"/>
+                </a:lnTo>
+                <a:cubicBezTo>
+                  <a:pt x="1247540" y="58468"/>
+                  <a:pt x="1522381" y="0"/>
+                  <a:pt x="1810878" y="0"/>
+                </a:cubicBezTo>
+                <a:cubicBezTo>
+                  <a:pt x="2027251" y="0"/>
+                  <a:pt x="2235942" y="32888"/>
+                  <a:pt x="2432225" y="93939"/>
+                </a:cubicBezTo>
+                <a:close/>
+              </a:path>
+            </a:pathLst>
+          </a:custGeom>
+          <a:gradFill>
+            <a:gsLst>
+              <a:gs pos="29000">
+                <a:srgbClr val="000000">
+                  <a:alpha val="0"/>
+                </a:srgbClr>
+              </a:gs>
+              <a:gs pos="100000">
+                <a:schemeClr val="accent1">
+                  <a:alpha val="43000"/>
+                </a:schemeClr>
+              </a:gs>
+            </a:gsLst>
+            <a:lin ang="1800000" scaled="0"/>
+          </a:gradFill>
+          <a:ln>
+            <a:noFill/>
+          </a:ln>
+        </p:spPr>
+        <p:style>
+          <a:lnRef idx="2">
+            <a:schemeClr val="accent1">
+              <a:shade val="50000"/>
+            </a:schemeClr>
+          </a:lnRef>
+          <a:fillRef idx="1">
+            <a:schemeClr val="accent1"/>
+          </a:fillRef>
+          <a:effectRef idx="0">
+            <a:schemeClr val="accent1"/>
+          </a:effectRef>
+          <a:fontRef idx="minor">
+            <a:schemeClr val="lt1"/>
+          </a:fontRef>
+        </p:style>
+        <p:txBody>
+          <a:bodyPr wrap="square" rtlCol="0" anchor="ctr">
+            <a:noAutofit/>
+          </a:bodyPr>
+          <a:lstStyle/>
+          <a:p>
+            <a:pPr algn="ctr"/>
+            <a:endParaRPr lang="en-US" dirty="0"/>
+          </a:p>
+        </p:txBody>
+      </p:sp>
+      <p:sp>
+        <p:nvSpPr>
+          <p:cNvPr id="36" name="Rectangle 35">
+            <a:extLst>
+              <a:ext uri="{FF2B5EF4-FFF2-40B4-BE49-F238E27FC236}">
+                <a16:creationId xmlns:a16="http://schemas.microsoft.com/office/drawing/2014/main" id="{443F2ACA-E6D6-4028-82DD-F03C262D5DE6}"/>
+              </a:ext>
+              <a:ext uri="{C183D7F6-B498-43B3-948B-1728B52AA6E4}">
+                <adec:decorative xmlns:adec="http://schemas.microsoft.com/office/drawing/2017/decorative" val="1"/>
+              </a:ext>
+            </a:extLst>
+          </p:cNvPr>
+          <p:cNvSpPr>
+            <a:spLocks noGrp="1" noRot="1" noChangeAspect="1" noMove="1" noResize="1" noEditPoints="1" noAdjustHandles="1" noChangeArrowheads="1" noChangeShapeType="1" noTextEdit="1"/>
+          </p:cNvSpPr>
+          <p:nvPr>
+            <p:extLst>
+              <p:ext uri="{386F3935-93C4-4BCD-93E2-E3B085C9AB24}">
+                <p16:designElem xmlns:p16="http://schemas.microsoft.com/office/powerpoint/2015/main" val="1"/>
+              </p:ext>
+            </p:extLst>
+          </p:nvPr>
+        </p:nvSpPr>
+        <p:spPr>
+          <a:xfrm rot="5400000" flipH="1">
+            <a:off x="-1410095" y="1410079"/>
+            <a:ext cx="6858003" cy="4037835"/>
+          </a:xfrm>
+          <a:prstGeom prst="rect">
+            <a:avLst/>
+          </a:prstGeom>
+          <a:gradFill>
+            <a:gsLst>
+              <a:gs pos="0">
+                <a:srgbClr val="000000">
+                  <a:alpha val="0"/>
+                </a:srgbClr>
+              </a:gs>
+              <a:gs pos="99000">
+                <a:schemeClr val="accent1">
+                  <a:lumMod val="60000"/>
+                  <a:lumOff val="40000"/>
+                  <a:alpha val="11000"/>
+                </a:schemeClr>
+              </a:gs>
+            </a:gsLst>
+            <a:lin ang="7200000" scaled="0"/>
+          </a:gradFill>
+          <a:ln>
+            <a:noFill/>
+          </a:ln>
+        </p:spPr>
+        <p:style>
+          <a:lnRef idx="2">
+            <a:schemeClr val="accent1">
+              <a:shade val="50000"/>
+            </a:schemeClr>
+          </a:lnRef>
+          <a:fillRef idx="1">
+            <a:schemeClr val="accent1"/>
+          </a:fillRef>
+          <a:effectRef idx="0">
+            <a:schemeClr val="accent1"/>
+          </a:effectRef>
+          <a:fontRef idx="minor">
+            <a:schemeClr val="lt1"/>
+          </a:fontRef>
+        </p:style>
+        <p:txBody>
+          <a:bodyPr rtlCol="0" anchor="ctr"/>
+          <a:lstStyle/>
+          <a:p>
+            <a:pPr algn="ctr"/>
+            <a:endParaRPr lang="en-US"/>
+          </a:p>
+        </p:txBody>
+      </p:sp>
       <p:sp>
         <p:nvSpPr>
           <p:cNvPr id="2" name="Title 1">
             <a:extLst>
               <a:ext uri="{FF2B5EF4-FFF2-40B4-BE49-F238E27FC236}">
-                <a16:creationId xmlns:a16="http://schemas.microsoft.com/office/drawing/2014/main" id="{98B4BA46-19B2-4793-B84B-0DBBE8097665}"/>
+                <a16:creationId xmlns:a16="http://schemas.microsoft.com/office/drawing/2014/main" id="{B5323E60-43CA-4CA0-8353-647244EB152F}"/>
               </a:ext>
             </a:extLst>
           </p:cNvPr>
@@ -8301,132 +15474,65 @@
             <p:ph type="title"/>
           </p:nvPr>
         </p:nvSpPr>
-        <p:spPr/>
+        <p:spPr>
+          <a:xfrm>
+            <a:off x="586478" y="1683756"/>
+            <a:ext cx="3115265" cy="2396359"/>
+          </a:xfrm>
+        </p:spPr>
         <p:txBody>
-          <a:bodyPr/>
+          <a:bodyPr anchor="b">
+            <a:normAutofit/>
+          </a:bodyPr>
           <a:lstStyle/>
           <a:p>
+            <a:pPr algn="r"/>
             <a:r>
-              <a:rPr lang="en-US"/>
-              <a:t>Accuracy Distribution (Bar Graph)</a:t>
+              <a:rPr lang="en-US" sz="4000">
+                <a:solidFill>
+                  <a:srgbClr val="FFFFFF"/>
+                </a:solidFill>
+              </a:rPr>
+              <a:t>Ways to Improve the Models</a:t>
             </a:r>
-            <a:endParaRPr lang="en-US" dirty="0"/>
           </a:p>
         </p:txBody>
       </p:sp>
-      <p:sp>
-        <p:nvSpPr>
-          <p:cNvPr id="3" name="Content Placeholder 2">
+      <p:graphicFrame>
+        <p:nvGraphicFramePr>
+          <p:cNvPr id="31" name="Content Placeholder 2">
             <a:extLst>
               <a:ext uri="{FF2B5EF4-FFF2-40B4-BE49-F238E27FC236}">
-                <a16:creationId xmlns:a16="http://schemas.microsoft.com/office/drawing/2014/main" id="{FDDA2CA3-DF4E-4F91-8706-7757B71115A0}"/>
+                <a16:creationId xmlns:a16="http://schemas.microsoft.com/office/drawing/2014/main" id="{99FAFB01-342B-4EFF-94CF-0354D4E17757}"/>
               </a:ext>
             </a:extLst>
           </p:cNvPr>
-          <p:cNvSpPr>
-            <a:spLocks noGrp="1"/>
-          </p:cNvSpPr>
+          <p:cNvGraphicFramePr>
+            <a:graphicFrameLocks noGrp="1"/>
+          </p:cNvGraphicFramePr>
           <p:nvPr>
             <p:ph idx="1"/>
+            <p:extLst>
+              <p:ext uri="{D42A27DB-BD31-4B8C-83A1-F6EECF244321}">
+                <p14:modId xmlns:p14="http://schemas.microsoft.com/office/powerpoint/2010/main" val="606049813"/>
+              </p:ext>
+            </p:extLst>
           </p:nvPr>
-        </p:nvSpPr>
-        <p:spPr/>
-        <p:txBody>
-          <a:bodyPr/>
-          <a:lstStyle/>
-          <a:p>
-            <a:endParaRPr lang="en-US" dirty="0"/>
-          </a:p>
-        </p:txBody>
-      </p:sp>
+        </p:nvGraphicFramePr>
+        <p:xfrm>
+          <a:off x="4905052" y="750440"/>
+          <a:ext cx="6666833" cy="5453920"/>
+        </p:xfrm>
+        <a:graphic>
+          <a:graphicData uri="http://schemas.openxmlformats.org/drawingml/2006/diagram">
+            <dgm:relIds xmlns:dgm="http://schemas.openxmlformats.org/drawingml/2006/diagram" xmlns:r="http://schemas.openxmlformats.org/officeDocument/2006/relationships" r:dm="rId2" r:lo="rId3" r:qs="rId4" r:cs="rId5"/>
+          </a:graphicData>
+        </a:graphic>
+      </p:graphicFrame>
     </p:spTree>
     <p:extLst>
       <p:ext uri="{BB962C8B-B14F-4D97-AF65-F5344CB8AC3E}">
-        <p14:creationId xmlns:p14="http://schemas.microsoft.com/office/powerpoint/2010/main" val="1604795269"/>
-      </p:ext>
-    </p:extLst>
-  </p:cSld>
-  <p:clrMapOvr>
-    <a:masterClrMapping/>
-  </p:clrMapOvr>
-</p:sld>
-</file>
-
-<file path=ppt/slides/slide5.xml><?xml version="1.0" encoding="utf-8"?>
-<p:sld xmlns:a="http://schemas.openxmlformats.org/drawingml/2006/main" xmlns:r="http://schemas.openxmlformats.org/officeDocument/2006/relationships" xmlns:p="http://schemas.openxmlformats.org/presentationml/2006/main">
-  <p:cSld>
-    <p:spTree>
-      <p:nvGrpSpPr>
-        <p:cNvPr id="1" name=""/>
-        <p:cNvGrpSpPr/>
-        <p:nvPr/>
-      </p:nvGrpSpPr>
-      <p:grpSpPr>
-        <a:xfrm>
-          <a:off x="0" y="0"/>
-          <a:ext cx="0" cy="0"/>
-          <a:chOff x="0" y="0"/>
-          <a:chExt cx="0" cy="0"/>
-        </a:xfrm>
-      </p:grpSpPr>
-      <p:sp>
-        <p:nvSpPr>
-          <p:cNvPr id="2" name="Title 1">
-            <a:extLst>
-              <a:ext uri="{FF2B5EF4-FFF2-40B4-BE49-F238E27FC236}">
-                <a16:creationId xmlns:a16="http://schemas.microsoft.com/office/drawing/2014/main" id="{C7783B1B-A2FD-4EAF-A2D2-DEBB3ADBF327}"/>
-              </a:ext>
-            </a:extLst>
-          </p:cNvPr>
-          <p:cNvSpPr>
-            <a:spLocks noGrp="1"/>
-          </p:cNvSpPr>
-          <p:nvPr>
-            <p:ph type="title"/>
-          </p:nvPr>
-        </p:nvSpPr>
-        <p:spPr/>
-        <p:txBody>
-          <a:bodyPr/>
-          <a:lstStyle/>
-          <a:p>
-            <a:r>
-              <a:rPr lang="en-US"/>
-              <a:t>Comparison to human gold-standard</a:t>
-            </a:r>
-            <a:endParaRPr lang="en-US" dirty="0"/>
-          </a:p>
-        </p:txBody>
-      </p:sp>
-      <p:sp>
-        <p:nvSpPr>
-          <p:cNvPr id="3" name="Content Placeholder 2">
-            <a:extLst>
-              <a:ext uri="{FF2B5EF4-FFF2-40B4-BE49-F238E27FC236}">
-                <a16:creationId xmlns:a16="http://schemas.microsoft.com/office/drawing/2014/main" id="{2F83B807-C74D-46C4-89CA-27F041F63620}"/>
-              </a:ext>
-            </a:extLst>
-          </p:cNvPr>
-          <p:cNvSpPr>
-            <a:spLocks noGrp="1"/>
-          </p:cNvSpPr>
-          <p:nvPr>
-            <p:ph idx="1"/>
-          </p:nvPr>
-        </p:nvSpPr>
-        <p:spPr/>
-        <p:txBody>
-          <a:bodyPr/>
-          <a:lstStyle/>
-          <a:p>
-            <a:endParaRPr lang="en-US"/>
-          </a:p>
-        </p:txBody>
-      </p:sp>
-    </p:spTree>
-    <p:extLst>
-      <p:ext uri="{BB962C8B-B14F-4D97-AF65-F5344CB8AC3E}">
-        <p14:creationId xmlns:p14="http://schemas.microsoft.com/office/powerpoint/2010/main" val="41435280"/>
+        <p14:creationId xmlns:p14="http://schemas.microsoft.com/office/powerpoint/2010/main" val="2672082361"/>
       </p:ext>
     </p:extLst>
   </p:cSld>
@@ -8729,4 +15835,299 @@
     </a:ext>
   </a:extLst>
 </a:theme>
+</file>
+
+<file path=ppt/theme/theme2.xml><?xml version="1.0" encoding="utf-8"?>
+<a:theme xmlns:a="http://schemas.openxmlformats.org/drawingml/2006/main" name="Office Theme">
+  <a:themeElements>
+    <a:clrScheme name="Office">
+      <a:dk1>
+        <a:sysClr val="windowText" lastClr="000000"/>
+      </a:dk1>
+      <a:lt1>
+        <a:sysClr val="window" lastClr="FFFFFF"/>
+      </a:lt1>
+      <a:dk2>
+        <a:srgbClr val="44546A"/>
+      </a:dk2>
+      <a:lt2>
+        <a:srgbClr val="E7E6E6"/>
+      </a:lt2>
+      <a:accent1>
+        <a:srgbClr val="4472C4"/>
+      </a:accent1>
+      <a:accent2>
+        <a:srgbClr val="ED7D31"/>
+      </a:accent2>
+      <a:accent3>
+        <a:srgbClr val="A5A5A5"/>
+      </a:accent3>
+      <a:accent4>
+        <a:srgbClr val="FFC000"/>
+      </a:accent4>
+      <a:accent5>
+        <a:srgbClr val="5B9BD5"/>
+      </a:accent5>
+      <a:accent6>
+        <a:srgbClr val="70AD47"/>
+      </a:accent6>
+      <a:hlink>
+        <a:srgbClr val="0563C1"/>
+      </a:hlink>
+      <a:folHlink>
+        <a:srgbClr val="954F72"/>
+      </a:folHlink>
+    </a:clrScheme>
+    <a:fontScheme name="Office">
+      <a:majorFont>
+        <a:latin typeface="Calibri Light" panose="020F0302020204030204"/>
+        <a:ea typeface=""/>
+        <a:cs typeface=""/>
+        <a:font script="Jpan" typeface="游ゴシック Light"/>
+        <a:font script="Hang" typeface="맑은 고딕"/>
+        <a:font script="Hans" typeface="等线 Light"/>
+        <a:font script="Hant" typeface="新細明體"/>
+        <a:font script="Arab" typeface="Times New Roman"/>
+        <a:font script="Hebr" typeface="Times New Roman"/>
+        <a:font script="Thai" typeface="Angsana New"/>
+        <a:font script="Ethi" typeface="Nyala"/>
+        <a:font script="Beng" typeface="Vrinda"/>
+        <a:font script="Gujr" typeface="Shruti"/>
+        <a:font script="Khmr" typeface="MoolBoran"/>
+        <a:font script="Knda" typeface="Tunga"/>
+        <a:font script="Guru" typeface="Raavi"/>
+        <a:font script="Cans" typeface="Euphemia"/>
+        <a:font script="Cher" typeface="Plantagenet Cherokee"/>
+        <a:font script="Yiii" typeface="Microsoft Yi Baiti"/>
+        <a:font script="Tibt" typeface="Microsoft Himalaya"/>
+        <a:font script="Thaa" typeface="MV Boli"/>
+        <a:font script="Deva" typeface="Mangal"/>
+        <a:font script="Telu" typeface="Gautami"/>
+        <a:font script="Taml" typeface="Latha"/>
+        <a:font script="Syrc" typeface="Estrangelo Edessa"/>
+        <a:font script="Orya" typeface="Kalinga"/>
+        <a:font script="Mlym" typeface="Kartika"/>
+        <a:font script="Laoo" typeface="DokChampa"/>
+        <a:font script="Sinh" typeface="Iskoola Pota"/>
+        <a:font script="Mong" typeface="Mongolian Baiti"/>
+        <a:font script="Viet" typeface="Times New Roman"/>
+        <a:font script="Uigh" typeface="Microsoft Uighur"/>
+        <a:font script="Geor" typeface="Sylfaen"/>
+        <a:font script="Armn" typeface="Arial"/>
+        <a:font script="Bugi" typeface="Leelawadee UI"/>
+        <a:font script="Bopo" typeface="Microsoft JhengHei"/>
+        <a:font script="Java" typeface="Javanese Text"/>
+        <a:font script="Lisu" typeface="Segoe UI"/>
+        <a:font script="Mymr" typeface="Myanmar Text"/>
+        <a:font script="Nkoo" typeface="Ebrima"/>
+        <a:font script="Olck" typeface="Nirmala UI"/>
+        <a:font script="Osma" typeface="Ebrima"/>
+        <a:font script="Phag" typeface="Phagspa"/>
+        <a:font script="Syrn" typeface="Estrangelo Edessa"/>
+        <a:font script="Syrj" typeface="Estrangelo Edessa"/>
+        <a:font script="Syre" typeface="Estrangelo Edessa"/>
+        <a:font script="Sora" typeface="Nirmala UI"/>
+        <a:font script="Tale" typeface="Microsoft Tai Le"/>
+        <a:font script="Talu" typeface="Microsoft New Tai Lue"/>
+        <a:font script="Tfng" typeface="Ebrima"/>
+      </a:majorFont>
+      <a:minorFont>
+        <a:latin typeface="Calibri" panose="020F0502020204030204"/>
+        <a:ea typeface=""/>
+        <a:cs typeface=""/>
+        <a:font script="Jpan" typeface="游ゴシック"/>
+        <a:font script="Hang" typeface="맑은 고딕"/>
+        <a:font script="Hans" typeface="等线"/>
+        <a:font script="Hant" typeface="新細明體"/>
+        <a:font script="Arab" typeface="Arial"/>
+        <a:font script="Hebr" typeface="Arial"/>
+        <a:font script="Thai" typeface="Cordia New"/>
+        <a:font script="Ethi" typeface="Nyala"/>
+        <a:font script="Beng" typeface="Vrinda"/>
+        <a:font script="Gujr" typeface="Shruti"/>
+        <a:font script="Khmr" typeface="DaunPenh"/>
+        <a:font script="Knda" typeface="Tunga"/>
+        <a:font script="Guru" typeface="Raavi"/>
+        <a:font script="Cans" typeface="Euphemia"/>
+        <a:font script="Cher" typeface="Plantagenet Cherokee"/>
+        <a:font script="Yiii" typeface="Microsoft Yi Baiti"/>
+        <a:font script="Tibt" typeface="Microsoft Himalaya"/>
+        <a:font script="Thaa" typeface="MV Boli"/>
+        <a:font script="Deva" typeface="Mangal"/>
+        <a:font script="Telu" typeface="Gautami"/>
+        <a:font script="Taml" typeface="Latha"/>
+        <a:font script="Syrc" typeface="Estrangelo Edessa"/>
+        <a:font script="Orya" typeface="Kalinga"/>
+        <a:font script="Mlym" typeface="Kartika"/>
+        <a:font script="Laoo" typeface="DokChampa"/>
+        <a:font script="Sinh" typeface="Iskoola Pota"/>
+        <a:font script="Mong" typeface="Mongolian Baiti"/>
+        <a:font script="Viet" typeface="Arial"/>
+        <a:font script="Uigh" typeface="Microsoft Uighur"/>
+        <a:font script="Geor" typeface="Sylfaen"/>
+        <a:font script="Armn" typeface="Arial"/>
+        <a:font script="Bugi" typeface="Leelawadee UI"/>
+        <a:font script="Bopo" typeface="Microsoft JhengHei"/>
+        <a:font script="Java" typeface="Javanese Text"/>
+        <a:font script="Lisu" typeface="Segoe UI"/>
+        <a:font script="Mymr" typeface="Myanmar Text"/>
+        <a:font script="Nkoo" typeface="Ebrima"/>
+        <a:font script="Olck" typeface="Nirmala UI"/>
+        <a:font script="Osma" typeface="Ebrima"/>
+        <a:font script="Phag" typeface="Phagspa"/>
+        <a:font script="Syrn" typeface="Estrangelo Edessa"/>
+        <a:font script="Syrj" typeface="Estrangelo Edessa"/>
+        <a:font script="Syre" typeface="Estrangelo Edessa"/>
+        <a:font script="Sora" typeface="Nirmala UI"/>
+        <a:font script="Tale" typeface="Microsoft Tai Le"/>
+        <a:font script="Talu" typeface="Microsoft New Tai Lue"/>
+        <a:font script="Tfng" typeface="Ebrima"/>
+      </a:minorFont>
+    </a:fontScheme>
+    <a:fmtScheme name="Office">
+      <a:fillStyleLst>
+        <a:solidFill>
+          <a:schemeClr val="phClr"/>
+        </a:solidFill>
+        <a:gradFill rotWithShape="1">
+          <a:gsLst>
+            <a:gs pos="0">
+              <a:schemeClr val="phClr">
+                <a:lumMod val="110000"/>
+                <a:satMod val="105000"/>
+                <a:tint val="67000"/>
+              </a:schemeClr>
+            </a:gs>
+            <a:gs pos="50000">
+              <a:schemeClr val="phClr">
+                <a:lumMod val="105000"/>
+                <a:satMod val="103000"/>
+                <a:tint val="73000"/>
+              </a:schemeClr>
+            </a:gs>
+            <a:gs pos="100000">
+              <a:schemeClr val="phClr">
+                <a:lumMod val="105000"/>
+                <a:satMod val="109000"/>
+                <a:tint val="81000"/>
+              </a:schemeClr>
+            </a:gs>
+          </a:gsLst>
+          <a:lin ang="5400000" scaled="0"/>
+        </a:gradFill>
+        <a:gradFill rotWithShape="1">
+          <a:gsLst>
+            <a:gs pos="0">
+              <a:schemeClr val="phClr">
+                <a:satMod val="103000"/>
+                <a:lumMod val="102000"/>
+                <a:tint val="94000"/>
+              </a:schemeClr>
+            </a:gs>
+            <a:gs pos="50000">
+              <a:schemeClr val="phClr">
+                <a:satMod val="110000"/>
+                <a:lumMod val="100000"/>
+                <a:shade val="100000"/>
+              </a:schemeClr>
+            </a:gs>
+            <a:gs pos="100000">
+              <a:schemeClr val="phClr">
+                <a:lumMod val="99000"/>
+                <a:satMod val="120000"/>
+                <a:shade val="78000"/>
+              </a:schemeClr>
+            </a:gs>
+          </a:gsLst>
+          <a:lin ang="5400000" scaled="0"/>
+        </a:gradFill>
+      </a:fillStyleLst>
+      <a:lnStyleLst>
+        <a:ln w="6350" cap="flat" cmpd="sng" algn="ctr">
+          <a:solidFill>
+            <a:schemeClr val="phClr"/>
+          </a:solidFill>
+          <a:prstDash val="solid"/>
+          <a:miter lim="800000"/>
+        </a:ln>
+        <a:ln w="12700" cap="flat" cmpd="sng" algn="ctr">
+          <a:solidFill>
+            <a:schemeClr val="phClr"/>
+          </a:solidFill>
+          <a:prstDash val="solid"/>
+          <a:miter lim="800000"/>
+        </a:ln>
+        <a:ln w="19050" cap="flat" cmpd="sng" algn="ctr">
+          <a:solidFill>
+            <a:schemeClr val="phClr"/>
+          </a:solidFill>
+          <a:prstDash val="solid"/>
+          <a:miter lim="800000"/>
+        </a:ln>
+      </a:lnStyleLst>
+      <a:effectStyleLst>
+        <a:effectStyle>
+          <a:effectLst/>
+        </a:effectStyle>
+        <a:effectStyle>
+          <a:effectLst/>
+        </a:effectStyle>
+        <a:effectStyle>
+          <a:effectLst>
+            <a:outerShdw blurRad="57150" dist="19050" dir="5400000" algn="ctr" rotWithShape="0">
+              <a:srgbClr val="000000">
+                <a:alpha val="63000"/>
+              </a:srgbClr>
+            </a:outerShdw>
+          </a:effectLst>
+        </a:effectStyle>
+      </a:effectStyleLst>
+      <a:bgFillStyleLst>
+        <a:solidFill>
+          <a:schemeClr val="phClr"/>
+        </a:solidFill>
+        <a:solidFill>
+          <a:schemeClr val="phClr">
+            <a:tint val="95000"/>
+            <a:satMod val="170000"/>
+          </a:schemeClr>
+        </a:solidFill>
+        <a:gradFill rotWithShape="1">
+          <a:gsLst>
+            <a:gs pos="0">
+              <a:schemeClr val="phClr">
+                <a:tint val="93000"/>
+                <a:satMod val="150000"/>
+                <a:shade val="98000"/>
+                <a:lumMod val="102000"/>
+              </a:schemeClr>
+            </a:gs>
+            <a:gs pos="50000">
+              <a:schemeClr val="phClr">
+                <a:tint val="98000"/>
+                <a:satMod val="130000"/>
+                <a:shade val="90000"/>
+                <a:lumMod val="103000"/>
+              </a:schemeClr>
+            </a:gs>
+            <a:gs pos="100000">
+              <a:schemeClr val="phClr">
+                <a:shade val="63000"/>
+                <a:satMod val="120000"/>
+              </a:schemeClr>
+            </a:gs>
+          </a:gsLst>
+          <a:lin ang="5400000" scaled="0"/>
+        </a:gradFill>
+      </a:bgFillStyleLst>
+    </a:fmtScheme>
+  </a:themeElements>
+  <a:objectDefaults/>
+  <a:extraClrSchemeLst/>
+  <a:extLst>
+    <a:ext uri="{05A4C25C-085E-4340-85A3-A5531E510DB2}">
+      <thm15:themeFamily xmlns:thm15="http://schemas.microsoft.com/office/thememl/2012/main" name="Office Theme" id="{62F939B6-93AF-4DB8-9C6B-D6C7DFDC589F}" vid="{4A3C46E8-61CC-4603-A589-7422A47A8E4A}"/>
+    </a:ext>
+  </a:extLst>
+</a:theme>
 </file>